--- a/Presentation/FIgure.pptx
+++ b/Presentation/FIgure.pptx
@@ -4,9 +4,15 @@
   <p:sldMasterIdLst>
     <p:sldMasterId id="2147483648" r:id="rId1"/>
   </p:sldMasterIdLst>
+  <p:notesMasterIdLst>
+    <p:notesMasterId r:id="rId7"/>
+  </p:notesMasterIdLst>
   <p:sldIdLst>
     <p:sldId id="644" r:id="rId2"/>
     <p:sldId id="645" r:id="rId3"/>
+    <p:sldId id="646" r:id="rId4"/>
+    <p:sldId id="631" r:id="rId5"/>
+    <p:sldId id="647" r:id="rId6"/>
   </p:sldIdLst>
   <p:sldSz cx="12192000" cy="6858000"/>
   <p:notesSz cx="6858000" cy="9144000"/>
@@ -105,7 +111,445 @@
       </a:defRPr>
     </a:lvl9pPr>
   </p:defaultTextStyle>
+  <p:extLst>
+    <p:ext uri="{EFAFB233-063F-42B5-8137-9DF3F51BA10A}">
+      <p15:sldGuideLst xmlns:p15="http://schemas.microsoft.com/office/powerpoint/2012/main"/>
+    </p:ext>
+  </p:extLst>
 </p:presentation>
+</file>
+
+<file path=ppt/notesMasters/notesMaster1.xml><?xml version="1.0" encoding="utf-8"?>
+<p:notesMaster xmlns:a="http://schemas.openxmlformats.org/drawingml/2006/main" xmlns:r="http://schemas.openxmlformats.org/officeDocument/2006/relationships" xmlns:p="http://schemas.openxmlformats.org/presentationml/2006/main">
+  <p:cSld>
+    <p:bg>
+      <p:bgRef idx="1001">
+        <a:schemeClr val="bg1"/>
+      </p:bgRef>
+    </p:bg>
+    <p:spTree>
+      <p:nvGrpSpPr>
+        <p:cNvPr id="1" name=""/>
+        <p:cNvGrpSpPr/>
+        <p:nvPr/>
+      </p:nvGrpSpPr>
+      <p:grpSpPr>
+        <a:xfrm>
+          <a:off x="0" y="0"/>
+          <a:ext cx="0" cy="0"/>
+          <a:chOff x="0" y="0"/>
+          <a:chExt cx="0" cy="0"/>
+        </a:xfrm>
+      </p:grpSpPr>
+      <p:sp>
+        <p:nvSpPr>
+          <p:cNvPr id="2" name="Header Placeholder 1"/>
+          <p:cNvSpPr>
+            <a:spLocks noGrp="1"/>
+          </p:cNvSpPr>
+          <p:nvPr>
+            <p:ph type="hdr" sz="quarter"/>
+          </p:nvPr>
+        </p:nvSpPr>
+        <p:spPr>
+          <a:xfrm>
+            <a:off x="0" y="0"/>
+            <a:ext cx="2971800" cy="458788"/>
+          </a:xfrm>
+          <a:prstGeom prst="rect">
+            <a:avLst/>
+          </a:prstGeom>
+        </p:spPr>
+        <p:txBody>
+          <a:bodyPr vert="horz" lIns="91440" tIns="45720" rIns="91440" bIns="45720" rtlCol="0"/>
+          <a:lstStyle>
+            <a:lvl1pPr algn="l">
+              <a:defRPr sz="1200"/>
+            </a:lvl1pPr>
+          </a:lstStyle>
+          <a:p>
+            <a:endParaRPr lang="en-US"/>
+          </a:p>
+        </p:txBody>
+      </p:sp>
+      <p:sp>
+        <p:nvSpPr>
+          <p:cNvPr id="3" name="Date Placeholder 2"/>
+          <p:cNvSpPr>
+            <a:spLocks noGrp="1"/>
+          </p:cNvSpPr>
+          <p:nvPr>
+            <p:ph type="dt" idx="1"/>
+          </p:nvPr>
+        </p:nvSpPr>
+        <p:spPr>
+          <a:xfrm>
+            <a:off x="3884613" y="0"/>
+            <a:ext cx="2971800" cy="458788"/>
+          </a:xfrm>
+          <a:prstGeom prst="rect">
+            <a:avLst/>
+          </a:prstGeom>
+        </p:spPr>
+        <p:txBody>
+          <a:bodyPr vert="horz" lIns="91440" tIns="45720" rIns="91440" bIns="45720" rtlCol="0"/>
+          <a:lstStyle>
+            <a:lvl1pPr algn="r">
+              <a:defRPr sz="1200"/>
+            </a:lvl1pPr>
+          </a:lstStyle>
+          <a:p>
+            <a:fld id="{C94FB6F5-5B68-4EC5-9A79-3301B8A1AA60}" type="datetimeFigureOut">
+              <a:rPr lang="en-US" smtClean="0"/>
+              <a:t>3/14/2024</a:t>
+            </a:fld>
+            <a:endParaRPr lang="en-US"/>
+          </a:p>
+        </p:txBody>
+      </p:sp>
+      <p:sp>
+        <p:nvSpPr>
+          <p:cNvPr id="4" name="Slide Image Placeholder 3"/>
+          <p:cNvSpPr>
+            <a:spLocks noGrp="1" noRot="1" noChangeAspect="1"/>
+          </p:cNvSpPr>
+          <p:nvPr>
+            <p:ph type="sldImg" idx="2"/>
+          </p:nvPr>
+        </p:nvSpPr>
+        <p:spPr>
+          <a:xfrm>
+            <a:off x="685800" y="1143000"/>
+            <a:ext cx="5486400" cy="3086100"/>
+          </a:xfrm>
+          <a:prstGeom prst="rect">
+            <a:avLst/>
+          </a:prstGeom>
+          <a:noFill/>
+          <a:ln w="12700">
+            <a:solidFill>
+              <a:prstClr val="black"/>
+            </a:solidFill>
+          </a:ln>
+        </p:spPr>
+        <p:txBody>
+          <a:bodyPr vert="horz" lIns="91440" tIns="45720" rIns="91440" bIns="45720" rtlCol="0" anchor="ctr"/>
+          <a:lstStyle/>
+          <a:p>
+            <a:endParaRPr lang="en-US"/>
+          </a:p>
+        </p:txBody>
+      </p:sp>
+      <p:sp>
+        <p:nvSpPr>
+          <p:cNvPr id="5" name="Notes Placeholder 4"/>
+          <p:cNvSpPr>
+            <a:spLocks noGrp="1"/>
+          </p:cNvSpPr>
+          <p:nvPr>
+            <p:ph type="body" sz="quarter" idx="3"/>
+          </p:nvPr>
+        </p:nvSpPr>
+        <p:spPr>
+          <a:xfrm>
+            <a:off x="685800" y="4400550"/>
+            <a:ext cx="5486400" cy="3600450"/>
+          </a:xfrm>
+          <a:prstGeom prst="rect">
+            <a:avLst/>
+          </a:prstGeom>
+        </p:spPr>
+        <p:txBody>
+          <a:bodyPr vert="horz" lIns="91440" tIns="45720" rIns="91440" bIns="45720" rtlCol="0"/>
+          <a:lstStyle/>
+          <a:p>
+            <a:pPr lvl="0"/>
+            <a:r>
+              <a:rPr lang="en-US"/>
+              <a:t>Edit Master text styles</a:t>
+            </a:r>
+          </a:p>
+          <a:p>
+            <a:pPr lvl="1"/>
+            <a:r>
+              <a:rPr lang="en-US"/>
+              <a:t>Second level</a:t>
+            </a:r>
+          </a:p>
+          <a:p>
+            <a:pPr lvl="2"/>
+            <a:r>
+              <a:rPr lang="en-US"/>
+              <a:t>Third level</a:t>
+            </a:r>
+          </a:p>
+          <a:p>
+            <a:pPr lvl="3"/>
+            <a:r>
+              <a:rPr lang="en-US"/>
+              <a:t>Fourth level</a:t>
+            </a:r>
+          </a:p>
+          <a:p>
+            <a:pPr lvl="4"/>
+            <a:r>
+              <a:rPr lang="en-US"/>
+              <a:t>Fifth level</a:t>
+            </a:r>
+          </a:p>
+        </p:txBody>
+      </p:sp>
+      <p:sp>
+        <p:nvSpPr>
+          <p:cNvPr id="6" name="Footer Placeholder 5"/>
+          <p:cNvSpPr>
+            <a:spLocks noGrp="1"/>
+          </p:cNvSpPr>
+          <p:nvPr>
+            <p:ph type="ftr" sz="quarter" idx="4"/>
+          </p:nvPr>
+        </p:nvSpPr>
+        <p:spPr>
+          <a:xfrm>
+            <a:off x="0" y="8685213"/>
+            <a:ext cx="2971800" cy="458787"/>
+          </a:xfrm>
+          <a:prstGeom prst="rect">
+            <a:avLst/>
+          </a:prstGeom>
+        </p:spPr>
+        <p:txBody>
+          <a:bodyPr vert="horz" lIns="91440" tIns="45720" rIns="91440" bIns="45720" rtlCol="0" anchor="b"/>
+          <a:lstStyle>
+            <a:lvl1pPr algn="l">
+              <a:defRPr sz="1200"/>
+            </a:lvl1pPr>
+          </a:lstStyle>
+          <a:p>
+            <a:endParaRPr lang="en-US"/>
+          </a:p>
+        </p:txBody>
+      </p:sp>
+      <p:sp>
+        <p:nvSpPr>
+          <p:cNvPr id="7" name="Slide Number Placeholder 6"/>
+          <p:cNvSpPr>
+            <a:spLocks noGrp="1"/>
+          </p:cNvSpPr>
+          <p:nvPr>
+            <p:ph type="sldNum" sz="quarter" idx="5"/>
+          </p:nvPr>
+        </p:nvSpPr>
+        <p:spPr>
+          <a:xfrm>
+            <a:off x="3884613" y="8685213"/>
+            <a:ext cx="2971800" cy="458787"/>
+          </a:xfrm>
+          <a:prstGeom prst="rect">
+            <a:avLst/>
+          </a:prstGeom>
+        </p:spPr>
+        <p:txBody>
+          <a:bodyPr vert="horz" lIns="91440" tIns="45720" rIns="91440" bIns="45720" rtlCol="0" anchor="b"/>
+          <a:lstStyle>
+            <a:lvl1pPr algn="r">
+              <a:defRPr sz="1200"/>
+            </a:lvl1pPr>
+          </a:lstStyle>
+          <a:p>
+            <a:fld id="{75B1A904-AAE8-45FD-80D2-2519F5DFCA56}" type="slidenum">
+              <a:rPr lang="en-US" smtClean="0"/>
+              <a:t>‹#›</a:t>
+            </a:fld>
+            <a:endParaRPr lang="en-US"/>
+          </a:p>
+        </p:txBody>
+      </p:sp>
+    </p:spTree>
+    <p:extLst>
+      <p:ext uri="{BB962C8B-B14F-4D97-AF65-F5344CB8AC3E}">
+        <p14:creationId xmlns:p14="http://schemas.microsoft.com/office/powerpoint/2010/main" val="526031600"/>
+      </p:ext>
+    </p:extLst>
+  </p:cSld>
+  <p:clrMap bg1="lt1" tx1="dk1" bg2="lt2" tx2="dk2" accent1="accent1" accent2="accent2" accent3="accent3" accent4="accent4" accent5="accent5" accent6="accent6" hlink="hlink" folHlink="folHlink"/>
+  <p:notesStyle>
+    <a:lvl1pPr marL="0" algn="l" defTabSz="914400" rtl="0" eaLnBrk="1" latinLnBrk="0" hangingPunct="1">
+      <a:defRPr sz="1200" kern="1200">
+        <a:solidFill>
+          <a:schemeClr val="tx1"/>
+        </a:solidFill>
+        <a:latin typeface="+mn-lt"/>
+        <a:ea typeface="+mn-ea"/>
+        <a:cs typeface="+mn-cs"/>
+      </a:defRPr>
+    </a:lvl1pPr>
+    <a:lvl2pPr marL="457200" algn="l" defTabSz="914400" rtl="0" eaLnBrk="1" latinLnBrk="0" hangingPunct="1">
+      <a:defRPr sz="1200" kern="1200">
+        <a:solidFill>
+          <a:schemeClr val="tx1"/>
+        </a:solidFill>
+        <a:latin typeface="+mn-lt"/>
+        <a:ea typeface="+mn-ea"/>
+        <a:cs typeface="+mn-cs"/>
+      </a:defRPr>
+    </a:lvl2pPr>
+    <a:lvl3pPr marL="914400" algn="l" defTabSz="914400" rtl="0" eaLnBrk="1" latinLnBrk="0" hangingPunct="1">
+      <a:defRPr sz="1200" kern="1200">
+        <a:solidFill>
+          <a:schemeClr val="tx1"/>
+        </a:solidFill>
+        <a:latin typeface="+mn-lt"/>
+        <a:ea typeface="+mn-ea"/>
+        <a:cs typeface="+mn-cs"/>
+      </a:defRPr>
+    </a:lvl3pPr>
+    <a:lvl4pPr marL="1371600" algn="l" defTabSz="914400" rtl="0" eaLnBrk="1" latinLnBrk="0" hangingPunct="1">
+      <a:defRPr sz="1200" kern="1200">
+        <a:solidFill>
+          <a:schemeClr val="tx1"/>
+        </a:solidFill>
+        <a:latin typeface="+mn-lt"/>
+        <a:ea typeface="+mn-ea"/>
+        <a:cs typeface="+mn-cs"/>
+      </a:defRPr>
+    </a:lvl4pPr>
+    <a:lvl5pPr marL="1828800" algn="l" defTabSz="914400" rtl="0" eaLnBrk="1" latinLnBrk="0" hangingPunct="1">
+      <a:defRPr sz="1200" kern="1200">
+        <a:solidFill>
+          <a:schemeClr val="tx1"/>
+        </a:solidFill>
+        <a:latin typeface="+mn-lt"/>
+        <a:ea typeface="+mn-ea"/>
+        <a:cs typeface="+mn-cs"/>
+      </a:defRPr>
+    </a:lvl5pPr>
+    <a:lvl6pPr marL="2286000" algn="l" defTabSz="914400" rtl="0" eaLnBrk="1" latinLnBrk="0" hangingPunct="1">
+      <a:defRPr sz="1200" kern="1200">
+        <a:solidFill>
+          <a:schemeClr val="tx1"/>
+        </a:solidFill>
+        <a:latin typeface="+mn-lt"/>
+        <a:ea typeface="+mn-ea"/>
+        <a:cs typeface="+mn-cs"/>
+      </a:defRPr>
+    </a:lvl6pPr>
+    <a:lvl7pPr marL="2743200" algn="l" defTabSz="914400" rtl="0" eaLnBrk="1" latinLnBrk="0" hangingPunct="1">
+      <a:defRPr sz="1200" kern="1200">
+        <a:solidFill>
+          <a:schemeClr val="tx1"/>
+        </a:solidFill>
+        <a:latin typeface="+mn-lt"/>
+        <a:ea typeface="+mn-ea"/>
+        <a:cs typeface="+mn-cs"/>
+      </a:defRPr>
+    </a:lvl7pPr>
+    <a:lvl8pPr marL="3200400" algn="l" defTabSz="914400" rtl="0" eaLnBrk="1" latinLnBrk="0" hangingPunct="1">
+      <a:defRPr sz="1200" kern="1200">
+        <a:solidFill>
+          <a:schemeClr val="tx1"/>
+        </a:solidFill>
+        <a:latin typeface="+mn-lt"/>
+        <a:ea typeface="+mn-ea"/>
+        <a:cs typeface="+mn-cs"/>
+      </a:defRPr>
+    </a:lvl8pPr>
+    <a:lvl9pPr marL="3657600" algn="l" defTabSz="914400" rtl="0" eaLnBrk="1" latinLnBrk="0" hangingPunct="1">
+      <a:defRPr sz="1200" kern="1200">
+        <a:solidFill>
+          <a:schemeClr val="tx1"/>
+        </a:solidFill>
+        <a:latin typeface="+mn-lt"/>
+        <a:ea typeface="+mn-ea"/>
+        <a:cs typeface="+mn-cs"/>
+      </a:defRPr>
+    </a:lvl9pPr>
+  </p:notesStyle>
+</p:notesMaster>
+</file>
+
+<file path=ppt/notesSlides/notesSlide1.xml><?xml version="1.0" encoding="utf-8"?>
+<p:notes xmlns:a="http://schemas.openxmlformats.org/drawingml/2006/main" xmlns:r="http://schemas.openxmlformats.org/officeDocument/2006/relationships" xmlns:p="http://schemas.openxmlformats.org/presentationml/2006/main">
+  <p:cSld>
+    <p:spTree>
+      <p:nvGrpSpPr>
+        <p:cNvPr id="1" name=""/>
+        <p:cNvGrpSpPr/>
+        <p:nvPr/>
+      </p:nvGrpSpPr>
+      <p:grpSpPr>
+        <a:xfrm>
+          <a:off x="0" y="0"/>
+          <a:ext cx="0" cy="0"/>
+          <a:chOff x="0" y="0"/>
+          <a:chExt cx="0" cy="0"/>
+        </a:xfrm>
+      </p:grpSpPr>
+      <p:sp>
+        <p:nvSpPr>
+          <p:cNvPr id="2" name="Slide Image Placeholder 1"/>
+          <p:cNvSpPr>
+            <a:spLocks noGrp="1" noRot="1" noChangeAspect="1"/>
+          </p:cNvSpPr>
+          <p:nvPr>
+            <p:ph type="sldImg"/>
+          </p:nvPr>
+        </p:nvSpPr>
+        <p:spPr/>
+      </p:sp>
+      <p:sp>
+        <p:nvSpPr>
+          <p:cNvPr id="3" name="Notes Placeholder 2"/>
+          <p:cNvSpPr>
+            <a:spLocks noGrp="1"/>
+          </p:cNvSpPr>
+          <p:nvPr>
+            <p:ph type="body" idx="1"/>
+          </p:nvPr>
+        </p:nvSpPr>
+        <p:spPr/>
+        <p:txBody>
+          <a:bodyPr/>
+          <a:lstStyle/>
+          <a:p>
+            <a:endParaRPr lang="en-US" dirty="0"/>
+          </a:p>
+        </p:txBody>
+      </p:sp>
+      <p:sp>
+        <p:nvSpPr>
+          <p:cNvPr id="4" name="Slide Number Placeholder 3"/>
+          <p:cNvSpPr>
+            <a:spLocks noGrp="1"/>
+          </p:cNvSpPr>
+          <p:nvPr>
+            <p:ph type="sldNum" sz="quarter" idx="5"/>
+          </p:nvPr>
+        </p:nvSpPr>
+        <p:spPr/>
+        <p:txBody>
+          <a:bodyPr/>
+          <a:lstStyle/>
+          <a:p>
+            <a:fld id="{8AA12157-9AD4-48F8-AEAA-45810FBBD924}" type="slidenum">
+              <a:rPr lang="en-US" smtClean="0"/>
+              <a:t>4</a:t>
+            </a:fld>
+            <a:endParaRPr lang="en-US"/>
+          </a:p>
+        </p:txBody>
+      </p:sp>
+    </p:spTree>
+    <p:extLst>
+      <p:ext uri="{BB962C8B-B14F-4D97-AF65-F5344CB8AC3E}">
+        <p14:creationId xmlns:p14="http://schemas.microsoft.com/office/powerpoint/2010/main" val="1246050867"/>
+      </p:ext>
+    </p:extLst>
+  </p:cSld>
+  <p:clrMapOvr>
+    <a:masterClrMapping/>
+  </p:clrMapOvr>
+</p:notes>
 </file>
 
 <file path=ppt/slideLayouts/slideLayout1.xml><?xml version="1.0" encoding="utf-8"?>
@@ -255,7 +699,7 @@
           <a:p>
             <a:fld id="{9E1DEA52-E052-4C22-A561-CFBF7111505D}" type="datetimeFigureOut">
               <a:rPr lang="en-US" smtClean="0"/>
-              <a:t>3/11/2024</a:t>
+              <a:t>3/14/2024</a:t>
             </a:fld>
             <a:endParaRPr lang="en-US"/>
           </a:p>
@@ -453,7 +897,7 @@
           <a:p>
             <a:fld id="{9E1DEA52-E052-4C22-A561-CFBF7111505D}" type="datetimeFigureOut">
               <a:rPr lang="en-US" smtClean="0"/>
-              <a:t>3/11/2024</a:t>
+              <a:t>3/14/2024</a:t>
             </a:fld>
             <a:endParaRPr lang="en-US"/>
           </a:p>
@@ -661,7 +1105,7 @@
           <a:p>
             <a:fld id="{9E1DEA52-E052-4C22-A561-CFBF7111505D}" type="datetimeFigureOut">
               <a:rPr lang="en-US" smtClean="0"/>
-              <a:t>3/11/2024</a:t>
+              <a:t>3/14/2024</a:t>
             </a:fld>
             <a:endParaRPr lang="en-US"/>
           </a:p>
@@ -859,7 +1303,7 @@
           <a:p>
             <a:fld id="{9E1DEA52-E052-4C22-A561-CFBF7111505D}" type="datetimeFigureOut">
               <a:rPr lang="en-US" smtClean="0"/>
-              <a:t>3/11/2024</a:t>
+              <a:t>3/14/2024</a:t>
             </a:fld>
             <a:endParaRPr lang="en-US"/>
           </a:p>
@@ -1134,7 +1578,7 @@
           <a:p>
             <a:fld id="{9E1DEA52-E052-4C22-A561-CFBF7111505D}" type="datetimeFigureOut">
               <a:rPr lang="en-US" smtClean="0"/>
-              <a:t>3/11/2024</a:t>
+              <a:t>3/14/2024</a:t>
             </a:fld>
             <a:endParaRPr lang="en-US"/>
           </a:p>
@@ -1399,7 +1843,7 @@
           <a:p>
             <a:fld id="{9E1DEA52-E052-4C22-A561-CFBF7111505D}" type="datetimeFigureOut">
               <a:rPr lang="en-US" smtClean="0"/>
-              <a:t>3/11/2024</a:t>
+              <a:t>3/14/2024</a:t>
             </a:fld>
             <a:endParaRPr lang="en-US"/>
           </a:p>
@@ -1811,7 +2255,7 @@
           <a:p>
             <a:fld id="{9E1DEA52-E052-4C22-A561-CFBF7111505D}" type="datetimeFigureOut">
               <a:rPr lang="en-US" smtClean="0"/>
-              <a:t>3/11/2024</a:t>
+              <a:t>3/14/2024</a:t>
             </a:fld>
             <a:endParaRPr lang="en-US"/>
           </a:p>
@@ -1952,7 +2396,7 @@
           <a:p>
             <a:fld id="{9E1DEA52-E052-4C22-A561-CFBF7111505D}" type="datetimeFigureOut">
               <a:rPr lang="en-US" smtClean="0"/>
-              <a:t>3/11/2024</a:t>
+              <a:t>3/14/2024</a:t>
             </a:fld>
             <a:endParaRPr lang="en-US"/>
           </a:p>
@@ -2065,7 +2509,7 @@
           <a:p>
             <a:fld id="{9E1DEA52-E052-4C22-A561-CFBF7111505D}" type="datetimeFigureOut">
               <a:rPr lang="en-US" smtClean="0"/>
-              <a:t>3/11/2024</a:t>
+              <a:t>3/14/2024</a:t>
             </a:fld>
             <a:endParaRPr lang="en-US"/>
           </a:p>
@@ -2376,7 +2820,7 @@
           <a:p>
             <a:fld id="{9E1DEA52-E052-4C22-A561-CFBF7111505D}" type="datetimeFigureOut">
               <a:rPr lang="en-US" smtClean="0"/>
-              <a:t>3/11/2024</a:t>
+              <a:t>3/14/2024</a:t>
             </a:fld>
             <a:endParaRPr lang="en-US"/>
           </a:p>
@@ -2664,7 +3108,7 @@
           <a:p>
             <a:fld id="{9E1DEA52-E052-4C22-A561-CFBF7111505D}" type="datetimeFigureOut">
               <a:rPr lang="en-US" smtClean="0"/>
-              <a:t>3/11/2024</a:t>
+              <a:t>3/14/2024</a:t>
             </a:fld>
             <a:endParaRPr lang="en-US"/>
           </a:p>
@@ -2905,7 +3349,7 @@
           <a:p>
             <a:fld id="{9E1DEA52-E052-4C22-A561-CFBF7111505D}" type="datetimeFigureOut">
               <a:rPr lang="en-US" smtClean="0"/>
-              <a:t>3/11/2024</a:t>
+              <a:t>3/14/2024</a:t>
             </a:fld>
             <a:endParaRPr lang="en-US"/>
           </a:p>
@@ -5926,8 +6370,8 @@
           </a:p>
         </p:txBody>
       </p:sp>
-      <mc:AlternateContent xmlns:mc="http://schemas.openxmlformats.org/markup-compatibility/2006">
-        <mc:Choice xmlns:a14="http://schemas.microsoft.com/office/drawing/2010/main" Requires="a14">
+      <mc:AlternateContent xmlns:mc="http://schemas.openxmlformats.org/markup-compatibility/2006" xmlns:a14="http://schemas.microsoft.com/office/drawing/2010/main">
+        <mc:Choice Requires="a14">
           <p:sp>
             <p:nvSpPr>
               <p:cNvPr id="116" name="TextBox 115">
@@ -6264,7 +6708,7 @@
             </p:txBody>
           </p:sp>
         </mc:Choice>
-        <mc:Fallback>
+        <mc:Fallback xmlns="">
           <p:sp>
             <p:nvSpPr>
               <p:cNvPr id="116" name="TextBox 115">
@@ -6754,6 +7198,6052 @@
 </p:sld>
 </file>
 
+<file path=ppt/slides/slide3.xml><?xml version="1.0" encoding="utf-8"?>
+<p:sld xmlns:a="http://schemas.openxmlformats.org/drawingml/2006/main" xmlns:r="http://schemas.openxmlformats.org/officeDocument/2006/relationships" xmlns:p="http://schemas.openxmlformats.org/presentationml/2006/main">
+  <p:cSld>
+    <p:spTree>
+      <p:nvGrpSpPr>
+        <p:cNvPr id="1" name=""/>
+        <p:cNvGrpSpPr/>
+        <p:nvPr/>
+      </p:nvGrpSpPr>
+      <p:grpSpPr>
+        <a:xfrm>
+          <a:off x="0" y="0"/>
+          <a:ext cx="0" cy="0"/>
+          <a:chOff x="0" y="0"/>
+          <a:chExt cx="0" cy="0"/>
+        </a:xfrm>
+      </p:grpSpPr>
+      <p:graphicFrame>
+        <p:nvGraphicFramePr>
+          <p:cNvPr id="6" name="Table 5">
+            <a:extLst>
+              <a:ext uri="{FF2B5EF4-FFF2-40B4-BE49-F238E27FC236}">
+                <a16:creationId xmlns:a16="http://schemas.microsoft.com/office/drawing/2014/main" id="{2183FB77-3E6D-44F3-A785-8C4917233176}"/>
+              </a:ext>
+            </a:extLst>
+          </p:cNvPr>
+          <p:cNvGraphicFramePr>
+            <a:graphicFrameLocks noGrp="1"/>
+          </p:cNvGraphicFramePr>
+          <p:nvPr>
+            <p:extLst>
+              <p:ext uri="{D42A27DB-BD31-4B8C-83A1-F6EECF244321}">
+                <p14:modId xmlns:p14="http://schemas.microsoft.com/office/powerpoint/2010/main" val="901944330"/>
+              </p:ext>
+            </p:extLst>
+          </p:nvPr>
+        </p:nvGraphicFramePr>
+        <p:xfrm>
+          <a:off x="544438" y="725932"/>
+          <a:ext cx="11103124" cy="5574748"/>
+        </p:xfrm>
+        <a:graphic>
+          <a:graphicData uri="http://schemas.openxmlformats.org/drawingml/2006/table">
+            <a:tbl>
+              <a:tblPr firstRow="1" firstCol="1" bandRow="1">
+                <a:tableStyleId>{5C22544A-7EE6-4342-B048-85BDC9FD1C3A}</a:tableStyleId>
+              </a:tblPr>
+              <a:tblGrid>
+                <a:gridCol w="1786424">
+                  <a:extLst>
+                    <a:ext uri="{9D8B030D-6E8A-4147-A177-3AD203B41FA5}">
+                      <a16:colId xmlns:a16="http://schemas.microsoft.com/office/drawing/2014/main" val="1369500813"/>
+                    </a:ext>
+                  </a:extLst>
+                </a:gridCol>
+                <a:gridCol w="1653063">
+                  <a:extLst>
+                    <a:ext uri="{9D8B030D-6E8A-4147-A177-3AD203B41FA5}">
+                      <a16:colId xmlns:a16="http://schemas.microsoft.com/office/drawing/2014/main" val="3707650745"/>
+                    </a:ext>
+                  </a:extLst>
+                </a:gridCol>
+                <a:gridCol w="1518152">
+                  <a:extLst>
+                    <a:ext uri="{9D8B030D-6E8A-4147-A177-3AD203B41FA5}">
+                      <a16:colId xmlns:a16="http://schemas.microsoft.com/office/drawing/2014/main" val="133691228"/>
+                    </a:ext>
+                  </a:extLst>
+                </a:gridCol>
+                <a:gridCol w="1342920">
+                  <a:extLst>
+                    <a:ext uri="{9D8B030D-6E8A-4147-A177-3AD203B41FA5}">
+                      <a16:colId xmlns:a16="http://schemas.microsoft.com/office/drawing/2014/main" val="337880142"/>
+                    </a:ext>
+                  </a:extLst>
+                </a:gridCol>
+                <a:gridCol w="1597236">
+                  <a:extLst>
+                    <a:ext uri="{9D8B030D-6E8A-4147-A177-3AD203B41FA5}">
+                      <a16:colId xmlns:a16="http://schemas.microsoft.com/office/drawing/2014/main" val="608335490"/>
+                    </a:ext>
+                  </a:extLst>
+                </a:gridCol>
+                <a:gridCol w="1327412">
+                  <a:extLst>
+                    <a:ext uri="{9D8B030D-6E8A-4147-A177-3AD203B41FA5}">
+                      <a16:colId xmlns:a16="http://schemas.microsoft.com/office/drawing/2014/main" val="2635801658"/>
+                    </a:ext>
+                  </a:extLst>
+                </a:gridCol>
+                <a:gridCol w="1877917">
+                  <a:extLst>
+                    <a:ext uri="{9D8B030D-6E8A-4147-A177-3AD203B41FA5}">
+                      <a16:colId xmlns:a16="http://schemas.microsoft.com/office/drawing/2014/main" val="2394314037"/>
+                    </a:ext>
+                  </a:extLst>
+                </a:gridCol>
+              </a:tblGrid>
+              <a:tr h="851089">
+                <a:tc>
+                  <a:txBody>
+                    <a:bodyPr/>
+                    <a:lstStyle/>
+                    <a:p>
+                      <a:pPr marL="0" marR="0" algn="ctr">
+                        <a:lnSpc>
+                          <a:spcPct val="107000"/>
+                        </a:lnSpc>
+                        <a:spcBef>
+                          <a:spcPts val="0"/>
+                        </a:spcBef>
+                        <a:spcAft>
+                          <a:spcPts val="0"/>
+                        </a:spcAft>
+                      </a:pPr>
+                      <a:r>
+                        <a:rPr lang="en-US" sz="2000" b="1" dirty="0">
+                          <a:solidFill>
+                            <a:schemeClr val="tx1"/>
+                          </a:solidFill>
+                          <a:effectLst/>
+                        </a:rPr>
+                        <a:t>GMT</a:t>
+                      </a:r>
+                    </a:p>
+                    <a:p>
+                      <a:pPr marL="0" marR="0" algn="ctr">
+                        <a:lnSpc>
+                          <a:spcPct val="107000"/>
+                        </a:lnSpc>
+                        <a:spcBef>
+                          <a:spcPts val="0"/>
+                        </a:spcBef>
+                        <a:spcAft>
+                          <a:spcPts val="0"/>
+                        </a:spcAft>
+                      </a:pPr>
+                      <a:r>
+                        <a:rPr lang="en-US" sz="2000" b="1" dirty="0">
+                          <a:solidFill>
+                            <a:schemeClr val="tx1"/>
+                          </a:solidFill>
+                          <a:effectLst/>
+                        </a:rPr>
+                        <a:t>Time</a:t>
+                      </a:r>
+                      <a:endParaRPr lang="en-US" sz="2000" b="1" dirty="0">
+                        <a:solidFill>
+                          <a:schemeClr val="tx1"/>
+                        </a:solidFill>
+                        <a:effectLst/>
+                        <a:latin typeface="Calibri" panose="020F0502020204030204" pitchFamily="34" charset="0"/>
+                        <a:ea typeface="DengXian" panose="02010600030101010101" pitchFamily="2" charset="-122"/>
+                        <a:cs typeface="Times New Roman" panose="02020603050405020304" pitchFamily="18" charset="0"/>
+                      </a:endParaRPr>
+                    </a:p>
+                  </a:txBody>
+                  <a:tcPr marL="87413" marR="87413" marT="0" marB="0" anchor="ctr">
+                    <a:lnT w="12700" cap="flat" cmpd="sng" algn="ctr">
+                      <a:solidFill>
+                        <a:schemeClr val="tx1"/>
+                      </a:solidFill>
+                      <a:prstDash val="solid"/>
+                      <a:round/>
+                      <a:headEnd type="none" w="med" len="med"/>
+                      <a:tailEnd type="none" w="med" len="med"/>
+                    </a:lnT>
+                    <a:lnB w="12700" cap="flat" cmpd="sng" algn="ctr">
+                      <a:solidFill>
+                        <a:schemeClr val="tx1"/>
+                      </a:solidFill>
+                      <a:prstDash val="solid"/>
+                      <a:round/>
+                      <a:headEnd type="none" w="med" len="med"/>
+                      <a:tailEnd type="none" w="med" len="med"/>
+                    </a:lnB>
+                    <a:noFill/>
+                  </a:tcPr>
+                </a:tc>
+                <a:tc>
+                  <a:txBody>
+                    <a:bodyPr/>
+                    <a:lstStyle/>
+                    <a:p>
+                      <a:pPr marL="0" marR="0" algn="ctr">
+                        <a:lnSpc>
+                          <a:spcPct val="107000"/>
+                        </a:lnSpc>
+                        <a:spcBef>
+                          <a:spcPts val="0"/>
+                        </a:spcBef>
+                        <a:spcAft>
+                          <a:spcPts val="0"/>
+                        </a:spcAft>
+                      </a:pPr>
+                      <a:r>
+                        <a:rPr lang="en-US" sz="2800" b="1" dirty="0">
+                          <a:solidFill>
+                            <a:schemeClr val="tx1"/>
+                          </a:solidFill>
+                          <a:effectLst/>
+                        </a:rPr>
+                        <a:t>Lat</a:t>
+                      </a:r>
+                      <a:endParaRPr lang="en-US" sz="2800" b="1" dirty="0">
+                        <a:solidFill>
+                          <a:schemeClr val="tx1"/>
+                        </a:solidFill>
+                        <a:effectLst/>
+                        <a:latin typeface="Calibri" panose="020F0502020204030204" pitchFamily="34" charset="0"/>
+                        <a:ea typeface="DengXian" panose="02010600030101010101" pitchFamily="2" charset="-122"/>
+                        <a:cs typeface="Times New Roman" panose="02020603050405020304" pitchFamily="18" charset="0"/>
+                      </a:endParaRPr>
+                    </a:p>
+                  </a:txBody>
+                  <a:tcPr marL="87413" marR="87413" marT="0" marB="0" anchor="ctr">
+                    <a:lnT w="12700" cap="flat" cmpd="sng" algn="ctr">
+                      <a:solidFill>
+                        <a:schemeClr val="tx1"/>
+                      </a:solidFill>
+                      <a:prstDash val="solid"/>
+                      <a:round/>
+                      <a:headEnd type="none" w="med" len="med"/>
+                      <a:tailEnd type="none" w="med" len="med"/>
+                    </a:lnT>
+                    <a:lnB w="12700" cap="flat" cmpd="sng" algn="ctr">
+                      <a:solidFill>
+                        <a:schemeClr val="tx1"/>
+                      </a:solidFill>
+                      <a:prstDash val="solid"/>
+                      <a:round/>
+                      <a:headEnd type="none" w="med" len="med"/>
+                      <a:tailEnd type="none" w="med" len="med"/>
+                    </a:lnB>
+                    <a:noFill/>
+                  </a:tcPr>
+                </a:tc>
+                <a:tc>
+                  <a:txBody>
+                    <a:bodyPr/>
+                    <a:lstStyle/>
+                    <a:p>
+                      <a:pPr marL="0" marR="0" algn="ctr">
+                        <a:lnSpc>
+                          <a:spcPct val="107000"/>
+                        </a:lnSpc>
+                        <a:spcBef>
+                          <a:spcPts val="0"/>
+                        </a:spcBef>
+                        <a:spcAft>
+                          <a:spcPts val="0"/>
+                        </a:spcAft>
+                      </a:pPr>
+                      <a:r>
+                        <a:rPr lang="en-US" sz="2800" b="1" dirty="0">
+                          <a:solidFill>
+                            <a:schemeClr val="tx1"/>
+                          </a:solidFill>
+                          <a:effectLst/>
+                        </a:rPr>
+                        <a:t>Lon</a:t>
+                      </a:r>
+                      <a:endParaRPr lang="en-US" sz="2800" b="1" dirty="0">
+                        <a:solidFill>
+                          <a:schemeClr val="tx1"/>
+                        </a:solidFill>
+                        <a:effectLst/>
+                        <a:latin typeface="Calibri" panose="020F0502020204030204" pitchFamily="34" charset="0"/>
+                        <a:ea typeface="DengXian" panose="02010600030101010101" pitchFamily="2" charset="-122"/>
+                        <a:cs typeface="Times New Roman" panose="02020603050405020304" pitchFamily="18" charset="0"/>
+                      </a:endParaRPr>
+                    </a:p>
+                  </a:txBody>
+                  <a:tcPr marL="87413" marR="87413" marT="0" marB="0" anchor="ctr">
+                    <a:lnT w="12700" cap="flat" cmpd="sng" algn="ctr">
+                      <a:solidFill>
+                        <a:schemeClr val="tx1"/>
+                      </a:solidFill>
+                      <a:prstDash val="solid"/>
+                      <a:round/>
+                      <a:headEnd type="none" w="med" len="med"/>
+                      <a:tailEnd type="none" w="med" len="med"/>
+                    </a:lnT>
+                    <a:lnB w="12700" cap="flat" cmpd="sng" algn="ctr">
+                      <a:solidFill>
+                        <a:schemeClr val="tx1"/>
+                      </a:solidFill>
+                      <a:prstDash val="solid"/>
+                      <a:round/>
+                      <a:headEnd type="none" w="med" len="med"/>
+                      <a:tailEnd type="none" w="med" len="med"/>
+                    </a:lnB>
+                    <a:noFill/>
+                  </a:tcPr>
+                </a:tc>
+                <a:tc>
+                  <a:txBody>
+                    <a:bodyPr/>
+                    <a:lstStyle/>
+                    <a:p>
+                      <a:pPr marL="0" marR="0" algn="ctr">
+                        <a:lnSpc>
+                          <a:spcPct val="107000"/>
+                        </a:lnSpc>
+                        <a:spcBef>
+                          <a:spcPts val="0"/>
+                        </a:spcBef>
+                        <a:spcAft>
+                          <a:spcPts val="0"/>
+                        </a:spcAft>
+                      </a:pPr>
+                      <a:r>
+                        <a:rPr lang="en-US" sz="2800" b="1" dirty="0">
+                          <a:solidFill>
+                            <a:schemeClr val="tx1"/>
+                          </a:solidFill>
+                          <a:effectLst/>
+                        </a:rPr>
+                        <a:t>Alt</a:t>
+                      </a:r>
+                    </a:p>
+                    <a:p>
+                      <a:pPr marL="0" marR="0" algn="ctr">
+                        <a:lnSpc>
+                          <a:spcPct val="107000"/>
+                        </a:lnSpc>
+                        <a:spcBef>
+                          <a:spcPts val="0"/>
+                        </a:spcBef>
+                        <a:spcAft>
+                          <a:spcPts val="0"/>
+                        </a:spcAft>
+                      </a:pPr>
+                      <a:r>
+                        <a:rPr lang="en-US" sz="2800" b="1" dirty="0">
+                          <a:solidFill>
+                            <a:schemeClr val="tx1"/>
+                          </a:solidFill>
+                          <a:effectLst/>
+                        </a:rPr>
+                        <a:t>(meter)</a:t>
+                      </a:r>
+                      <a:endParaRPr lang="en-US" sz="2800" b="1" dirty="0">
+                        <a:solidFill>
+                          <a:schemeClr val="tx1"/>
+                        </a:solidFill>
+                        <a:effectLst/>
+                        <a:latin typeface="Calibri" panose="020F0502020204030204" pitchFamily="34" charset="0"/>
+                        <a:ea typeface="DengXian" panose="02010600030101010101" pitchFamily="2" charset="-122"/>
+                        <a:cs typeface="Times New Roman" panose="02020603050405020304" pitchFamily="18" charset="0"/>
+                      </a:endParaRPr>
+                    </a:p>
+                  </a:txBody>
+                  <a:tcPr marL="87413" marR="87413" marT="0" marB="0" anchor="ctr">
+                    <a:lnT w="12700" cap="flat" cmpd="sng" algn="ctr">
+                      <a:solidFill>
+                        <a:schemeClr val="tx1"/>
+                      </a:solidFill>
+                      <a:prstDash val="solid"/>
+                      <a:round/>
+                      <a:headEnd type="none" w="med" len="med"/>
+                      <a:tailEnd type="none" w="med" len="med"/>
+                    </a:lnT>
+                    <a:lnB w="12700" cap="flat" cmpd="sng" algn="ctr">
+                      <a:solidFill>
+                        <a:schemeClr val="tx1"/>
+                      </a:solidFill>
+                      <a:prstDash val="solid"/>
+                      <a:round/>
+                      <a:headEnd type="none" w="med" len="med"/>
+                      <a:tailEnd type="none" w="med" len="med"/>
+                    </a:lnB>
+                    <a:noFill/>
+                  </a:tcPr>
+                </a:tc>
+                <a:tc>
+                  <a:txBody>
+                    <a:bodyPr/>
+                    <a:lstStyle/>
+                    <a:p>
+                      <a:pPr marL="0" marR="0" algn="ctr">
+                        <a:lnSpc>
+                          <a:spcPct val="107000"/>
+                        </a:lnSpc>
+                        <a:spcBef>
+                          <a:spcPts val="0"/>
+                        </a:spcBef>
+                        <a:spcAft>
+                          <a:spcPts val="0"/>
+                        </a:spcAft>
+                      </a:pPr>
+                      <a:r>
+                        <a:rPr lang="en-US" sz="2800" b="1" dirty="0">
+                          <a:solidFill>
+                            <a:schemeClr val="tx1"/>
+                          </a:solidFill>
+                          <a:effectLst/>
+                        </a:rPr>
+                        <a:t>Duration</a:t>
+                      </a:r>
+                    </a:p>
+                    <a:p>
+                      <a:pPr marL="0" marR="0" algn="ctr">
+                        <a:lnSpc>
+                          <a:spcPct val="107000"/>
+                        </a:lnSpc>
+                        <a:spcBef>
+                          <a:spcPts val="0"/>
+                        </a:spcBef>
+                        <a:spcAft>
+                          <a:spcPts val="0"/>
+                        </a:spcAft>
+                      </a:pPr>
+                      <a:r>
+                        <a:rPr lang="en-US" sz="2800" b="1" dirty="0">
+                          <a:solidFill>
+                            <a:schemeClr val="tx1"/>
+                          </a:solidFill>
+                          <a:effectLst/>
+                        </a:rPr>
+                        <a:t>(second)</a:t>
+                      </a:r>
+                      <a:endParaRPr lang="en-US" sz="2800" b="1" dirty="0">
+                        <a:solidFill>
+                          <a:schemeClr val="tx1"/>
+                        </a:solidFill>
+                        <a:effectLst/>
+                        <a:latin typeface="Calibri" panose="020F0502020204030204" pitchFamily="34" charset="0"/>
+                        <a:ea typeface="DengXian" panose="02010600030101010101" pitchFamily="2" charset="-122"/>
+                        <a:cs typeface="Times New Roman" panose="02020603050405020304" pitchFamily="18" charset="0"/>
+                      </a:endParaRPr>
+                    </a:p>
+                  </a:txBody>
+                  <a:tcPr marL="87413" marR="87413" marT="0" marB="0" anchor="ctr">
+                    <a:lnT w="12700" cap="flat" cmpd="sng" algn="ctr">
+                      <a:solidFill>
+                        <a:schemeClr val="tx1"/>
+                      </a:solidFill>
+                      <a:prstDash val="solid"/>
+                      <a:round/>
+                      <a:headEnd type="none" w="med" len="med"/>
+                      <a:tailEnd type="none" w="med" len="med"/>
+                    </a:lnT>
+                    <a:lnB w="12700" cap="flat" cmpd="sng" algn="ctr">
+                      <a:solidFill>
+                        <a:schemeClr val="tx1"/>
+                      </a:solidFill>
+                      <a:prstDash val="solid"/>
+                      <a:round/>
+                      <a:headEnd type="none" w="med" len="med"/>
+                      <a:tailEnd type="none" w="med" len="med"/>
+                    </a:lnB>
+                    <a:noFill/>
+                  </a:tcPr>
+                </a:tc>
+                <a:tc>
+                  <a:txBody>
+                    <a:bodyPr/>
+                    <a:lstStyle/>
+                    <a:p>
+                      <a:pPr marL="0" marR="0" algn="ctr">
+                        <a:lnSpc>
+                          <a:spcPct val="107000"/>
+                        </a:lnSpc>
+                        <a:spcBef>
+                          <a:spcPts val="0"/>
+                        </a:spcBef>
+                        <a:spcAft>
+                          <a:spcPts val="0"/>
+                        </a:spcAft>
+                      </a:pPr>
+                      <a:r>
+                        <a:rPr lang="en-US" sz="2800" b="1" dirty="0">
+                          <a:solidFill>
+                            <a:schemeClr val="tx1"/>
+                          </a:solidFill>
+                          <a:effectLst/>
+                        </a:rPr>
+                        <a:t>Temp</a:t>
+                      </a:r>
+                    </a:p>
+                    <a:p>
+                      <a:pPr marL="0" marR="0" algn="ctr">
+                        <a:lnSpc>
+                          <a:spcPct val="107000"/>
+                        </a:lnSpc>
+                        <a:spcBef>
+                          <a:spcPts val="0"/>
+                        </a:spcBef>
+                        <a:spcAft>
+                          <a:spcPts val="0"/>
+                        </a:spcAft>
+                      </a:pPr>
+                      <a:r>
+                        <a:rPr lang="en-US" sz="2800" b="1" dirty="0">
+                          <a:solidFill>
+                            <a:schemeClr val="tx1"/>
+                          </a:solidFill>
+                          <a:effectLst/>
+                        </a:rPr>
+                        <a:t>(</a:t>
+                      </a:r>
+                      <a:r>
+                        <a:rPr lang="zh-CN" sz="2800" b="1" dirty="0">
+                          <a:solidFill>
+                            <a:schemeClr val="tx1"/>
+                          </a:solidFill>
+                          <a:effectLst/>
+                        </a:rPr>
+                        <a:t>°</a:t>
+                      </a:r>
+                      <a:r>
+                        <a:rPr lang="en-US" sz="2800" b="1" dirty="0">
+                          <a:solidFill>
+                            <a:schemeClr val="tx1"/>
+                          </a:solidFill>
+                          <a:effectLst/>
+                        </a:rPr>
+                        <a:t>C)</a:t>
+                      </a:r>
+                      <a:endParaRPr lang="en-US" sz="2800" b="1" dirty="0">
+                        <a:solidFill>
+                          <a:schemeClr val="tx1"/>
+                        </a:solidFill>
+                        <a:effectLst/>
+                        <a:latin typeface="Calibri" panose="020F0502020204030204" pitchFamily="34" charset="0"/>
+                        <a:ea typeface="DengXian" panose="02010600030101010101" pitchFamily="2" charset="-122"/>
+                        <a:cs typeface="Times New Roman" panose="02020603050405020304" pitchFamily="18" charset="0"/>
+                      </a:endParaRPr>
+                    </a:p>
+                  </a:txBody>
+                  <a:tcPr marL="87413" marR="87413" marT="0" marB="0" anchor="ctr">
+                    <a:lnT w="12700" cap="flat" cmpd="sng" algn="ctr">
+                      <a:solidFill>
+                        <a:schemeClr val="tx1"/>
+                      </a:solidFill>
+                      <a:prstDash val="solid"/>
+                      <a:round/>
+                      <a:headEnd type="none" w="med" len="med"/>
+                      <a:tailEnd type="none" w="med" len="med"/>
+                    </a:lnT>
+                    <a:lnB w="12700" cap="flat" cmpd="sng" algn="ctr">
+                      <a:solidFill>
+                        <a:schemeClr val="tx1"/>
+                      </a:solidFill>
+                      <a:prstDash val="solid"/>
+                      <a:round/>
+                      <a:headEnd type="none" w="med" len="med"/>
+                      <a:tailEnd type="none" w="med" len="med"/>
+                    </a:lnB>
+                    <a:noFill/>
+                  </a:tcPr>
+                </a:tc>
+                <a:tc>
+                  <a:txBody>
+                    <a:bodyPr/>
+                    <a:lstStyle/>
+                    <a:p>
+                      <a:pPr marL="0" marR="0" algn="ctr">
+                        <a:lnSpc>
+                          <a:spcPct val="107000"/>
+                        </a:lnSpc>
+                        <a:spcBef>
+                          <a:spcPts val="0"/>
+                        </a:spcBef>
+                        <a:spcAft>
+                          <a:spcPts val="0"/>
+                        </a:spcAft>
+                      </a:pPr>
+                      <a:r>
+                        <a:rPr lang="en-US" sz="2800" b="1" dirty="0">
+                          <a:solidFill>
+                            <a:schemeClr val="tx1"/>
+                          </a:solidFill>
+                          <a:effectLst/>
+                        </a:rPr>
+                        <a:t>Satellites</a:t>
+                      </a:r>
+                      <a:endParaRPr lang="en-US" sz="2800" b="1" dirty="0">
+                        <a:solidFill>
+                          <a:schemeClr val="tx1"/>
+                        </a:solidFill>
+                        <a:effectLst/>
+                        <a:latin typeface="Calibri" panose="020F0502020204030204" pitchFamily="34" charset="0"/>
+                        <a:ea typeface="DengXian" panose="02010600030101010101" pitchFamily="2" charset="-122"/>
+                        <a:cs typeface="Times New Roman" panose="02020603050405020304" pitchFamily="18" charset="0"/>
+                      </a:endParaRPr>
+                    </a:p>
+                  </a:txBody>
+                  <a:tcPr marL="87413" marR="87413" marT="0" marB="0" anchor="ctr">
+                    <a:lnT w="12700" cap="flat" cmpd="sng" algn="ctr">
+                      <a:solidFill>
+                        <a:schemeClr val="tx1"/>
+                      </a:solidFill>
+                      <a:prstDash val="solid"/>
+                      <a:round/>
+                      <a:headEnd type="none" w="med" len="med"/>
+                      <a:tailEnd type="none" w="med" len="med"/>
+                    </a:lnT>
+                    <a:lnB w="12700" cap="flat" cmpd="sng" algn="ctr">
+                      <a:solidFill>
+                        <a:schemeClr val="tx1"/>
+                      </a:solidFill>
+                      <a:prstDash val="solid"/>
+                      <a:round/>
+                      <a:headEnd type="none" w="med" len="med"/>
+                      <a:tailEnd type="none" w="med" len="med"/>
+                    </a:lnB>
+                    <a:noFill/>
+                  </a:tcPr>
+                </a:tc>
+                <a:extLst>
+                  <a:ext uri="{0D108BD9-81ED-4DB2-BD59-A6C34878D82A}">
+                    <a16:rowId xmlns:a16="http://schemas.microsoft.com/office/drawing/2014/main" val="2158460975"/>
+                  </a:ext>
+                </a:extLst>
+              </a:tr>
+              <a:tr h="936197">
+                <a:tc>
+                  <a:txBody>
+                    <a:bodyPr/>
+                    <a:lstStyle/>
+                    <a:p>
+                      <a:pPr marL="0" marR="0" algn="ctr">
+                        <a:lnSpc>
+                          <a:spcPct val="107000"/>
+                        </a:lnSpc>
+                        <a:spcBef>
+                          <a:spcPts val="0"/>
+                        </a:spcBef>
+                        <a:spcAft>
+                          <a:spcPts val="0"/>
+                        </a:spcAft>
+                      </a:pPr>
+                      <a:r>
+                        <a:rPr lang="en-US" sz="2000" b="0" dirty="0">
+                          <a:solidFill>
+                            <a:schemeClr val="tx1"/>
+                          </a:solidFill>
+                          <a:effectLst/>
+                        </a:rPr>
+                        <a:t>6/24/2021 4:42:12 PM</a:t>
+                      </a:r>
+                      <a:endParaRPr lang="en-US" sz="2000" b="0" dirty="0">
+                        <a:solidFill>
+                          <a:schemeClr val="tx1"/>
+                        </a:solidFill>
+                        <a:effectLst/>
+                        <a:latin typeface="Calibri" panose="020F0502020204030204" pitchFamily="34" charset="0"/>
+                        <a:ea typeface="DengXian" panose="02010600030101010101" pitchFamily="2" charset="-122"/>
+                        <a:cs typeface="Times New Roman" panose="02020603050405020304" pitchFamily="18" charset="0"/>
+                      </a:endParaRPr>
+                    </a:p>
+                  </a:txBody>
+                  <a:tcPr marL="87413" marR="87413" marT="0" marB="0" anchor="ctr">
+                    <a:lnT w="12700" cap="flat" cmpd="sng" algn="ctr">
+                      <a:solidFill>
+                        <a:schemeClr val="tx1"/>
+                      </a:solidFill>
+                      <a:prstDash val="solid"/>
+                      <a:round/>
+                      <a:headEnd type="none" w="med" len="med"/>
+                      <a:tailEnd type="none" w="med" len="med"/>
+                    </a:lnT>
+                    <a:noFill/>
+                  </a:tcPr>
+                </a:tc>
+                <a:tc>
+                  <a:txBody>
+                    <a:bodyPr/>
+                    <a:lstStyle/>
+                    <a:p>
+                      <a:pPr marL="0" marR="0" algn="ctr">
+                        <a:lnSpc>
+                          <a:spcPct val="107000"/>
+                        </a:lnSpc>
+                        <a:spcBef>
+                          <a:spcPts val="0"/>
+                        </a:spcBef>
+                        <a:spcAft>
+                          <a:spcPts val="0"/>
+                        </a:spcAft>
+                      </a:pPr>
+                      <a:r>
+                        <a:rPr lang="en-US" sz="3200" b="0" dirty="0">
+                          <a:solidFill>
+                            <a:schemeClr val="tx1"/>
+                          </a:solidFill>
+                          <a:effectLst/>
+                        </a:rPr>
+                        <a:t>0</a:t>
+                      </a:r>
+                      <a:endParaRPr lang="en-US" sz="3200" b="0" dirty="0">
+                        <a:solidFill>
+                          <a:schemeClr val="tx1"/>
+                        </a:solidFill>
+                        <a:effectLst/>
+                        <a:latin typeface="Calibri" panose="020F0502020204030204" pitchFamily="34" charset="0"/>
+                        <a:ea typeface="DengXian" panose="02010600030101010101" pitchFamily="2" charset="-122"/>
+                        <a:cs typeface="Times New Roman" panose="02020603050405020304" pitchFamily="18" charset="0"/>
+                      </a:endParaRPr>
+                    </a:p>
+                  </a:txBody>
+                  <a:tcPr marL="87413" marR="87413" marT="0" marB="0" anchor="ctr">
+                    <a:lnT w="12700" cap="flat" cmpd="sng" algn="ctr">
+                      <a:solidFill>
+                        <a:schemeClr val="tx1"/>
+                      </a:solidFill>
+                      <a:prstDash val="solid"/>
+                      <a:round/>
+                      <a:headEnd type="none" w="med" len="med"/>
+                      <a:tailEnd type="none" w="med" len="med"/>
+                    </a:lnT>
+                    <a:noFill/>
+                  </a:tcPr>
+                </a:tc>
+                <a:tc>
+                  <a:txBody>
+                    <a:bodyPr/>
+                    <a:lstStyle/>
+                    <a:p>
+                      <a:pPr marL="0" marR="0" algn="ctr">
+                        <a:lnSpc>
+                          <a:spcPct val="107000"/>
+                        </a:lnSpc>
+                        <a:spcBef>
+                          <a:spcPts val="0"/>
+                        </a:spcBef>
+                        <a:spcAft>
+                          <a:spcPts val="0"/>
+                        </a:spcAft>
+                      </a:pPr>
+                      <a:r>
+                        <a:rPr lang="en-US" sz="3200" b="0" dirty="0">
+                          <a:solidFill>
+                            <a:schemeClr val="tx1"/>
+                          </a:solidFill>
+                          <a:effectLst/>
+                        </a:rPr>
+                        <a:t>0</a:t>
+                      </a:r>
+                      <a:endParaRPr lang="en-US" sz="3200" b="0" dirty="0">
+                        <a:solidFill>
+                          <a:schemeClr val="tx1"/>
+                        </a:solidFill>
+                        <a:effectLst/>
+                        <a:latin typeface="Calibri" panose="020F0502020204030204" pitchFamily="34" charset="0"/>
+                        <a:ea typeface="DengXian" panose="02010600030101010101" pitchFamily="2" charset="-122"/>
+                        <a:cs typeface="Times New Roman" panose="02020603050405020304" pitchFamily="18" charset="0"/>
+                      </a:endParaRPr>
+                    </a:p>
+                  </a:txBody>
+                  <a:tcPr marL="87413" marR="87413" marT="0" marB="0" anchor="ctr">
+                    <a:lnT w="12700" cap="flat" cmpd="sng" algn="ctr">
+                      <a:solidFill>
+                        <a:schemeClr val="tx1"/>
+                      </a:solidFill>
+                      <a:prstDash val="solid"/>
+                      <a:round/>
+                      <a:headEnd type="none" w="med" len="med"/>
+                      <a:tailEnd type="none" w="med" len="med"/>
+                    </a:lnT>
+                    <a:noFill/>
+                  </a:tcPr>
+                </a:tc>
+                <a:tc>
+                  <a:txBody>
+                    <a:bodyPr/>
+                    <a:lstStyle/>
+                    <a:p>
+                      <a:pPr marL="0" marR="0" algn="ctr">
+                        <a:lnSpc>
+                          <a:spcPct val="107000"/>
+                        </a:lnSpc>
+                        <a:spcBef>
+                          <a:spcPts val="0"/>
+                        </a:spcBef>
+                        <a:spcAft>
+                          <a:spcPts val="0"/>
+                        </a:spcAft>
+                      </a:pPr>
+                      <a:r>
+                        <a:rPr lang="en-US" sz="3200" b="0" dirty="0">
+                          <a:solidFill>
+                            <a:schemeClr val="tx1"/>
+                          </a:solidFill>
+                          <a:effectLst/>
+                        </a:rPr>
+                        <a:t>0</a:t>
+                      </a:r>
+                      <a:endParaRPr lang="en-US" sz="3200" b="0" dirty="0">
+                        <a:solidFill>
+                          <a:schemeClr val="tx1"/>
+                        </a:solidFill>
+                        <a:effectLst/>
+                        <a:latin typeface="Calibri" panose="020F0502020204030204" pitchFamily="34" charset="0"/>
+                        <a:ea typeface="DengXian" panose="02010600030101010101" pitchFamily="2" charset="-122"/>
+                        <a:cs typeface="Times New Roman" panose="02020603050405020304" pitchFamily="18" charset="0"/>
+                      </a:endParaRPr>
+                    </a:p>
+                  </a:txBody>
+                  <a:tcPr marL="87413" marR="87413" marT="0" marB="0" anchor="ctr">
+                    <a:lnT w="12700" cap="flat" cmpd="sng" algn="ctr">
+                      <a:solidFill>
+                        <a:schemeClr val="tx1"/>
+                      </a:solidFill>
+                      <a:prstDash val="solid"/>
+                      <a:round/>
+                      <a:headEnd type="none" w="med" len="med"/>
+                      <a:tailEnd type="none" w="med" len="med"/>
+                    </a:lnT>
+                    <a:noFill/>
+                  </a:tcPr>
+                </a:tc>
+                <a:tc>
+                  <a:txBody>
+                    <a:bodyPr/>
+                    <a:lstStyle/>
+                    <a:p>
+                      <a:pPr marL="0" marR="0" algn="ctr">
+                        <a:lnSpc>
+                          <a:spcPct val="107000"/>
+                        </a:lnSpc>
+                        <a:spcBef>
+                          <a:spcPts val="0"/>
+                        </a:spcBef>
+                        <a:spcAft>
+                          <a:spcPts val="0"/>
+                        </a:spcAft>
+                      </a:pPr>
+                      <a:r>
+                        <a:rPr lang="en-US" sz="3200" b="0">
+                          <a:solidFill>
+                            <a:schemeClr val="tx1"/>
+                          </a:solidFill>
+                          <a:effectLst/>
+                        </a:rPr>
+                        <a:t>2</a:t>
+                      </a:r>
+                      <a:endParaRPr lang="en-US" sz="3200" b="0">
+                        <a:solidFill>
+                          <a:schemeClr val="tx1"/>
+                        </a:solidFill>
+                        <a:effectLst/>
+                        <a:latin typeface="Calibri" panose="020F0502020204030204" pitchFamily="34" charset="0"/>
+                        <a:ea typeface="DengXian" panose="02010600030101010101" pitchFamily="2" charset="-122"/>
+                        <a:cs typeface="Times New Roman" panose="02020603050405020304" pitchFamily="18" charset="0"/>
+                      </a:endParaRPr>
+                    </a:p>
+                  </a:txBody>
+                  <a:tcPr marL="87413" marR="87413" marT="0" marB="0" anchor="ctr">
+                    <a:lnT w="12700" cap="flat" cmpd="sng" algn="ctr">
+                      <a:solidFill>
+                        <a:schemeClr val="tx1"/>
+                      </a:solidFill>
+                      <a:prstDash val="solid"/>
+                      <a:round/>
+                      <a:headEnd type="none" w="med" len="med"/>
+                      <a:tailEnd type="none" w="med" len="med"/>
+                    </a:lnT>
+                    <a:noFill/>
+                  </a:tcPr>
+                </a:tc>
+                <a:tc>
+                  <a:txBody>
+                    <a:bodyPr/>
+                    <a:lstStyle/>
+                    <a:p>
+                      <a:pPr marL="0" marR="0" algn="ctr">
+                        <a:lnSpc>
+                          <a:spcPct val="107000"/>
+                        </a:lnSpc>
+                        <a:spcBef>
+                          <a:spcPts val="0"/>
+                        </a:spcBef>
+                        <a:spcAft>
+                          <a:spcPts val="0"/>
+                        </a:spcAft>
+                      </a:pPr>
+                      <a:r>
+                        <a:rPr lang="en-US" sz="3200" b="0">
+                          <a:solidFill>
+                            <a:schemeClr val="tx1"/>
+                          </a:solidFill>
+                          <a:effectLst/>
+                        </a:rPr>
+                        <a:t>24.5</a:t>
+                      </a:r>
+                      <a:endParaRPr lang="en-US" sz="3200" b="0">
+                        <a:solidFill>
+                          <a:schemeClr val="tx1"/>
+                        </a:solidFill>
+                        <a:effectLst/>
+                        <a:latin typeface="Calibri" panose="020F0502020204030204" pitchFamily="34" charset="0"/>
+                        <a:ea typeface="DengXian" panose="02010600030101010101" pitchFamily="2" charset="-122"/>
+                        <a:cs typeface="Times New Roman" panose="02020603050405020304" pitchFamily="18" charset="0"/>
+                      </a:endParaRPr>
+                    </a:p>
+                  </a:txBody>
+                  <a:tcPr marL="87413" marR="87413" marT="0" marB="0" anchor="ctr">
+                    <a:lnT w="12700" cap="flat" cmpd="sng" algn="ctr">
+                      <a:solidFill>
+                        <a:schemeClr val="tx1"/>
+                      </a:solidFill>
+                      <a:prstDash val="solid"/>
+                      <a:round/>
+                      <a:headEnd type="none" w="med" len="med"/>
+                      <a:tailEnd type="none" w="med" len="med"/>
+                    </a:lnT>
+                    <a:noFill/>
+                  </a:tcPr>
+                </a:tc>
+                <a:tc>
+                  <a:txBody>
+                    <a:bodyPr/>
+                    <a:lstStyle/>
+                    <a:p>
+                      <a:pPr marL="0" marR="0" algn="ctr">
+                        <a:lnSpc>
+                          <a:spcPct val="107000"/>
+                        </a:lnSpc>
+                        <a:spcBef>
+                          <a:spcPts val="0"/>
+                        </a:spcBef>
+                        <a:spcAft>
+                          <a:spcPts val="0"/>
+                        </a:spcAft>
+                      </a:pPr>
+                      <a:r>
+                        <a:rPr lang="en-US" sz="3200" b="0">
+                          <a:solidFill>
+                            <a:schemeClr val="tx1"/>
+                          </a:solidFill>
+                          <a:effectLst/>
+                        </a:rPr>
+                        <a:t>0</a:t>
+                      </a:r>
+                      <a:endParaRPr lang="en-US" sz="3200" b="0">
+                        <a:solidFill>
+                          <a:schemeClr val="tx1"/>
+                        </a:solidFill>
+                        <a:effectLst/>
+                        <a:latin typeface="Calibri" panose="020F0502020204030204" pitchFamily="34" charset="0"/>
+                        <a:ea typeface="DengXian" panose="02010600030101010101" pitchFamily="2" charset="-122"/>
+                        <a:cs typeface="Times New Roman" panose="02020603050405020304" pitchFamily="18" charset="0"/>
+                      </a:endParaRPr>
+                    </a:p>
+                  </a:txBody>
+                  <a:tcPr marL="87413" marR="87413" marT="0" marB="0" anchor="ctr">
+                    <a:lnT w="12700" cap="flat" cmpd="sng" algn="ctr">
+                      <a:solidFill>
+                        <a:schemeClr val="tx1"/>
+                      </a:solidFill>
+                      <a:prstDash val="solid"/>
+                      <a:round/>
+                      <a:headEnd type="none" w="med" len="med"/>
+                      <a:tailEnd type="none" w="med" len="med"/>
+                    </a:lnT>
+                    <a:noFill/>
+                  </a:tcPr>
+                </a:tc>
+                <a:extLst>
+                  <a:ext uri="{0D108BD9-81ED-4DB2-BD59-A6C34878D82A}">
+                    <a16:rowId xmlns:a16="http://schemas.microsoft.com/office/drawing/2014/main" val="1134347682"/>
+                  </a:ext>
+                </a:extLst>
+              </a:tr>
+              <a:tr h="936197">
+                <a:tc>
+                  <a:txBody>
+                    <a:bodyPr/>
+                    <a:lstStyle/>
+                    <a:p>
+                      <a:pPr marL="0" marR="0" algn="ctr">
+                        <a:lnSpc>
+                          <a:spcPct val="107000"/>
+                        </a:lnSpc>
+                        <a:spcBef>
+                          <a:spcPts val="0"/>
+                        </a:spcBef>
+                        <a:spcAft>
+                          <a:spcPts val="0"/>
+                        </a:spcAft>
+                      </a:pPr>
+                      <a:r>
+                        <a:rPr lang="en-US" sz="2000" b="0" dirty="0">
+                          <a:solidFill>
+                            <a:schemeClr val="tx1"/>
+                          </a:solidFill>
+                          <a:effectLst/>
+                        </a:rPr>
+                        <a:t>6/24/2021 5:01:10 PM</a:t>
+                      </a:r>
+                      <a:endParaRPr lang="en-US" sz="2000" b="0" dirty="0">
+                        <a:solidFill>
+                          <a:schemeClr val="tx1"/>
+                        </a:solidFill>
+                        <a:effectLst/>
+                        <a:latin typeface="Calibri" panose="020F0502020204030204" pitchFamily="34" charset="0"/>
+                        <a:ea typeface="DengXian" panose="02010600030101010101" pitchFamily="2" charset="-122"/>
+                        <a:cs typeface="Times New Roman" panose="02020603050405020304" pitchFamily="18" charset="0"/>
+                      </a:endParaRPr>
+                    </a:p>
+                  </a:txBody>
+                  <a:tcPr marL="87413" marR="87413" marT="0" marB="0" anchor="ctr">
+                    <a:noFill/>
+                  </a:tcPr>
+                </a:tc>
+                <a:tc>
+                  <a:txBody>
+                    <a:bodyPr/>
+                    <a:lstStyle/>
+                    <a:p>
+                      <a:pPr marL="0" marR="0" algn="ctr">
+                        <a:lnSpc>
+                          <a:spcPct val="107000"/>
+                        </a:lnSpc>
+                        <a:spcBef>
+                          <a:spcPts val="0"/>
+                        </a:spcBef>
+                        <a:spcAft>
+                          <a:spcPts val="0"/>
+                        </a:spcAft>
+                      </a:pPr>
+                      <a:r>
+                        <a:rPr lang="en-US" sz="3200" b="0" dirty="0">
+                          <a:solidFill>
+                            <a:schemeClr val="tx1"/>
+                          </a:solidFill>
+                          <a:effectLst/>
+                        </a:rPr>
+                        <a:t>0</a:t>
+                      </a:r>
+                      <a:endParaRPr lang="en-US" sz="3200" b="0" dirty="0">
+                        <a:solidFill>
+                          <a:schemeClr val="tx1"/>
+                        </a:solidFill>
+                        <a:effectLst/>
+                        <a:latin typeface="Calibri" panose="020F0502020204030204" pitchFamily="34" charset="0"/>
+                        <a:ea typeface="DengXian" panose="02010600030101010101" pitchFamily="2" charset="-122"/>
+                        <a:cs typeface="Times New Roman" panose="02020603050405020304" pitchFamily="18" charset="0"/>
+                      </a:endParaRPr>
+                    </a:p>
+                  </a:txBody>
+                  <a:tcPr marL="87413" marR="87413" marT="0" marB="0" anchor="ctr">
+                    <a:noFill/>
+                  </a:tcPr>
+                </a:tc>
+                <a:tc>
+                  <a:txBody>
+                    <a:bodyPr/>
+                    <a:lstStyle/>
+                    <a:p>
+                      <a:pPr marL="0" marR="0" algn="ctr">
+                        <a:lnSpc>
+                          <a:spcPct val="107000"/>
+                        </a:lnSpc>
+                        <a:spcBef>
+                          <a:spcPts val="0"/>
+                        </a:spcBef>
+                        <a:spcAft>
+                          <a:spcPts val="0"/>
+                        </a:spcAft>
+                      </a:pPr>
+                      <a:r>
+                        <a:rPr lang="en-US" sz="3200" b="0" dirty="0">
+                          <a:solidFill>
+                            <a:schemeClr val="tx1"/>
+                          </a:solidFill>
+                          <a:effectLst/>
+                        </a:rPr>
+                        <a:t>0</a:t>
+                      </a:r>
+                      <a:endParaRPr lang="en-US" sz="3200" b="0" dirty="0">
+                        <a:solidFill>
+                          <a:schemeClr val="tx1"/>
+                        </a:solidFill>
+                        <a:effectLst/>
+                        <a:latin typeface="Calibri" panose="020F0502020204030204" pitchFamily="34" charset="0"/>
+                        <a:ea typeface="DengXian" panose="02010600030101010101" pitchFamily="2" charset="-122"/>
+                        <a:cs typeface="Times New Roman" panose="02020603050405020304" pitchFamily="18" charset="0"/>
+                      </a:endParaRPr>
+                    </a:p>
+                  </a:txBody>
+                  <a:tcPr marL="87413" marR="87413" marT="0" marB="0" anchor="ctr">
+                    <a:noFill/>
+                  </a:tcPr>
+                </a:tc>
+                <a:tc>
+                  <a:txBody>
+                    <a:bodyPr/>
+                    <a:lstStyle/>
+                    <a:p>
+                      <a:pPr marL="0" marR="0" algn="ctr">
+                        <a:lnSpc>
+                          <a:spcPct val="107000"/>
+                        </a:lnSpc>
+                        <a:spcBef>
+                          <a:spcPts val="0"/>
+                        </a:spcBef>
+                        <a:spcAft>
+                          <a:spcPts val="0"/>
+                        </a:spcAft>
+                      </a:pPr>
+                      <a:r>
+                        <a:rPr lang="en-US" sz="3200" b="0" dirty="0">
+                          <a:solidFill>
+                            <a:schemeClr val="tx1"/>
+                          </a:solidFill>
+                          <a:effectLst/>
+                        </a:rPr>
+                        <a:t>0</a:t>
+                      </a:r>
+                      <a:endParaRPr lang="en-US" sz="3200" b="0" dirty="0">
+                        <a:solidFill>
+                          <a:schemeClr val="tx1"/>
+                        </a:solidFill>
+                        <a:effectLst/>
+                        <a:latin typeface="Calibri" panose="020F0502020204030204" pitchFamily="34" charset="0"/>
+                        <a:ea typeface="DengXian" panose="02010600030101010101" pitchFamily="2" charset="-122"/>
+                        <a:cs typeface="Times New Roman" panose="02020603050405020304" pitchFamily="18" charset="0"/>
+                      </a:endParaRPr>
+                    </a:p>
+                  </a:txBody>
+                  <a:tcPr marL="87413" marR="87413" marT="0" marB="0" anchor="ctr">
+                    <a:noFill/>
+                  </a:tcPr>
+                </a:tc>
+                <a:tc>
+                  <a:txBody>
+                    <a:bodyPr/>
+                    <a:lstStyle/>
+                    <a:p>
+                      <a:pPr marL="0" marR="0" algn="ctr">
+                        <a:lnSpc>
+                          <a:spcPct val="107000"/>
+                        </a:lnSpc>
+                        <a:spcBef>
+                          <a:spcPts val="0"/>
+                        </a:spcBef>
+                        <a:spcAft>
+                          <a:spcPts val="0"/>
+                        </a:spcAft>
+                      </a:pPr>
+                      <a:r>
+                        <a:rPr lang="en-US" sz="3200" b="0" dirty="0">
+                          <a:solidFill>
+                            <a:schemeClr val="tx1"/>
+                          </a:solidFill>
+                          <a:effectLst/>
+                        </a:rPr>
+                        <a:t>70</a:t>
+                      </a:r>
+                      <a:endParaRPr lang="en-US" sz="3200" b="0" dirty="0">
+                        <a:solidFill>
+                          <a:schemeClr val="tx1"/>
+                        </a:solidFill>
+                        <a:effectLst/>
+                        <a:latin typeface="Calibri" panose="020F0502020204030204" pitchFamily="34" charset="0"/>
+                        <a:ea typeface="DengXian" panose="02010600030101010101" pitchFamily="2" charset="-122"/>
+                        <a:cs typeface="Times New Roman" panose="02020603050405020304" pitchFamily="18" charset="0"/>
+                      </a:endParaRPr>
+                    </a:p>
+                  </a:txBody>
+                  <a:tcPr marL="87413" marR="87413" marT="0" marB="0" anchor="ctr">
+                    <a:noFill/>
+                  </a:tcPr>
+                </a:tc>
+                <a:tc>
+                  <a:txBody>
+                    <a:bodyPr/>
+                    <a:lstStyle/>
+                    <a:p>
+                      <a:pPr marL="0" marR="0" algn="ctr">
+                        <a:lnSpc>
+                          <a:spcPct val="107000"/>
+                        </a:lnSpc>
+                        <a:spcBef>
+                          <a:spcPts val="0"/>
+                        </a:spcBef>
+                        <a:spcAft>
+                          <a:spcPts val="0"/>
+                        </a:spcAft>
+                      </a:pPr>
+                      <a:r>
+                        <a:rPr lang="en-US" sz="3200" b="0" dirty="0">
+                          <a:solidFill>
+                            <a:schemeClr val="tx1"/>
+                          </a:solidFill>
+                          <a:effectLst/>
+                        </a:rPr>
+                        <a:t>29.5</a:t>
+                      </a:r>
+                      <a:endParaRPr lang="en-US" sz="3200" b="0" dirty="0">
+                        <a:solidFill>
+                          <a:schemeClr val="tx1"/>
+                        </a:solidFill>
+                        <a:effectLst/>
+                        <a:latin typeface="Calibri" panose="020F0502020204030204" pitchFamily="34" charset="0"/>
+                        <a:ea typeface="DengXian" panose="02010600030101010101" pitchFamily="2" charset="-122"/>
+                        <a:cs typeface="Times New Roman" panose="02020603050405020304" pitchFamily="18" charset="0"/>
+                      </a:endParaRPr>
+                    </a:p>
+                  </a:txBody>
+                  <a:tcPr marL="87413" marR="87413" marT="0" marB="0" anchor="ctr">
+                    <a:noFill/>
+                  </a:tcPr>
+                </a:tc>
+                <a:tc>
+                  <a:txBody>
+                    <a:bodyPr/>
+                    <a:lstStyle/>
+                    <a:p>
+                      <a:pPr marL="0" marR="0" algn="ctr">
+                        <a:lnSpc>
+                          <a:spcPct val="107000"/>
+                        </a:lnSpc>
+                        <a:spcBef>
+                          <a:spcPts val="0"/>
+                        </a:spcBef>
+                        <a:spcAft>
+                          <a:spcPts val="0"/>
+                        </a:spcAft>
+                      </a:pPr>
+                      <a:r>
+                        <a:rPr lang="en-US" sz="3200" b="0">
+                          <a:solidFill>
+                            <a:schemeClr val="tx1"/>
+                          </a:solidFill>
+                          <a:effectLst/>
+                        </a:rPr>
+                        <a:t>0</a:t>
+                      </a:r>
+                      <a:endParaRPr lang="en-US" sz="3200" b="0">
+                        <a:solidFill>
+                          <a:schemeClr val="tx1"/>
+                        </a:solidFill>
+                        <a:effectLst/>
+                        <a:latin typeface="Calibri" panose="020F0502020204030204" pitchFamily="34" charset="0"/>
+                        <a:ea typeface="DengXian" panose="02010600030101010101" pitchFamily="2" charset="-122"/>
+                        <a:cs typeface="Times New Roman" panose="02020603050405020304" pitchFamily="18" charset="0"/>
+                      </a:endParaRPr>
+                    </a:p>
+                  </a:txBody>
+                  <a:tcPr marL="87413" marR="87413" marT="0" marB="0" anchor="ctr">
+                    <a:noFill/>
+                  </a:tcPr>
+                </a:tc>
+                <a:extLst>
+                  <a:ext uri="{0D108BD9-81ED-4DB2-BD59-A6C34878D82A}">
+                    <a16:rowId xmlns:a16="http://schemas.microsoft.com/office/drawing/2014/main" val="1861347465"/>
+                  </a:ext>
+                </a:extLst>
+              </a:tr>
+              <a:tr h="936197">
+                <a:tc>
+                  <a:txBody>
+                    <a:bodyPr/>
+                    <a:lstStyle/>
+                    <a:p>
+                      <a:pPr marL="0" marR="0" algn="ctr">
+                        <a:lnSpc>
+                          <a:spcPct val="107000"/>
+                        </a:lnSpc>
+                        <a:spcBef>
+                          <a:spcPts val="0"/>
+                        </a:spcBef>
+                        <a:spcAft>
+                          <a:spcPts val="0"/>
+                        </a:spcAft>
+                      </a:pPr>
+                      <a:r>
+                        <a:rPr lang="en-US" sz="2000" b="0" dirty="0">
+                          <a:solidFill>
+                            <a:schemeClr val="tx1"/>
+                          </a:solidFill>
+                          <a:effectLst/>
+                        </a:rPr>
+                        <a:t>6/24/2021 5:20:27 PM</a:t>
+                      </a:r>
+                      <a:endParaRPr lang="en-US" sz="2000" b="0" dirty="0">
+                        <a:solidFill>
+                          <a:schemeClr val="tx1"/>
+                        </a:solidFill>
+                        <a:effectLst/>
+                        <a:latin typeface="Calibri" panose="020F0502020204030204" pitchFamily="34" charset="0"/>
+                        <a:ea typeface="DengXian" panose="02010600030101010101" pitchFamily="2" charset="-122"/>
+                        <a:cs typeface="Times New Roman" panose="02020603050405020304" pitchFamily="18" charset="0"/>
+                      </a:endParaRPr>
+                    </a:p>
+                  </a:txBody>
+                  <a:tcPr marL="87413" marR="87413" marT="0" marB="0" anchor="ctr">
+                    <a:noFill/>
+                  </a:tcPr>
+                </a:tc>
+                <a:tc>
+                  <a:txBody>
+                    <a:bodyPr/>
+                    <a:lstStyle/>
+                    <a:p>
+                      <a:pPr marL="0" marR="0" algn="ctr">
+                        <a:lnSpc>
+                          <a:spcPct val="107000"/>
+                        </a:lnSpc>
+                        <a:spcBef>
+                          <a:spcPts val="0"/>
+                        </a:spcBef>
+                        <a:spcAft>
+                          <a:spcPts val="0"/>
+                        </a:spcAft>
+                      </a:pPr>
+                      <a:r>
+                        <a:rPr lang="en-US" sz="3200" b="0" dirty="0">
+                          <a:solidFill>
+                            <a:schemeClr val="tx1"/>
+                          </a:solidFill>
+                          <a:effectLst/>
+                        </a:rPr>
+                        <a:t>35.09</a:t>
+                      </a:r>
+                      <a:endParaRPr lang="en-US" sz="3200" b="0" dirty="0">
+                        <a:solidFill>
+                          <a:schemeClr val="tx1"/>
+                        </a:solidFill>
+                        <a:effectLst/>
+                        <a:latin typeface="Calibri" panose="020F0502020204030204" pitchFamily="34" charset="0"/>
+                        <a:ea typeface="DengXian" panose="02010600030101010101" pitchFamily="2" charset="-122"/>
+                        <a:cs typeface="Times New Roman" panose="02020603050405020304" pitchFamily="18" charset="0"/>
+                      </a:endParaRPr>
+                    </a:p>
+                  </a:txBody>
+                  <a:tcPr marL="87413" marR="87413" marT="0" marB="0" anchor="ctr">
+                    <a:noFill/>
+                  </a:tcPr>
+                </a:tc>
+                <a:tc>
+                  <a:txBody>
+                    <a:bodyPr/>
+                    <a:lstStyle/>
+                    <a:p>
+                      <a:pPr marL="0" marR="0" algn="ctr">
+                        <a:lnSpc>
+                          <a:spcPct val="107000"/>
+                        </a:lnSpc>
+                        <a:spcBef>
+                          <a:spcPts val="0"/>
+                        </a:spcBef>
+                        <a:spcAft>
+                          <a:spcPts val="0"/>
+                        </a:spcAft>
+                      </a:pPr>
+                      <a:r>
+                        <a:rPr lang="en-US" sz="3200" b="0" dirty="0">
+                          <a:solidFill>
+                            <a:schemeClr val="tx1"/>
+                          </a:solidFill>
+                          <a:effectLst/>
+                        </a:rPr>
+                        <a:t>-106.61</a:t>
+                      </a:r>
+                      <a:endParaRPr lang="en-US" sz="3200" b="0" dirty="0">
+                        <a:solidFill>
+                          <a:schemeClr val="tx1"/>
+                        </a:solidFill>
+                        <a:effectLst/>
+                        <a:latin typeface="Calibri" panose="020F0502020204030204" pitchFamily="34" charset="0"/>
+                        <a:ea typeface="DengXian" panose="02010600030101010101" pitchFamily="2" charset="-122"/>
+                        <a:cs typeface="Times New Roman" panose="02020603050405020304" pitchFamily="18" charset="0"/>
+                      </a:endParaRPr>
+                    </a:p>
+                  </a:txBody>
+                  <a:tcPr marL="87413" marR="87413" marT="0" marB="0" anchor="ctr">
+                    <a:noFill/>
+                  </a:tcPr>
+                </a:tc>
+                <a:tc>
+                  <a:txBody>
+                    <a:bodyPr/>
+                    <a:lstStyle/>
+                    <a:p>
+                      <a:pPr marL="0" marR="0" algn="ctr">
+                        <a:lnSpc>
+                          <a:spcPct val="107000"/>
+                        </a:lnSpc>
+                        <a:spcBef>
+                          <a:spcPts val="0"/>
+                        </a:spcBef>
+                        <a:spcAft>
+                          <a:spcPts val="0"/>
+                        </a:spcAft>
+                      </a:pPr>
+                      <a:r>
+                        <a:rPr lang="en-US" sz="3200" b="0" dirty="0">
+                          <a:solidFill>
+                            <a:schemeClr val="tx1"/>
+                          </a:solidFill>
+                          <a:effectLst/>
+                        </a:rPr>
+                        <a:t>1556.9</a:t>
+                      </a:r>
+                      <a:endParaRPr lang="en-US" sz="3200" b="0" dirty="0">
+                        <a:solidFill>
+                          <a:schemeClr val="tx1"/>
+                        </a:solidFill>
+                        <a:effectLst/>
+                        <a:latin typeface="Calibri" panose="020F0502020204030204" pitchFamily="34" charset="0"/>
+                        <a:ea typeface="DengXian" panose="02010600030101010101" pitchFamily="2" charset="-122"/>
+                        <a:cs typeface="Times New Roman" panose="02020603050405020304" pitchFamily="18" charset="0"/>
+                      </a:endParaRPr>
+                    </a:p>
+                  </a:txBody>
+                  <a:tcPr marL="87413" marR="87413" marT="0" marB="0" anchor="ctr">
+                    <a:noFill/>
+                  </a:tcPr>
+                </a:tc>
+                <a:tc>
+                  <a:txBody>
+                    <a:bodyPr/>
+                    <a:lstStyle/>
+                    <a:p>
+                      <a:pPr marL="0" marR="0" algn="ctr">
+                        <a:lnSpc>
+                          <a:spcPct val="107000"/>
+                        </a:lnSpc>
+                        <a:spcBef>
+                          <a:spcPts val="0"/>
+                        </a:spcBef>
+                        <a:spcAft>
+                          <a:spcPts val="0"/>
+                        </a:spcAft>
+                      </a:pPr>
+                      <a:r>
+                        <a:rPr lang="en-US" sz="3200" b="0" dirty="0">
+                          <a:solidFill>
+                            <a:schemeClr val="tx1"/>
+                          </a:solidFill>
+                          <a:effectLst/>
+                        </a:rPr>
+                        <a:t>41</a:t>
+                      </a:r>
+                      <a:endParaRPr lang="en-US" sz="3200" b="0" dirty="0">
+                        <a:solidFill>
+                          <a:schemeClr val="tx1"/>
+                        </a:solidFill>
+                        <a:effectLst/>
+                        <a:latin typeface="Calibri" panose="020F0502020204030204" pitchFamily="34" charset="0"/>
+                        <a:ea typeface="DengXian" panose="02010600030101010101" pitchFamily="2" charset="-122"/>
+                        <a:cs typeface="Times New Roman" panose="02020603050405020304" pitchFamily="18" charset="0"/>
+                      </a:endParaRPr>
+                    </a:p>
+                  </a:txBody>
+                  <a:tcPr marL="87413" marR="87413" marT="0" marB="0" anchor="ctr">
+                    <a:noFill/>
+                  </a:tcPr>
+                </a:tc>
+                <a:tc>
+                  <a:txBody>
+                    <a:bodyPr/>
+                    <a:lstStyle/>
+                    <a:p>
+                      <a:pPr marL="0" marR="0" algn="ctr">
+                        <a:lnSpc>
+                          <a:spcPct val="107000"/>
+                        </a:lnSpc>
+                        <a:spcBef>
+                          <a:spcPts val="0"/>
+                        </a:spcBef>
+                        <a:spcAft>
+                          <a:spcPts val="0"/>
+                        </a:spcAft>
+                      </a:pPr>
+                      <a:r>
+                        <a:rPr lang="en-US" sz="3200" b="0" dirty="0">
+                          <a:solidFill>
+                            <a:schemeClr val="tx1"/>
+                          </a:solidFill>
+                          <a:effectLst/>
+                        </a:rPr>
+                        <a:t>27</a:t>
+                      </a:r>
+                      <a:endParaRPr lang="en-US" sz="3200" b="0" dirty="0">
+                        <a:solidFill>
+                          <a:schemeClr val="tx1"/>
+                        </a:solidFill>
+                        <a:effectLst/>
+                        <a:latin typeface="Calibri" panose="020F0502020204030204" pitchFamily="34" charset="0"/>
+                        <a:ea typeface="DengXian" panose="02010600030101010101" pitchFamily="2" charset="-122"/>
+                        <a:cs typeface="Times New Roman" panose="02020603050405020304" pitchFamily="18" charset="0"/>
+                      </a:endParaRPr>
+                    </a:p>
+                  </a:txBody>
+                  <a:tcPr marL="87413" marR="87413" marT="0" marB="0" anchor="ctr">
+                    <a:noFill/>
+                  </a:tcPr>
+                </a:tc>
+                <a:tc>
+                  <a:txBody>
+                    <a:bodyPr/>
+                    <a:lstStyle/>
+                    <a:p>
+                      <a:pPr marL="0" marR="0" algn="ctr">
+                        <a:lnSpc>
+                          <a:spcPct val="107000"/>
+                        </a:lnSpc>
+                        <a:spcBef>
+                          <a:spcPts val="0"/>
+                        </a:spcBef>
+                        <a:spcAft>
+                          <a:spcPts val="0"/>
+                        </a:spcAft>
+                      </a:pPr>
+                      <a:r>
+                        <a:rPr lang="en-US" sz="3200" b="0" dirty="0">
+                          <a:solidFill>
+                            <a:schemeClr val="tx1"/>
+                          </a:solidFill>
+                          <a:effectLst/>
+                        </a:rPr>
+                        <a:t>5</a:t>
+                      </a:r>
+                      <a:endParaRPr lang="en-US" sz="3200" b="0" dirty="0">
+                        <a:solidFill>
+                          <a:schemeClr val="tx1"/>
+                        </a:solidFill>
+                        <a:effectLst/>
+                        <a:latin typeface="Calibri" panose="020F0502020204030204" pitchFamily="34" charset="0"/>
+                        <a:ea typeface="DengXian" panose="02010600030101010101" pitchFamily="2" charset="-122"/>
+                        <a:cs typeface="Times New Roman" panose="02020603050405020304" pitchFamily="18" charset="0"/>
+                      </a:endParaRPr>
+                    </a:p>
+                  </a:txBody>
+                  <a:tcPr marL="87413" marR="87413" marT="0" marB="0" anchor="ctr">
+                    <a:noFill/>
+                  </a:tcPr>
+                </a:tc>
+                <a:extLst>
+                  <a:ext uri="{0D108BD9-81ED-4DB2-BD59-A6C34878D82A}">
+                    <a16:rowId xmlns:a16="http://schemas.microsoft.com/office/drawing/2014/main" val="3763461318"/>
+                  </a:ext>
+                </a:extLst>
+              </a:tr>
+              <a:tr h="936197">
+                <a:tc>
+                  <a:txBody>
+                    <a:bodyPr/>
+                    <a:lstStyle/>
+                    <a:p>
+                      <a:pPr marL="0" marR="0" algn="ctr">
+                        <a:lnSpc>
+                          <a:spcPct val="107000"/>
+                        </a:lnSpc>
+                        <a:spcBef>
+                          <a:spcPts val="0"/>
+                        </a:spcBef>
+                        <a:spcAft>
+                          <a:spcPts val="0"/>
+                        </a:spcAft>
+                      </a:pPr>
+                      <a:r>
+                        <a:rPr lang="en-US" sz="2000" b="0" dirty="0">
+                          <a:solidFill>
+                            <a:schemeClr val="tx1"/>
+                          </a:solidFill>
+                          <a:effectLst/>
+                        </a:rPr>
+                        <a:t>6/24/2021 5:40:28 PM</a:t>
+                      </a:r>
+                      <a:endParaRPr lang="en-US" sz="2000" b="0" dirty="0">
+                        <a:solidFill>
+                          <a:schemeClr val="tx1"/>
+                        </a:solidFill>
+                        <a:effectLst/>
+                        <a:latin typeface="Calibri" panose="020F0502020204030204" pitchFamily="34" charset="0"/>
+                        <a:ea typeface="DengXian" panose="02010600030101010101" pitchFamily="2" charset="-122"/>
+                        <a:cs typeface="Times New Roman" panose="02020603050405020304" pitchFamily="18" charset="0"/>
+                      </a:endParaRPr>
+                    </a:p>
+                  </a:txBody>
+                  <a:tcPr marL="87413" marR="87413" marT="0" marB="0" anchor="ctr">
+                    <a:lnB w="12700" cap="flat" cmpd="sng" algn="ctr">
+                      <a:solidFill>
+                        <a:schemeClr val="tx1"/>
+                      </a:solidFill>
+                      <a:prstDash val="solid"/>
+                      <a:round/>
+                      <a:headEnd type="none" w="med" len="med"/>
+                      <a:tailEnd type="none" w="med" len="med"/>
+                    </a:lnB>
+                    <a:noFill/>
+                  </a:tcPr>
+                </a:tc>
+                <a:tc>
+                  <a:txBody>
+                    <a:bodyPr/>
+                    <a:lstStyle/>
+                    <a:p>
+                      <a:pPr marL="0" marR="0" algn="ctr">
+                        <a:lnSpc>
+                          <a:spcPct val="107000"/>
+                        </a:lnSpc>
+                        <a:spcBef>
+                          <a:spcPts val="0"/>
+                        </a:spcBef>
+                        <a:spcAft>
+                          <a:spcPts val="0"/>
+                        </a:spcAft>
+                      </a:pPr>
+                      <a:r>
+                        <a:rPr lang="en-US" sz="3200" b="0" dirty="0">
+                          <a:solidFill>
+                            <a:schemeClr val="tx1"/>
+                          </a:solidFill>
+                          <a:effectLst/>
+                        </a:rPr>
+                        <a:t>35.09</a:t>
+                      </a:r>
+                      <a:endParaRPr lang="en-US" sz="3200" b="0" dirty="0">
+                        <a:solidFill>
+                          <a:schemeClr val="tx1"/>
+                        </a:solidFill>
+                        <a:effectLst/>
+                        <a:latin typeface="Calibri" panose="020F0502020204030204" pitchFamily="34" charset="0"/>
+                        <a:ea typeface="DengXian" panose="02010600030101010101" pitchFamily="2" charset="-122"/>
+                        <a:cs typeface="Times New Roman" panose="02020603050405020304" pitchFamily="18" charset="0"/>
+                      </a:endParaRPr>
+                    </a:p>
+                  </a:txBody>
+                  <a:tcPr marL="87413" marR="87413" marT="0" marB="0" anchor="ctr">
+                    <a:lnB w="12700" cap="flat" cmpd="sng" algn="ctr">
+                      <a:solidFill>
+                        <a:schemeClr val="tx1"/>
+                      </a:solidFill>
+                      <a:prstDash val="solid"/>
+                      <a:round/>
+                      <a:headEnd type="none" w="med" len="med"/>
+                      <a:tailEnd type="none" w="med" len="med"/>
+                    </a:lnB>
+                    <a:noFill/>
+                  </a:tcPr>
+                </a:tc>
+                <a:tc>
+                  <a:txBody>
+                    <a:bodyPr/>
+                    <a:lstStyle/>
+                    <a:p>
+                      <a:pPr marL="0" marR="0" algn="ctr">
+                        <a:lnSpc>
+                          <a:spcPct val="107000"/>
+                        </a:lnSpc>
+                        <a:spcBef>
+                          <a:spcPts val="0"/>
+                        </a:spcBef>
+                        <a:spcAft>
+                          <a:spcPts val="0"/>
+                        </a:spcAft>
+                      </a:pPr>
+                      <a:r>
+                        <a:rPr lang="en-US" sz="3200" b="0" dirty="0">
+                          <a:solidFill>
+                            <a:schemeClr val="tx1"/>
+                          </a:solidFill>
+                          <a:effectLst/>
+                        </a:rPr>
+                        <a:t>-106.61</a:t>
+                      </a:r>
+                      <a:endParaRPr lang="en-US" sz="3200" b="0" dirty="0">
+                        <a:solidFill>
+                          <a:schemeClr val="tx1"/>
+                        </a:solidFill>
+                        <a:effectLst/>
+                        <a:latin typeface="Calibri" panose="020F0502020204030204" pitchFamily="34" charset="0"/>
+                        <a:ea typeface="DengXian" panose="02010600030101010101" pitchFamily="2" charset="-122"/>
+                        <a:cs typeface="Times New Roman" panose="02020603050405020304" pitchFamily="18" charset="0"/>
+                      </a:endParaRPr>
+                    </a:p>
+                  </a:txBody>
+                  <a:tcPr marL="87413" marR="87413" marT="0" marB="0" anchor="ctr">
+                    <a:lnB w="12700" cap="flat" cmpd="sng" algn="ctr">
+                      <a:solidFill>
+                        <a:schemeClr val="tx1"/>
+                      </a:solidFill>
+                      <a:prstDash val="solid"/>
+                      <a:round/>
+                      <a:headEnd type="none" w="med" len="med"/>
+                      <a:tailEnd type="none" w="med" len="med"/>
+                    </a:lnB>
+                    <a:noFill/>
+                  </a:tcPr>
+                </a:tc>
+                <a:tc>
+                  <a:txBody>
+                    <a:bodyPr/>
+                    <a:lstStyle/>
+                    <a:p>
+                      <a:pPr marL="0" marR="0" algn="ctr">
+                        <a:lnSpc>
+                          <a:spcPct val="107000"/>
+                        </a:lnSpc>
+                        <a:spcBef>
+                          <a:spcPts val="0"/>
+                        </a:spcBef>
+                        <a:spcAft>
+                          <a:spcPts val="0"/>
+                        </a:spcAft>
+                      </a:pPr>
+                      <a:r>
+                        <a:rPr lang="en-US" sz="3200" b="0" dirty="0">
+                          <a:solidFill>
+                            <a:schemeClr val="tx1"/>
+                          </a:solidFill>
+                          <a:effectLst/>
+                        </a:rPr>
+                        <a:t>1542.0</a:t>
+                      </a:r>
+                      <a:endParaRPr lang="en-US" sz="3200" b="0" dirty="0">
+                        <a:solidFill>
+                          <a:schemeClr val="tx1"/>
+                        </a:solidFill>
+                        <a:effectLst/>
+                        <a:latin typeface="Calibri" panose="020F0502020204030204" pitchFamily="34" charset="0"/>
+                        <a:ea typeface="DengXian" panose="02010600030101010101" pitchFamily="2" charset="-122"/>
+                        <a:cs typeface="Times New Roman" panose="02020603050405020304" pitchFamily="18" charset="0"/>
+                      </a:endParaRPr>
+                    </a:p>
+                  </a:txBody>
+                  <a:tcPr marL="87413" marR="87413" marT="0" marB="0" anchor="ctr">
+                    <a:lnB w="12700" cap="flat" cmpd="sng" algn="ctr">
+                      <a:solidFill>
+                        <a:schemeClr val="tx1"/>
+                      </a:solidFill>
+                      <a:prstDash val="solid"/>
+                      <a:round/>
+                      <a:headEnd type="none" w="med" len="med"/>
+                      <a:tailEnd type="none" w="med" len="med"/>
+                    </a:lnB>
+                    <a:noFill/>
+                  </a:tcPr>
+                </a:tc>
+                <a:tc>
+                  <a:txBody>
+                    <a:bodyPr/>
+                    <a:lstStyle/>
+                    <a:p>
+                      <a:pPr marL="0" marR="0" algn="ctr">
+                        <a:lnSpc>
+                          <a:spcPct val="107000"/>
+                        </a:lnSpc>
+                        <a:spcBef>
+                          <a:spcPts val="0"/>
+                        </a:spcBef>
+                        <a:spcAft>
+                          <a:spcPts val="0"/>
+                        </a:spcAft>
+                      </a:pPr>
+                      <a:r>
+                        <a:rPr lang="en-US" sz="3200" b="0" dirty="0">
+                          <a:solidFill>
+                            <a:schemeClr val="tx1"/>
+                          </a:solidFill>
+                          <a:effectLst/>
+                        </a:rPr>
+                        <a:t>27</a:t>
+                      </a:r>
+                      <a:endParaRPr lang="en-US" sz="3200" b="0" dirty="0">
+                        <a:solidFill>
+                          <a:schemeClr val="tx1"/>
+                        </a:solidFill>
+                        <a:effectLst/>
+                        <a:latin typeface="Calibri" panose="020F0502020204030204" pitchFamily="34" charset="0"/>
+                        <a:ea typeface="DengXian" panose="02010600030101010101" pitchFamily="2" charset="-122"/>
+                        <a:cs typeface="Times New Roman" panose="02020603050405020304" pitchFamily="18" charset="0"/>
+                      </a:endParaRPr>
+                    </a:p>
+                  </a:txBody>
+                  <a:tcPr marL="87413" marR="87413" marT="0" marB="0" anchor="ctr">
+                    <a:lnB w="12700" cap="flat" cmpd="sng" algn="ctr">
+                      <a:solidFill>
+                        <a:schemeClr val="tx1"/>
+                      </a:solidFill>
+                      <a:prstDash val="solid"/>
+                      <a:round/>
+                      <a:headEnd type="none" w="med" len="med"/>
+                      <a:tailEnd type="none" w="med" len="med"/>
+                    </a:lnB>
+                    <a:noFill/>
+                  </a:tcPr>
+                </a:tc>
+                <a:tc>
+                  <a:txBody>
+                    <a:bodyPr/>
+                    <a:lstStyle/>
+                    <a:p>
+                      <a:pPr marL="0" marR="0" algn="ctr">
+                        <a:lnSpc>
+                          <a:spcPct val="107000"/>
+                        </a:lnSpc>
+                        <a:spcBef>
+                          <a:spcPts val="0"/>
+                        </a:spcBef>
+                        <a:spcAft>
+                          <a:spcPts val="0"/>
+                        </a:spcAft>
+                      </a:pPr>
+                      <a:r>
+                        <a:rPr lang="en-US" sz="3200" b="0" dirty="0">
+                          <a:solidFill>
+                            <a:schemeClr val="tx1"/>
+                          </a:solidFill>
+                          <a:effectLst/>
+                        </a:rPr>
+                        <a:t>25.5</a:t>
+                      </a:r>
+                      <a:endParaRPr lang="en-US" sz="3200" b="0" dirty="0">
+                        <a:solidFill>
+                          <a:schemeClr val="tx1"/>
+                        </a:solidFill>
+                        <a:effectLst/>
+                        <a:latin typeface="Calibri" panose="020F0502020204030204" pitchFamily="34" charset="0"/>
+                        <a:ea typeface="DengXian" panose="02010600030101010101" pitchFamily="2" charset="-122"/>
+                        <a:cs typeface="Times New Roman" panose="02020603050405020304" pitchFamily="18" charset="0"/>
+                      </a:endParaRPr>
+                    </a:p>
+                  </a:txBody>
+                  <a:tcPr marL="87413" marR="87413" marT="0" marB="0" anchor="ctr">
+                    <a:lnB w="12700" cap="flat" cmpd="sng" algn="ctr">
+                      <a:solidFill>
+                        <a:schemeClr val="tx1"/>
+                      </a:solidFill>
+                      <a:prstDash val="solid"/>
+                      <a:round/>
+                      <a:headEnd type="none" w="med" len="med"/>
+                      <a:tailEnd type="none" w="med" len="med"/>
+                    </a:lnB>
+                    <a:noFill/>
+                  </a:tcPr>
+                </a:tc>
+                <a:tc>
+                  <a:txBody>
+                    <a:bodyPr/>
+                    <a:lstStyle/>
+                    <a:p>
+                      <a:pPr marL="0" marR="0" algn="ctr">
+                        <a:lnSpc>
+                          <a:spcPct val="107000"/>
+                        </a:lnSpc>
+                        <a:spcBef>
+                          <a:spcPts val="0"/>
+                        </a:spcBef>
+                        <a:spcAft>
+                          <a:spcPts val="0"/>
+                        </a:spcAft>
+                      </a:pPr>
+                      <a:r>
+                        <a:rPr lang="en-US" sz="3200" b="0" dirty="0">
+                          <a:solidFill>
+                            <a:schemeClr val="tx1"/>
+                          </a:solidFill>
+                          <a:effectLst/>
+                        </a:rPr>
+                        <a:t>5</a:t>
+                      </a:r>
+                      <a:endParaRPr lang="en-US" sz="3200" b="0" dirty="0">
+                        <a:solidFill>
+                          <a:schemeClr val="tx1"/>
+                        </a:solidFill>
+                        <a:effectLst/>
+                        <a:latin typeface="Calibri" panose="020F0502020204030204" pitchFamily="34" charset="0"/>
+                        <a:ea typeface="DengXian" panose="02010600030101010101" pitchFamily="2" charset="-122"/>
+                        <a:cs typeface="Times New Roman" panose="02020603050405020304" pitchFamily="18" charset="0"/>
+                      </a:endParaRPr>
+                    </a:p>
+                  </a:txBody>
+                  <a:tcPr marL="87413" marR="87413" marT="0" marB="0" anchor="ctr">
+                    <a:lnB w="12700" cap="flat" cmpd="sng" algn="ctr">
+                      <a:solidFill>
+                        <a:schemeClr val="tx1"/>
+                      </a:solidFill>
+                      <a:prstDash val="solid"/>
+                      <a:round/>
+                      <a:headEnd type="none" w="med" len="med"/>
+                      <a:tailEnd type="none" w="med" len="med"/>
+                    </a:lnB>
+                    <a:noFill/>
+                  </a:tcPr>
+                </a:tc>
+                <a:extLst>
+                  <a:ext uri="{0D108BD9-81ED-4DB2-BD59-A6C34878D82A}">
+                    <a16:rowId xmlns:a16="http://schemas.microsoft.com/office/drawing/2014/main" val="4182800350"/>
+                  </a:ext>
+                </a:extLst>
+              </a:tr>
+              <a:tr h="936197">
+                <a:tc gridSpan="7">
+                  <a:txBody>
+                    <a:bodyPr/>
+                    <a:lstStyle/>
+                    <a:p>
+                      <a:pPr marL="0" marR="0" algn="l">
+                        <a:lnSpc>
+                          <a:spcPct val="107000"/>
+                        </a:lnSpc>
+                        <a:spcBef>
+                          <a:spcPts val="0"/>
+                        </a:spcBef>
+                        <a:spcAft>
+                          <a:spcPts val="0"/>
+                        </a:spcAft>
+                      </a:pPr>
+                      <a:r>
+                        <a:rPr lang="en-US" sz="2000" b="0" dirty="0">
+                          <a:solidFill>
+                            <a:schemeClr val="tx1"/>
+                          </a:solidFill>
+                          <a:effectLst/>
+                          <a:latin typeface="Calibri" panose="020F0502020204030204" pitchFamily="34" charset="0"/>
+                          <a:ea typeface="DengXian" panose="02010600030101010101" pitchFamily="2" charset="-122"/>
+                          <a:cs typeface="Times New Roman" panose="02020603050405020304" pitchFamily="18" charset="0"/>
+                        </a:rPr>
+                        <a:t>Invalid GPS: </a:t>
+                      </a:r>
+                      <a:r>
+                        <a:rPr lang="en-US" sz="2000" b="0" dirty="0">
+                          <a:solidFill>
+                            <a:srgbClr val="FF0000"/>
+                          </a:solidFill>
+                          <a:effectLst/>
+                          <a:latin typeface="Calibri" panose="020F0502020204030204" pitchFamily="34" charset="0"/>
+                          <a:ea typeface="DengXian" panose="02010600030101010101" pitchFamily="2" charset="-122"/>
+                          <a:cs typeface="Times New Roman" panose="02020603050405020304" pitchFamily="18" charset="0"/>
+                        </a:rPr>
+                        <a:t>Alt (Altitude) &lt; 800  </a:t>
+                      </a:r>
+                      <a:r>
+                        <a:rPr lang="en-US" sz="2000" b="0" dirty="0">
+                          <a:solidFill>
+                            <a:schemeClr val="tx1"/>
+                          </a:solidFill>
+                          <a:effectLst/>
+                          <a:latin typeface="Calibri" panose="020F0502020204030204" pitchFamily="34" charset="0"/>
+                          <a:ea typeface="DengXian" panose="02010600030101010101" pitchFamily="2" charset="-122"/>
+                          <a:cs typeface="Times New Roman" panose="02020603050405020304" pitchFamily="18" charset="0"/>
+                        </a:rPr>
+                        <a:t>or  </a:t>
+                      </a:r>
+                      <a:r>
+                        <a:rPr lang="en-US" sz="2000" b="0" dirty="0">
+                          <a:solidFill>
+                            <a:srgbClr val="FF0000"/>
+                          </a:solidFill>
+                          <a:effectLst/>
+                          <a:latin typeface="Calibri" panose="020F0502020204030204" pitchFamily="34" charset="0"/>
+                          <a:ea typeface="DengXian" panose="02010600030101010101" pitchFamily="2" charset="-122"/>
+                          <a:cs typeface="Times New Roman" panose="02020603050405020304" pitchFamily="18" charset="0"/>
+                        </a:rPr>
+                        <a:t>Duration = 70  </a:t>
+                      </a:r>
+                      <a:r>
+                        <a:rPr lang="en-US" sz="2000" b="0" dirty="0">
+                          <a:solidFill>
+                            <a:schemeClr val="tx1"/>
+                          </a:solidFill>
+                          <a:effectLst/>
+                          <a:latin typeface="Calibri" panose="020F0502020204030204" pitchFamily="34" charset="0"/>
+                          <a:ea typeface="DengXian" panose="02010600030101010101" pitchFamily="2" charset="-122"/>
+                          <a:cs typeface="Times New Roman" panose="02020603050405020304" pitchFamily="18" charset="0"/>
+                        </a:rPr>
+                        <a:t>or  </a:t>
+                      </a:r>
+                      <a:r>
+                        <a:rPr lang="en-US" sz="2000" b="0" dirty="0">
+                          <a:solidFill>
+                            <a:srgbClr val="FF0000"/>
+                          </a:solidFill>
+                          <a:effectLst/>
+                          <a:latin typeface="Calibri" panose="020F0502020204030204" pitchFamily="34" charset="0"/>
+                          <a:ea typeface="DengXian" panose="02010600030101010101" pitchFamily="2" charset="-122"/>
+                          <a:cs typeface="Times New Roman" panose="02020603050405020304" pitchFamily="18" charset="0"/>
+                        </a:rPr>
+                        <a:t>Satellites (satellite number) &lt; 4</a:t>
+                      </a:r>
+                    </a:p>
+                  </a:txBody>
+                  <a:tcPr marL="87413" marR="87413" marT="0" marB="0" anchor="ctr">
+                    <a:lnT w="12700" cap="flat" cmpd="sng" algn="ctr">
+                      <a:solidFill>
+                        <a:schemeClr val="tx1"/>
+                      </a:solidFill>
+                      <a:prstDash val="solid"/>
+                      <a:round/>
+                      <a:headEnd type="none" w="med" len="med"/>
+                      <a:tailEnd type="none" w="med" len="med"/>
+                    </a:lnT>
+                    <a:lnB w="12700" cap="flat" cmpd="sng" algn="ctr">
+                      <a:solidFill>
+                        <a:schemeClr val="tx1"/>
+                      </a:solidFill>
+                      <a:prstDash val="solid"/>
+                      <a:round/>
+                      <a:headEnd type="none" w="med" len="med"/>
+                      <a:tailEnd type="none" w="med" len="med"/>
+                    </a:lnB>
+                    <a:noFill/>
+                  </a:tcPr>
+                </a:tc>
+                <a:tc hMerge="1">
+                  <a:txBody>
+                    <a:bodyPr/>
+                    <a:lstStyle/>
+                    <a:p>
+                      <a:pPr marL="0" marR="0" algn="ctr">
+                        <a:lnSpc>
+                          <a:spcPct val="107000"/>
+                        </a:lnSpc>
+                        <a:spcBef>
+                          <a:spcPts val="0"/>
+                        </a:spcBef>
+                        <a:spcAft>
+                          <a:spcPts val="0"/>
+                        </a:spcAft>
+                      </a:pPr>
+                      <a:endParaRPr lang="en-US" sz="3200" b="0" dirty="0">
+                        <a:solidFill>
+                          <a:schemeClr val="tx1"/>
+                        </a:solidFill>
+                        <a:effectLst/>
+                        <a:latin typeface="Calibri" panose="020F0502020204030204" pitchFamily="34" charset="0"/>
+                        <a:ea typeface="DengXian" panose="02010600030101010101" pitchFamily="2" charset="-122"/>
+                        <a:cs typeface="Times New Roman" panose="02020603050405020304" pitchFamily="18" charset="0"/>
+                      </a:endParaRPr>
+                    </a:p>
+                  </a:txBody>
+                  <a:tcPr marL="87413" marR="87413" marT="0" marB="0" anchor="ctr">
+                    <a:lnT w="12700" cap="flat" cmpd="sng" algn="ctr">
+                      <a:solidFill>
+                        <a:schemeClr val="tx1"/>
+                      </a:solidFill>
+                      <a:prstDash val="solid"/>
+                      <a:round/>
+                      <a:headEnd type="none" w="med" len="med"/>
+                      <a:tailEnd type="none" w="med" len="med"/>
+                    </a:lnT>
+                    <a:lnB w="12700" cap="flat" cmpd="sng" algn="ctr">
+                      <a:solidFill>
+                        <a:schemeClr val="tx1"/>
+                      </a:solidFill>
+                      <a:prstDash val="solid"/>
+                      <a:round/>
+                      <a:headEnd type="none" w="med" len="med"/>
+                      <a:tailEnd type="none" w="med" len="med"/>
+                    </a:lnB>
+                    <a:noFill/>
+                  </a:tcPr>
+                </a:tc>
+                <a:tc hMerge="1">
+                  <a:txBody>
+                    <a:bodyPr/>
+                    <a:lstStyle/>
+                    <a:p>
+                      <a:pPr marL="0" marR="0" algn="ctr">
+                        <a:lnSpc>
+                          <a:spcPct val="107000"/>
+                        </a:lnSpc>
+                        <a:spcBef>
+                          <a:spcPts val="0"/>
+                        </a:spcBef>
+                        <a:spcAft>
+                          <a:spcPts val="0"/>
+                        </a:spcAft>
+                      </a:pPr>
+                      <a:endParaRPr lang="en-US" sz="3200" b="0" dirty="0">
+                        <a:solidFill>
+                          <a:schemeClr val="tx1"/>
+                        </a:solidFill>
+                        <a:effectLst/>
+                        <a:latin typeface="Calibri" panose="020F0502020204030204" pitchFamily="34" charset="0"/>
+                        <a:ea typeface="DengXian" panose="02010600030101010101" pitchFamily="2" charset="-122"/>
+                        <a:cs typeface="Times New Roman" panose="02020603050405020304" pitchFamily="18" charset="0"/>
+                      </a:endParaRPr>
+                    </a:p>
+                  </a:txBody>
+                  <a:tcPr marL="87413" marR="87413" marT="0" marB="0" anchor="ctr">
+                    <a:lnT w="12700" cap="flat" cmpd="sng" algn="ctr">
+                      <a:solidFill>
+                        <a:schemeClr val="tx1"/>
+                      </a:solidFill>
+                      <a:prstDash val="solid"/>
+                      <a:round/>
+                      <a:headEnd type="none" w="med" len="med"/>
+                      <a:tailEnd type="none" w="med" len="med"/>
+                    </a:lnT>
+                    <a:lnB w="12700" cap="flat" cmpd="sng" algn="ctr">
+                      <a:solidFill>
+                        <a:schemeClr val="tx1"/>
+                      </a:solidFill>
+                      <a:prstDash val="solid"/>
+                      <a:round/>
+                      <a:headEnd type="none" w="med" len="med"/>
+                      <a:tailEnd type="none" w="med" len="med"/>
+                    </a:lnB>
+                    <a:noFill/>
+                  </a:tcPr>
+                </a:tc>
+                <a:tc hMerge="1">
+                  <a:txBody>
+                    <a:bodyPr/>
+                    <a:lstStyle/>
+                    <a:p>
+                      <a:pPr marL="0" marR="0" algn="ctr">
+                        <a:lnSpc>
+                          <a:spcPct val="107000"/>
+                        </a:lnSpc>
+                        <a:spcBef>
+                          <a:spcPts val="0"/>
+                        </a:spcBef>
+                        <a:spcAft>
+                          <a:spcPts val="0"/>
+                        </a:spcAft>
+                      </a:pPr>
+                      <a:endParaRPr lang="en-US" sz="3200" b="0" dirty="0">
+                        <a:solidFill>
+                          <a:schemeClr val="tx1"/>
+                        </a:solidFill>
+                        <a:effectLst/>
+                        <a:latin typeface="Calibri" panose="020F0502020204030204" pitchFamily="34" charset="0"/>
+                        <a:ea typeface="DengXian" panose="02010600030101010101" pitchFamily="2" charset="-122"/>
+                        <a:cs typeface="Times New Roman" panose="02020603050405020304" pitchFamily="18" charset="0"/>
+                      </a:endParaRPr>
+                    </a:p>
+                  </a:txBody>
+                  <a:tcPr marL="87413" marR="87413" marT="0" marB="0" anchor="ctr">
+                    <a:lnT w="12700" cap="flat" cmpd="sng" algn="ctr">
+                      <a:solidFill>
+                        <a:schemeClr val="tx1"/>
+                      </a:solidFill>
+                      <a:prstDash val="solid"/>
+                      <a:round/>
+                      <a:headEnd type="none" w="med" len="med"/>
+                      <a:tailEnd type="none" w="med" len="med"/>
+                    </a:lnT>
+                    <a:lnB w="12700" cap="flat" cmpd="sng" algn="ctr">
+                      <a:solidFill>
+                        <a:schemeClr val="tx1"/>
+                      </a:solidFill>
+                      <a:prstDash val="solid"/>
+                      <a:round/>
+                      <a:headEnd type="none" w="med" len="med"/>
+                      <a:tailEnd type="none" w="med" len="med"/>
+                    </a:lnB>
+                    <a:noFill/>
+                  </a:tcPr>
+                </a:tc>
+                <a:tc hMerge="1">
+                  <a:txBody>
+                    <a:bodyPr/>
+                    <a:lstStyle/>
+                    <a:p>
+                      <a:pPr marL="0" marR="0" algn="ctr">
+                        <a:lnSpc>
+                          <a:spcPct val="107000"/>
+                        </a:lnSpc>
+                        <a:spcBef>
+                          <a:spcPts val="0"/>
+                        </a:spcBef>
+                        <a:spcAft>
+                          <a:spcPts val="0"/>
+                        </a:spcAft>
+                      </a:pPr>
+                      <a:endParaRPr lang="en-US" sz="3200" b="0" dirty="0">
+                        <a:solidFill>
+                          <a:schemeClr val="tx1"/>
+                        </a:solidFill>
+                        <a:effectLst/>
+                        <a:latin typeface="Calibri" panose="020F0502020204030204" pitchFamily="34" charset="0"/>
+                        <a:ea typeface="DengXian" panose="02010600030101010101" pitchFamily="2" charset="-122"/>
+                        <a:cs typeface="Times New Roman" panose="02020603050405020304" pitchFamily="18" charset="0"/>
+                      </a:endParaRPr>
+                    </a:p>
+                  </a:txBody>
+                  <a:tcPr marL="87413" marR="87413" marT="0" marB="0" anchor="ctr">
+                    <a:lnT w="12700" cap="flat" cmpd="sng" algn="ctr">
+                      <a:solidFill>
+                        <a:schemeClr val="tx1"/>
+                      </a:solidFill>
+                      <a:prstDash val="solid"/>
+                      <a:round/>
+                      <a:headEnd type="none" w="med" len="med"/>
+                      <a:tailEnd type="none" w="med" len="med"/>
+                    </a:lnT>
+                    <a:lnB w="12700" cap="flat" cmpd="sng" algn="ctr">
+                      <a:solidFill>
+                        <a:schemeClr val="tx1"/>
+                      </a:solidFill>
+                      <a:prstDash val="solid"/>
+                      <a:round/>
+                      <a:headEnd type="none" w="med" len="med"/>
+                      <a:tailEnd type="none" w="med" len="med"/>
+                    </a:lnB>
+                    <a:noFill/>
+                  </a:tcPr>
+                </a:tc>
+                <a:tc hMerge="1">
+                  <a:txBody>
+                    <a:bodyPr/>
+                    <a:lstStyle/>
+                    <a:p>
+                      <a:pPr marL="0" marR="0" algn="ctr">
+                        <a:lnSpc>
+                          <a:spcPct val="107000"/>
+                        </a:lnSpc>
+                        <a:spcBef>
+                          <a:spcPts val="0"/>
+                        </a:spcBef>
+                        <a:spcAft>
+                          <a:spcPts val="0"/>
+                        </a:spcAft>
+                      </a:pPr>
+                      <a:endParaRPr lang="en-US" sz="3200" b="0" dirty="0">
+                        <a:solidFill>
+                          <a:schemeClr val="tx1"/>
+                        </a:solidFill>
+                        <a:effectLst/>
+                        <a:latin typeface="Calibri" panose="020F0502020204030204" pitchFamily="34" charset="0"/>
+                        <a:ea typeface="DengXian" panose="02010600030101010101" pitchFamily="2" charset="-122"/>
+                        <a:cs typeface="Times New Roman" panose="02020603050405020304" pitchFamily="18" charset="0"/>
+                      </a:endParaRPr>
+                    </a:p>
+                  </a:txBody>
+                  <a:tcPr marL="87413" marR="87413" marT="0" marB="0" anchor="ctr">
+                    <a:lnT w="12700" cap="flat" cmpd="sng" algn="ctr">
+                      <a:solidFill>
+                        <a:schemeClr val="tx1"/>
+                      </a:solidFill>
+                      <a:prstDash val="solid"/>
+                      <a:round/>
+                      <a:headEnd type="none" w="med" len="med"/>
+                      <a:tailEnd type="none" w="med" len="med"/>
+                    </a:lnT>
+                    <a:lnB w="12700" cap="flat" cmpd="sng" algn="ctr">
+                      <a:solidFill>
+                        <a:schemeClr val="tx1"/>
+                      </a:solidFill>
+                      <a:prstDash val="solid"/>
+                      <a:round/>
+                      <a:headEnd type="none" w="med" len="med"/>
+                      <a:tailEnd type="none" w="med" len="med"/>
+                    </a:lnB>
+                    <a:noFill/>
+                  </a:tcPr>
+                </a:tc>
+                <a:tc hMerge="1">
+                  <a:txBody>
+                    <a:bodyPr/>
+                    <a:lstStyle/>
+                    <a:p>
+                      <a:pPr marL="0" marR="0" algn="ctr">
+                        <a:lnSpc>
+                          <a:spcPct val="107000"/>
+                        </a:lnSpc>
+                        <a:spcBef>
+                          <a:spcPts val="0"/>
+                        </a:spcBef>
+                        <a:spcAft>
+                          <a:spcPts val="0"/>
+                        </a:spcAft>
+                      </a:pPr>
+                      <a:endParaRPr lang="en-US" sz="3200" b="0" dirty="0">
+                        <a:solidFill>
+                          <a:schemeClr val="tx1"/>
+                        </a:solidFill>
+                        <a:effectLst/>
+                        <a:latin typeface="Calibri" panose="020F0502020204030204" pitchFamily="34" charset="0"/>
+                        <a:ea typeface="DengXian" panose="02010600030101010101" pitchFamily="2" charset="-122"/>
+                        <a:cs typeface="Times New Roman" panose="02020603050405020304" pitchFamily="18" charset="0"/>
+                      </a:endParaRPr>
+                    </a:p>
+                  </a:txBody>
+                  <a:tcPr marL="87413" marR="87413" marT="0" marB="0" anchor="ctr">
+                    <a:lnT w="12700" cap="flat" cmpd="sng" algn="ctr">
+                      <a:solidFill>
+                        <a:schemeClr val="tx1"/>
+                      </a:solidFill>
+                      <a:prstDash val="solid"/>
+                      <a:round/>
+                      <a:headEnd type="none" w="med" len="med"/>
+                      <a:tailEnd type="none" w="med" len="med"/>
+                    </a:lnT>
+                    <a:lnB w="12700" cap="flat" cmpd="sng" algn="ctr">
+                      <a:solidFill>
+                        <a:schemeClr val="tx1"/>
+                      </a:solidFill>
+                      <a:prstDash val="solid"/>
+                      <a:round/>
+                      <a:headEnd type="none" w="med" len="med"/>
+                      <a:tailEnd type="none" w="med" len="med"/>
+                    </a:lnB>
+                    <a:noFill/>
+                  </a:tcPr>
+                </a:tc>
+                <a:extLst>
+                  <a:ext uri="{0D108BD9-81ED-4DB2-BD59-A6C34878D82A}">
+                    <a16:rowId xmlns:a16="http://schemas.microsoft.com/office/drawing/2014/main" val="1458489946"/>
+                  </a:ext>
+                </a:extLst>
+              </a:tr>
+            </a:tbl>
+          </a:graphicData>
+        </a:graphic>
+      </p:graphicFrame>
+      <p:sp>
+        <p:nvSpPr>
+          <p:cNvPr id="7" name="Rectangle: Rounded Corners 6">
+            <a:extLst>
+              <a:ext uri="{FF2B5EF4-FFF2-40B4-BE49-F238E27FC236}">
+                <a16:creationId xmlns:a16="http://schemas.microsoft.com/office/drawing/2014/main" id="{3357D5F8-B9D9-4127-A0AE-18D933F920C7}"/>
+              </a:ext>
+            </a:extLst>
+          </p:cNvPr>
+          <p:cNvSpPr/>
+          <p:nvPr/>
+        </p:nvSpPr>
+        <p:spPr>
+          <a:xfrm>
+            <a:off x="5691584" y="1772037"/>
+            <a:ext cx="936848" cy="1656963"/>
+          </a:xfrm>
+          <a:prstGeom prst="roundRect">
+            <a:avLst/>
+          </a:prstGeom>
+          <a:noFill/>
+          <a:ln w="38100">
+            <a:solidFill>
+              <a:srgbClr val="FF0000"/>
+            </a:solidFill>
+          </a:ln>
+        </p:spPr>
+        <p:style>
+          <a:lnRef idx="2">
+            <a:schemeClr val="accent1">
+              <a:shade val="50000"/>
+            </a:schemeClr>
+          </a:lnRef>
+          <a:fillRef idx="1">
+            <a:schemeClr val="accent1"/>
+          </a:fillRef>
+          <a:effectRef idx="0">
+            <a:schemeClr val="accent1"/>
+          </a:effectRef>
+          <a:fontRef idx="minor">
+            <a:schemeClr val="lt1"/>
+          </a:fontRef>
+        </p:style>
+        <p:txBody>
+          <a:bodyPr rtlCol="0" anchor="ctr"/>
+          <a:lstStyle/>
+          <a:p>
+            <a:pPr algn="ctr"/>
+            <a:endParaRPr lang="en-US"/>
+          </a:p>
+        </p:txBody>
+      </p:sp>
+      <p:sp>
+        <p:nvSpPr>
+          <p:cNvPr id="8" name="Rectangle: Rounded Corners 7">
+            <a:extLst>
+              <a:ext uri="{FF2B5EF4-FFF2-40B4-BE49-F238E27FC236}">
+                <a16:creationId xmlns:a16="http://schemas.microsoft.com/office/drawing/2014/main" id="{BCF05A7B-44ED-472C-816A-0CC775C0C1DC}"/>
+              </a:ext>
+            </a:extLst>
+          </p:cNvPr>
+          <p:cNvSpPr/>
+          <p:nvPr/>
+        </p:nvSpPr>
+        <p:spPr>
+          <a:xfrm>
+            <a:off x="10240458" y="1762901"/>
+            <a:ext cx="936848" cy="1656963"/>
+          </a:xfrm>
+          <a:prstGeom prst="roundRect">
+            <a:avLst/>
+          </a:prstGeom>
+          <a:noFill/>
+          <a:ln w="38100">
+            <a:solidFill>
+              <a:srgbClr val="FF0000"/>
+            </a:solidFill>
+          </a:ln>
+        </p:spPr>
+        <p:style>
+          <a:lnRef idx="2">
+            <a:schemeClr val="accent1">
+              <a:shade val="50000"/>
+            </a:schemeClr>
+          </a:lnRef>
+          <a:fillRef idx="1">
+            <a:schemeClr val="accent1"/>
+          </a:fillRef>
+          <a:effectRef idx="0">
+            <a:schemeClr val="accent1"/>
+          </a:effectRef>
+          <a:fontRef idx="minor">
+            <a:schemeClr val="lt1"/>
+          </a:fontRef>
+        </p:style>
+        <p:txBody>
+          <a:bodyPr rtlCol="0" anchor="ctr"/>
+          <a:lstStyle/>
+          <a:p>
+            <a:pPr algn="ctr"/>
+            <a:endParaRPr lang="en-US"/>
+          </a:p>
+        </p:txBody>
+      </p:sp>
+      <p:sp>
+        <p:nvSpPr>
+          <p:cNvPr id="9" name="Rectangle: Rounded Corners 8">
+            <a:extLst>
+              <a:ext uri="{FF2B5EF4-FFF2-40B4-BE49-F238E27FC236}">
+                <a16:creationId xmlns:a16="http://schemas.microsoft.com/office/drawing/2014/main" id="{1E3825FF-FBA2-48FA-BF0B-899B0AE2731C}"/>
+              </a:ext>
+            </a:extLst>
+          </p:cNvPr>
+          <p:cNvSpPr/>
+          <p:nvPr/>
+        </p:nvSpPr>
+        <p:spPr>
+          <a:xfrm>
+            <a:off x="7201602" y="2600519"/>
+            <a:ext cx="936848" cy="828482"/>
+          </a:xfrm>
+          <a:prstGeom prst="roundRect">
+            <a:avLst/>
+          </a:prstGeom>
+          <a:noFill/>
+          <a:ln w="38100">
+            <a:solidFill>
+              <a:srgbClr val="FF0000"/>
+            </a:solidFill>
+          </a:ln>
+        </p:spPr>
+        <p:style>
+          <a:lnRef idx="2">
+            <a:schemeClr val="accent1">
+              <a:shade val="50000"/>
+            </a:schemeClr>
+          </a:lnRef>
+          <a:fillRef idx="1">
+            <a:schemeClr val="accent1"/>
+          </a:fillRef>
+          <a:effectRef idx="0">
+            <a:schemeClr val="accent1"/>
+          </a:effectRef>
+          <a:fontRef idx="minor">
+            <a:schemeClr val="lt1"/>
+          </a:fontRef>
+        </p:style>
+        <p:txBody>
+          <a:bodyPr rtlCol="0" anchor="ctr"/>
+          <a:lstStyle/>
+          <a:p>
+            <a:pPr algn="ctr"/>
+            <a:endParaRPr lang="en-US"/>
+          </a:p>
+        </p:txBody>
+      </p:sp>
+    </p:spTree>
+    <p:extLst>
+      <p:ext uri="{BB962C8B-B14F-4D97-AF65-F5344CB8AC3E}">
+        <p14:creationId xmlns:p14="http://schemas.microsoft.com/office/powerpoint/2010/main" val="1967250623"/>
+      </p:ext>
+    </p:extLst>
+  </p:cSld>
+  <p:clrMapOvr>
+    <a:masterClrMapping/>
+  </p:clrMapOvr>
+  <p:timing>
+    <p:tnLst>
+      <p:par>
+        <p:cTn id="1" dur="indefinite" restart="never" nodeType="tmRoot">
+          <p:childTnLst>
+            <p:seq concurrent="1" nextAc="seek">
+              <p:cTn id="2" dur="indefinite" nodeType="mainSeq">
+                <p:childTnLst>
+                  <p:par>
+                    <p:cTn id="3" fill="hold">
+                      <p:stCondLst>
+                        <p:cond delay="indefinite"/>
+                      </p:stCondLst>
+                      <p:childTnLst>
+                        <p:par>
+                          <p:cTn id="4" fill="hold">
+                            <p:stCondLst>
+                              <p:cond delay="0"/>
+                            </p:stCondLst>
+                            <p:childTnLst>
+                              <p:par>
+                                <p:cTn id="5" presetID="1" presetClass="entr" presetSubtype="0" fill="hold" grpId="0" nodeType="clickEffect">
+                                  <p:stCondLst>
+                                    <p:cond delay="0"/>
+                                  </p:stCondLst>
+                                  <p:childTnLst>
+                                    <p:set>
+                                      <p:cBhvr>
+                                        <p:cTn id="6" dur="1" fill="hold">
+                                          <p:stCondLst>
+                                            <p:cond delay="0"/>
+                                          </p:stCondLst>
+                                        </p:cTn>
+                                        <p:tgtEl>
+                                          <p:spTgt spid="8"/>
+                                        </p:tgtEl>
+                                        <p:attrNameLst>
+                                          <p:attrName>style.visibility</p:attrName>
+                                        </p:attrNameLst>
+                                      </p:cBhvr>
+                                      <p:to>
+                                        <p:strVal val="visible"/>
+                                      </p:to>
+                                    </p:set>
+                                  </p:childTnLst>
+                                </p:cTn>
+                              </p:par>
+                              <p:par>
+                                <p:cTn id="7" presetID="1" presetClass="entr" presetSubtype="0" fill="hold" grpId="0" nodeType="withEffect">
+                                  <p:stCondLst>
+                                    <p:cond delay="0"/>
+                                  </p:stCondLst>
+                                  <p:childTnLst>
+                                    <p:set>
+                                      <p:cBhvr>
+                                        <p:cTn id="8" dur="1" fill="hold">
+                                          <p:stCondLst>
+                                            <p:cond delay="0"/>
+                                          </p:stCondLst>
+                                        </p:cTn>
+                                        <p:tgtEl>
+                                          <p:spTgt spid="7"/>
+                                        </p:tgtEl>
+                                        <p:attrNameLst>
+                                          <p:attrName>style.visibility</p:attrName>
+                                        </p:attrNameLst>
+                                      </p:cBhvr>
+                                      <p:to>
+                                        <p:strVal val="visible"/>
+                                      </p:to>
+                                    </p:set>
+                                  </p:childTnLst>
+                                </p:cTn>
+                              </p:par>
+                            </p:childTnLst>
+                          </p:cTn>
+                        </p:par>
+                      </p:childTnLst>
+                    </p:cTn>
+                  </p:par>
+                  <p:par>
+                    <p:cTn id="9" fill="hold">
+                      <p:stCondLst>
+                        <p:cond delay="indefinite"/>
+                      </p:stCondLst>
+                      <p:childTnLst>
+                        <p:par>
+                          <p:cTn id="10" fill="hold">
+                            <p:stCondLst>
+                              <p:cond delay="0"/>
+                            </p:stCondLst>
+                            <p:childTnLst>
+                              <p:par>
+                                <p:cTn id="11" presetID="1" presetClass="entr" presetSubtype="0" fill="hold" grpId="0" nodeType="clickEffect">
+                                  <p:stCondLst>
+                                    <p:cond delay="0"/>
+                                  </p:stCondLst>
+                                  <p:childTnLst>
+                                    <p:set>
+                                      <p:cBhvr>
+                                        <p:cTn id="12" dur="1" fill="hold">
+                                          <p:stCondLst>
+                                            <p:cond delay="0"/>
+                                          </p:stCondLst>
+                                        </p:cTn>
+                                        <p:tgtEl>
+                                          <p:spTgt spid="9"/>
+                                        </p:tgtEl>
+                                        <p:attrNameLst>
+                                          <p:attrName>style.visibility</p:attrName>
+                                        </p:attrNameLst>
+                                      </p:cBhvr>
+                                      <p:to>
+                                        <p:strVal val="visible"/>
+                                      </p:to>
+                                    </p:set>
+                                  </p:childTnLst>
+                                </p:cTn>
+                              </p:par>
+                            </p:childTnLst>
+                          </p:cTn>
+                        </p:par>
+                      </p:childTnLst>
+                    </p:cTn>
+                  </p:par>
+                </p:childTnLst>
+              </p:cTn>
+              <p:prevCondLst>
+                <p:cond evt="onPrev" delay="0">
+                  <p:tgtEl>
+                    <p:sldTgt/>
+                  </p:tgtEl>
+                </p:cond>
+              </p:prevCondLst>
+              <p:nextCondLst>
+                <p:cond evt="onNext" delay="0">
+                  <p:tgtEl>
+                    <p:sldTgt/>
+                  </p:tgtEl>
+                </p:cond>
+              </p:nextCondLst>
+            </p:seq>
+          </p:childTnLst>
+        </p:cTn>
+      </p:par>
+    </p:tnLst>
+    <p:bldLst>
+      <p:bldP spid="7" grpId="0" animBg="1"/>
+      <p:bldP spid="8" grpId="0" animBg="1"/>
+      <p:bldP spid="9" grpId="0" animBg="1"/>
+    </p:bldLst>
+  </p:timing>
+</p:sld>
+</file>
+
+<file path=ppt/slides/slide4.xml><?xml version="1.0" encoding="utf-8"?>
+<p:sld xmlns:a="http://schemas.openxmlformats.org/drawingml/2006/main" xmlns:r="http://schemas.openxmlformats.org/officeDocument/2006/relationships" xmlns:p="http://schemas.openxmlformats.org/presentationml/2006/main">
+  <p:cSld>
+    <p:spTree>
+      <p:nvGrpSpPr>
+        <p:cNvPr id="1" name=""/>
+        <p:cNvGrpSpPr/>
+        <p:nvPr/>
+      </p:nvGrpSpPr>
+      <p:grpSpPr>
+        <a:xfrm>
+          <a:off x="0" y="0"/>
+          <a:ext cx="0" cy="0"/>
+          <a:chOff x="0" y="0"/>
+          <a:chExt cx="0" cy="0"/>
+        </a:xfrm>
+      </p:grpSpPr>
+      <p:sp>
+        <p:nvSpPr>
+          <p:cNvPr id="2" name="Half Frame 1">
+            <a:extLst>
+              <a:ext uri="{FF2B5EF4-FFF2-40B4-BE49-F238E27FC236}">
+                <a16:creationId xmlns:a16="http://schemas.microsoft.com/office/drawing/2014/main" id="{A0055D2A-2A97-4CB5-9BE9-299A7B5AE218}"/>
+              </a:ext>
+            </a:extLst>
+          </p:cNvPr>
+          <p:cNvSpPr/>
+          <p:nvPr/>
+        </p:nvSpPr>
+        <p:spPr>
+          <a:xfrm>
+            <a:off x="9025787" y="4050085"/>
+            <a:ext cx="1471824" cy="1155032"/>
+          </a:xfrm>
+          <a:prstGeom prst="halfFrame">
+            <a:avLst/>
+          </a:prstGeom>
+        </p:spPr>
+        <p:txBody>
+          <a:bodyPr wrap="none" rtlCol="0" anchor="ctr">
+            <a:spAutoFit/>
+          </a:bodyPr>
+          <a:lstStyle/>
+          <a:p>
+            <a:pPr algn="l"/>
+            <a:endParaRPr lang="en-US" sz="2400" dirty="0">
+              <a:latin typeface="Times New Roman" panose="02020603050405020304" pitchFamily="18" charset="0"/>
+              <a:cs typeface="Times New Roman" panose="02020603050405020304" pitchFamily="18" charset="0"/>
+            </a:endParaRPr>
+          </a:p>
+        </p:txBody>
+      </p:sp>
+      <p:pic>
+        <p:nvPicPr>
+          <p:cNvPr id="59" name="Picture 58">
+            <a:extLst>
+              <a:ext uri="{FF2B5EF4-FFF2-40B4-BE49-F238E27FC236}">
+                <a16:creationId xmlns:a16="http://schemas.microsoft.com/office/drawing/2014/main" id="{8E30A1E1-4A53-42EB-8D12-CBD3218200E1}"/>
+              </a:ext>
+            </a:extLst>
+          </p:cNvPr>
+          <p:cNvPicPr>
+            <a:picLocks noChangeAspect="1"/>
+          </p:cNvPicPr>
+          <p:nvPr/>
+        </p:nvPicPr>
+        <p:blipFill>
+          <a:blip r:embed="rId3"/>
+          <a:stretch>
+            <a:fillRect/>
+          </a:stretch>
+        </p:blipFill>
+        <p:spPr>
+          <a:xfrm rot="21178688">
+            <a:off x="1357866" y="3543652"/>
+            <a:ext cx="4582702" cy="3829170"/>
+          </a:xfrm>
+          <a:prstGeom prst="rect">
+            <a:avLst/>
+          </a:prstGeom>
+          <a:scene3d>
+            <a:camera prst="isometricOffAxis2Top"/>
+            <a:lightRig rig="threePt" dir="t"/>
+          </a:scene3d>
+        </p:spPr>
+      </p:pic>
+      <p:cxnSp>
+        <p:nvCxnSpPr>
+          <p:cNvPr id="19" name="Straight Arrow Connector 18">
+            <a:extLst>
+              <a:ext uri="{FF2B5EF4-FFF2-40B4-BE49-F238E27FC236}">
+                <a16:creationId xmlns:a16="http://schemas.microsoft.com/office/drawing/2014/main" id="{AD45F71F-60DD-4224-B6CA-29D404EEDE32}"/>
+              </a:ext>
+            </a:extLst>
+          </p:cNvPr>
+          <p:cNvCxnSpPr/>
+          <p:nvPr/>
+        </p:nvCxnSpPr>
+        <p:spPr>
+          <a:xfrm>
+            <a:off x="1438982" y="6126548"/>
+            <a:ext cx="3886200" cy="0"/>
+          </a:xfrm>
+          <a:prstGeom prst="straightConnector1">
+            <a:avLst/>
+          </a:prstGeom>
+          <a:ln w="19050">
+            <a:tailEnd type="triangle"/>
+          </a:ln>
+        </p:spPr>
+        <p:style>
+          <a:lnRef idx="1">
+            <a:schemeClr val="dk1"/>
+          </a:lnRef>
+          <a:fillRef idx="0">
+            <a:schemeClr val="dk1"/>
+          </a:fillRef>
+          <a:effectRef idx="0">
+            <a:schemeClr val="dk1"/>
+          </a:effectRef>
+          <a:fontRef idx="minor">
+            <a:schemeClr val="tx1"/>
+          </a:fontRef>
+        </p:style>
+      </p:cxnSp>
+      <p:cxnSp>
+        <p:nvCxnSpPr>
+          <p:cNvPr id="21" name="Straight Arrow Connector 20">
+            <a:extLst>
+              <a:ext uri="{FF2B5EF4-FFF2-40B4-BE49-F238E27FC236}">
+                <a16:creationId xmlns:a16="http://schemas.microsoft.com/office/drawing/2014/main" id="{D1D0ADE1-A794-492D-A0DB-3AB02C5AB123}"/>
+              </a:ext>
+            </a:extLst>
+          </p:cNvPr>
+          <p:cNvCxnSpPr/>
+          <p:nvPr/>
+        </p:nvCxnSpPr>
+        <p:spPr>
+          <a:xfrm flipV="1">
+            <a:off x="1431362" y="2179388"/>
+            <a:ext cx="0" cy="3954780"/>
+          </a:xfrm>
+          <a:prstGeom prst="straightConnector1">
+            <a:avLst/>
+          </a:prstGeom>
+          <a:ln w="19050">
+            <a:solidFill>
+              <a:schemeClr val="tx1">
+                <a:lumMod val="95000"/>
+                <a:lumOff val="5000"/>
+              </a:schemeClr>
+            </a:solidFill>
+            <a:tailEnd type="triangle"/>
+          </a:ln>
+        </p:spPr>
+        <p:style>
+          <a:lnRef idx="1">
+            <a:schemeClr val="accent1"/>
+          </a:lnRef>
+          <a:fillRef idx="0">
+            <a:schemeClr val="accent1"/>
+          </a:fillRef>
+          <a:effectRef idx="0">
+            <a:schemeClr val="accent1"/>
+          </a:effectRef>
+          <a:fontRef idx="minor">
+            <a:schemeClr val="tx1"/>
+          </a:fontRef>
+        </p:style>
+      </p:cxnSp>
+      <p:cxnSp>
+        <p:nvCxnSpPr>
+          <p:cNvPr id="31" name="Straight Connector 30">
+            <a:extLst>
+              <a:ext uri="{FF2B5EF4-FFF2-40B4-BE49-F238E27FC236}">
+                <a16:creationId xmlns:a16="http://schemas.microsoft.com/office/drawing/2014/main" id="{30E63CB9-F5D2-42BC-A5BE-304AF1B127B6}"/>
+              </a:ext>
+            </a:extLst>
+          </p:cNvPr>
+          <p:cNvCxnSpPr/>
+          <p:nvPr/>
+        </p:nvCxnSpPr>
+        <p:spPr>
+          <a:xfrm flipV="1">
+            <a:off x="3244922" y="4457768"/>
+            <a:ext cx="0" cy="861060"/>
+          </a:xfrm>
+          <a:prstGeom prst="line">
+            <a:avLst/>
+          </a:prstGeom>
+          <a:ln w="28575">
+            <a:solidFill>
+              <a:schemeClr val="tx1">
+                <a:lumMod val="95000"/>
+                <a:lumOff val="5000"/>
+              </a:schemeClr>
+            </a:solidFill>
+            <a:prstDash val="sysDot"/>
+          </a:ln>
+        </p:spPr>
+        <p:style>
+          <a:lnRef idx="1">
+            <a:schemeClr val="accent1"/>
+          </a:lnRef>
+          <a:fillRef idx="0">
+            <a:schemeClr val="accent1"/>
+          </a:fillRef>
+          <a:effectRef idx="0">
+            <a:schemeClr val="accent1"/>
+          </a:effectRef>
+          <a:fontRef idx="minor">
+            <a:schemeClr val="tx1"/>
+          </a:fontRef>
+        </p:style>
+      </p:cxnSp>
+      <p:cxnSp>
+        <p:nvCxnSpPr>
+          <p:cNvPr id="32" name="Straight Connector 31">
+            <a:extLst>
+              <a:ext uri="{FF2B5EF4-FFF2-40B4-BE49-F238E27FC236}">
+                <a16:creationId xmlns:a16="http://schemas.microsoft.com/office/drawing/2014/main" id="{650F9675-8673-4987-BEA4-A5AF7FD85376}"/>
+              </a:ext>
+            </a:extLst>
+          </p:cNvPr>
+          <p:cNvCxnSpPr/>
+          <p:nvPr/>
+        </p:nvCxnSpPr>
+        <p:spPr>
+          <a:xfrm flipV="1">
+            <a:off x="3523982" y="4134848"/>
+            <a:ext cx="0" cy="383880"/>
+          </a:xfrm>
+          <a:prstGeom prst="line">
+            <a:avLst/>
+          </a:prstGeom>
+          <a:ln w="28575">
+            <a:solidFill>
+              <a:schemeClr val="tx1">
+                <a:lumMod val="95000"/>
+                <a:lumOff val="5000"/>
+              </a:schemeClr>
+            </a:solidFill>
+            <a:prstDash val="sysDot"/>
+          </a:ln>
+        </p:spPr>
+        <p:style>
+          <a:lnRef idx="1">
+            <a:schemeClr val="accent1"/>
+          </a:lnRef>
+          <a:fillRef idx="0">
+            <a:schemeClr val="accent1"/>
+          </a:fillRef>
+          <a:effectRef idx="0">
+            <a:schemeClr val="accent1"/>
+          </a:effectRef>
+          <a:fontRef idx="minor">
+            <a:schemeClr val="tx1"/>
+          </a:fontRef>
+        </p:style>
+      </p:cxnSp>
+      <p:sp>
+        <p:nvSpPr>
+          <p:cNvPr id="33" name="Freeform: Shape 32">
+            <a:extLst>
+              <a:ext uri="{FF2B5EF4-FFF2-40B4-BE49-F238E27FC236}">
+                <a16:creationId xmlns:a16="http://schemas.microsoft.com/office/drawing/2014/main" id="{66A0267E-5996-487F-9455-6E8D813968E8}"/>
+              </a:ext>
+            </a:extLst>
+          </p:cNvPr>
+          <p:cNvSpPr/>
+          <p:nvPr/>
+        </p:nvSpPr>
+        <p:spPr>
+          <a:xfrm>
+            <a:off x="3511622" y="3781063"/>
+            <a:ext cx="2065020" cy="372384"/>
+          </a:xfrm>
+          <a:custGeom>
+            <a:avLst/>
+            <a:gdLst>
+              <a:gd name="connsiteX0" fmla="*/ 0 w 1584960"/>
+              <a:gd name="connsiteY0" fmla="*/ 348255 h 357201"/>
+              <a:gd name="connsiteX1" fmla="*/ 243840 w 1584960"/>
+              <a:gd name="connsiteY1" fmla="*/ 317775 h 357201"/>
+              <a:gd name="connsiteX2" fmla="*/ 647700 w 1584960"/>
+              <a:gd name="connsiteY2" fmla="*/ 35835 h 357201"/>
+              <a:gd name="connsiteX3" fmla="*/ 1584960 w 1584960"/>
+              <a:gd name="connsiteY3" fmla="*/ 12975 h 357201"/>
+              <a:gd name="connsiteX0" fmla="*/ 0 w 1996440"/>
+              <a:gd name="connsiteY0" fmla="*/ 333895 h 342841"/>
+              <a:gd name="connsiteX1" fmla="*/ 243840 w 1996440"/>
+              <a:gd name="connsiteY1" fmla="*/ 303415 h 342841"/>
+              <a:gd name="connsiteX2" fmla="*/ 647700 w 1996440"/>
+              <a:gd name="connsiteY2" fmla="*/ 21475 h 342841"/>
+              <a:gd name="connsiteX3" fmla="*/ 1996440 w 1996440"/>
+              <a:gd name="connsiteY3" fmla="*/ 29095 h 342841"/>
+              <a:gd name="connsiteX0" fmla="*/ 0 w 1996440"/>
+              <a:gd name="connsiteY0" fmla="*/ 399259 h 412417"/>
+              <a:gd name="connsiteX1" fmla="*/ 243840 w 1996440"/>
+              <a:gd name="connsiteY1" fmla="*/ 368779 h 412417"/>
+              <a:gd name="connsiteX2" fmla="*/ 883442 w 1996440"/>
+              <a:gd name="connsiteY2" fmla="*/ 10639 h 412417"/>
+              <a:gd name="connsiteX3" fmla="*/ 1996440 w 1996440"/>
+              <a:gd name="connsiteY3" fmla="*/ 94459 h 412417"/>
+              <a:gd name="connsiteX0" fmla="*/ 0 w 1996440"/>
+              <a:gd name="connsiteY0" fmla="*/ 339579 h 348913"/>
+              <a:gd name="connsiteX1" fmla="*/ 243840 w 1996440"/>
+              <a:gd name="connsiteY1" fmla="*/ 309099 h 348913"/>
+              <a:gd name="connsiteX2" fmla="*/ 905543 w 1996440"/>
+              <a:gd name="connsiteY2" fmla="*/ 19539 h 348913"/>
+              <a:gd name="connsiteX3" fmla="*/ 1996440 w 1996440"/>
+              <a:gd name="connsiteY3" fmla="*/ 34779 h 348913"/>
+              <a:gd name="connsiteX0" fmla="*/ 0 w 1996440"/>
+              <a:gd name="connsiteY0" fmla="*/ 339016 h 345811"/>
+              <a:gd name="connsiteX1" fmla="*/ 521300 w 1996440"/>
+              <a:gd name="connsiteY1" fmla="*/ 300916 h 345811"/>
+              <a:gd name="connsiteX2" fmla="*/ 905543 w 1996440"/>
+              <a:gd name="connsiteY2" fmla="*/ 18976 h 345811"/>
+              <a:gd name="connsiteX3" fmla="*/ 1996440 w 1996440"/>
+              <a:gd name="connsiteY3" fmla="*/ 34216 h 345811"/>
+              <a:gd name="connsiteX0" fmla="*/ 0 w 1996440"/>
+              <a:gd name="connsiteY0" fmla="*/ 364286 h 372384"/>
+              <a:gd name="connsiteX1" fmla="*/ 521300 w 1996440"/>
+              <a:gd name="connsiteY1" fmla="*/ 326186 h 372384"/>
+              <a:gd name="connsiteX2" fmla="*/ 1104450 w 1996440"/>
+              <a:gd name="connsiteY2" fmla="*/ 13766 h 372384"/>
+              <a:gd name="connsiteX3" fmla="*/ 1996440 w 1996440"/>
+              <a:gd name="connsiteY3" fmla="*/ 59486 h 372384"/>
+            </a:gdLst>
+            <a:ahLst/>
+            <a:cxnLst>
+              <a:cxn ang="0">
+                <a:pos x="connsiteX0" y="connsiteY0"/>
+              </a:cxn>
+              <a:cxn ang="0">
+                <a:pos x="connsiteX1" y="connsiteY1"/>
+              </a:cxn>
+              <a:cxn ang="0">
+                <a:pos x="connsiteX2" y="connsiteY2"/>
+              </a:cxn>
+              <a:cxn ang="0">
+                <a:pos x="connsiteX3" y="connsiteY3"/>
+              </a:cxn>
+            </a:cxnLst>
+            <a:rect l="l" t="t" r="r" b="b"/>
+            <a:pathLst>
+              <a:path w="1996440" h="372384">
+                <a:moveTo>
+                  <a:pt x="0" y="364286"/>
+                </a:moveTo>
+                <a:cubicBezTo>
+                  <a:pt x="67945" y="375081"/>
+                  <a:pt x="337225" y="384606"/>
+                  <a:pt x="521300" y="326186"/>
+                </a:cubicBezTo>
+                <a:cubicBezTo>
+                  <a:pt x="705375" y="267766"/>
+                  <a:pt x="858593" y="58216"/>
+                  <a:pt x="1104450" y="13766"/>
+                </a:cubicBezTo>
+                <a:cubicBezTo>
+                  <a:pt x="1350307" y="-30684"/>
+                  <a:pt x="1639570" y="45516"/>
+                  <a:pt x="1996440" y="59486"/>
+                </a:cubicBezTo>
+              </a:path>
+            </a:pathLst>
+          </a:custGeom>
+          <a:noFill/>
+          <a:ln w="38100">
+            <a:solidFill>
+              <a:schemeClr val="tx1">
+                <a:lumMod val="95000"/>
+                <a:lumOff val="5000"/>
+              </a:schemeClr>
+            </a:solidFill>
+          </a:ln>
+        </p:spPr>
+        <p:style>
+          <a:lnRef idx="2">
+            <a:schemeClr val="accent1">
+              <a:shade val="50000"/>
+            </a:schemeClr>
+          </a:lnRef>
+          <a:fillRef idx="1">
+            <a:schemeClr val="accent1"/>
+          </a:fillRef>
+          <a:effectRef idx="0">
+            <a:schemeClr val="accent1"/>
+          </a:effectRef>
+          <a:fontRef idx="minor">
+            <a:schemeClr val="lt1"/>
+          </a:fontRef>
+        </p:style>
+        <p:txBody>
+          <a:bodyPr rot="0" spcFirstLastPara="0" vert="horz" wrap="square" lIns="91440" tIns="45720" rIns="91440" bIns="45720" numCol="1" spcCol="0" rtlCol="0" fromWordArt="0" anchor="ctr" anchorCtr="0" forceAA="0" compatLnSpc="1">
+            <a:prstTxWarp prst="textNoShape">
+              <a:avLst/>
+            </a:prstTxWarp>
+            <a:noAutofit/>
+          </a:bodyPr>
+          <a:lstStyle/>
+          <a:p>
+            <a:endParaRPr lang="en-US"/>
+          </a:p>
+        </p:txBody>
+      </p:sp>
+      <p:sp>
+        <p:nvSpPr>
+          <p:cNvPr id="34" name="Freeform: Shape 33">
+            <a:extLst>
+              <a:ext uri="{FF2B5EF4-FFF2-40B4-BE49-F238E27FC236}">
+                <a16:creationId xmlns:a16="http://schemas.microsoft.com/office/drawing/2014/main" id="{75489761-3DE2-4362-AEFB-291C7FECEA00}"/>
+              </a:ext>
+            </a:extLst>
+          </p:cNvPr>
+          <p:cNvSpPr/>
+          <p:nvPr/>
+        </p:nvSpPr>
+        <p:spPr>
+          <a:xfrm>
+            <a:off x="3226802" y="4457768"/>
+            <a:ext cx="297180" cy="76200"/>
+          </a:xfrm>
+          <a:custGeom>
+            <a:avLst/>
+            <a:gdLst>
+              <a:gd name="connsiteX0" fmla="*/ 0 w 297180"/>
+              <a:gd name="connsiteY0" fmla="*/ 0 h 76200"/>
+              <a:gd name="connsiteX1" fmla="*/ 266700 w 297180"/>
+              <a:gd name="connsiteY1" fmla="*/ 68580 h 76200"/>
+              <a:gd name="connsiteX2" fmla="*/ 297180 w 297180"/>
+              <a:gd name="connsiteY2" fmla="*/ 76200 h 76200"/>
+            </a:gdLst>
+            <a:ahLst/>
+            <a:cxnLst>
+              <a:cxn ang="0">
+                <a:pos x="connsiteX0" y="connsiteY0"/>
+              </a:cxn>
+              <a:cxn ang="0">
+                <a:pos x="connsiteX1" y="connsiteY1"/>
+              </a:cxn>
+              <a:cxn ang="0">
+                <a:pos x="connsiteX2" y="connsiteY2"/>
+              </a:cxn>
+            </a:cxnLst>
+            <a:rect l="l" t="t" r="r" b="b"/>
+            <a:pathLst>
+              <a:path w="297180" h="76200">
+                <a:moveTo>
+                  <a:pt x="0" y="0"/>
+                </a:moveTo>
+                <a:lnTo>
+                  <a:pt x="266700" y="68580"/>
+                </a:lnTo>
+                <a:lnTo>
+                  <a:pt x="297180" y="76200"/>
+                </a:lnTo>
+              </a:path>
+            </a:pathLst>
+          </a:custGeom>
+          <a:noFill/>
+          <a:ln w="38100">
+            <a:solidFill>
+              <a:schemeClr val="tx1">
+                <a:lumMod val="95000"/>
+                <a:lumOff val="5000"/>
+              </a:schemeClr>
+            </a:solidFill>
+          </a:ln>
+        </p:spPr>
+        <p:style>
+          <a:lnRef idx="2">
+            <a:schemeClr val="accent1">
+              <a:shade val="50000"/>
+            </a:schemeClr>
+          </a:lnRef>
+          <a:fillRef idx="1">
+            <a:schemeClr val="accent1"/>
+          </a:fillRef>
+          <a:effectRef idx="0">
+            <a:schemeClr val="accent1"/>
+          </a:effectRef>
+          <a:fontRef idx="minor">
+            <a:schemeClr val="lt1"/>
+          </a:fontRef>
+        </p:style>
+        <p:txBody>
+          <a:bodyPr rot="0" spcFirstLastPara="0" vert="horz" wrap="square" lIns="91440" tIns="45720" rIns="91440" bIns="45720" numCol="1" spcCol="0" rtlCol="0" fromWordArt="0" anchor="ctr" anchorCtr="0" forceAA="0" compatLnSpc="1">
+            <a:prstTxWarp prst="textNoShape">
+              <a:avLst/>
+            </a:prstTxWarp>
+            <a:noAutofit/>
+          </a:bodyPr>
+          <a:lstStyle/>
+          <a:p>
+            <a:endParaRPr lang="en-US"/>
+          </a:p>
+        </p:txBody>
+      </p:sp>
+      <p:sp>
+        <p:nvSpPr>
+          <p:cNvPr id="35" name="Freeform: Shape 34">
+            <a:extLst>
+              <a:ext uri="{FF2B5EF4-FFF2-40B4-BE49-F238E27FC236}">
+                <a16:creationId xmlns:a16="http://schemas.microsoft.com/office/drawing/2014/main" id="{FDA6331E-AC36-46CD-8F7A-9C4B94836EEB}"/>
+              </a:ext>
+            </a:extLst>
+          </p:cNvPr>
+          <p:cNvSpPr/>
+          <p:nvPr/>
+        </p:nvSpPr>
+        <p:spPr>
+          <a:xfrm>
+            <a:off x="2209532" y="5102311"/>
+            <a:ext cx="1043940" cy="213360"/>
+          </a:xfrm>
+          <a:custGeom>
+            <a:avLst/>
+            <a:gdLst>
+              <a:gd name="connsiteX0" fmla="*/ 0 w 1043940"/>
+              <a:gd name="connsiteY0" fmla="*/ 183422 h 213902"/>
+              <a:gd name="connsiteX1" fmla="*/ 449580 w 1043940"/>
+              <a:gd name="connsiteY1" fmla="*/ 542 h 213902"/>
+              <a:gd name="connsiteX2" fmla="*/ 632460 w 1043940"/>
+              <a:gd name="connsiteY2" fmla="*/ 130082 h 213902"/>
+              <a:gd name="connsiteX3" fmla="*/ 1043940 w 1043940"/>
+              <a:gd name="connsiteY3" fmla="*/ 213902 h 213902"/>
+            </a:gdLst>
+            <a:ahLst/>
+            <a:cxnLst>
+              <a:cxn ang="0">
+                <a:pos x="connsiteX0" y="connsiteY0"/>
+              </a:cxn>
+              <a:cxn ang="0">
+                <a:pos x="connsiteX1" y="connsiteY1"/>
+              </a:cxn>
+              <a:cxn ang="0">
+                <a:pos x="connsiteX2" y="connsiteY2"/>
+              </a:cxn>
+              <a:cxn ang="0">
+                <a:pos x="connsiteX3" y="connsiteY3"/>
+              </a:cxn>
+            </a:cxnLst>
+            <a:rect l="l" t="t" r="r" b="b"/>
+            <a:pathLst>
+              <a:path w="1043940" h="213902">
+                <a:moveTo>
+                  <a:pt x="0" y="183422"/>
+                </a:moveTo>
+                <a:cubicBezTo>
+                  <a:pt x="172085" y="96427"/>
+                  <a:pt x="344170" y="9432"/>
+                  <a:pt x="449580" y="542"/>
+                </a:cubicBezTo>
+                <a:cubicBezTo>
+                  <a:pt x="554990" y="-8348"/>
+                  <a:pt x="533400" y="94522"/>
+                  <a:pt x="632460" y="130082"/>
+                </a:cubicBezTo>
+                <a:cubicBezTo>
+                  <a:pt x="731520" y="165642"/>
+                  <a:pt x="887730" y="189772"/>
+                  <a:pt x="1043940" y="213902"/>
+                </a:cubicBezTo>
+              </a:path>
+            </a:pathLst>
+          </a:custGeom>
+          <a:ln w="28575">
+            <a:solidFill>
+              <a:schemeClr val="tx1">
+                <a:lumMod val="95000"/>
+                <a:lumOff val="5000"/>
+              </a:schemeClr>
+            </a:solidFill>
+          </a:ln>
+        </p:spPr>
+        <p:style>
+          <a:lnRef idx="1">
+            <a:schemeClr val="dk1"/>
+          </a:lnRef>
+          <a:fillRef idx="0">
+            <a:schemeClr val="dk1"/>
+          </a:fillRef>
+          <a:effectRef idx="0">
+            <a:schemeClr val="dk1"/>
+          </a:effectRef>
+          <a:fontRef idx="minor">
+            <a:schemeClr val="tx1"/>
+          </a:fontRef>
+        </p:style>
+        <p:txBody>
+          <a:bodyPr rot="0" spcFirstLastPara="0" vert="horz" wrap="square" lIns="91440" tIns="45720" rIns="91440" bIns="45720" numCol="1" spcCol="0" rtlCol="0" fromWordArt="0" anchor="ctr" anchorCtr="0" forceAA="0" compatLnSpc="1">
+            <a:prstTxWarp prst="textNoShape">
+              <a:avLst/>
+            </a:prstTxWarp>
+            <a:noAutofit/>
+          </a:bodyPr>
+          <a:lstStyle/>
+          <a:p>
+            <a:endParaRPr lang="en-US"/>
+          </a:p>
+        </p:txBody>
+      </p:sp>
+      <p:cxnSp>
+        <p:nvCxnSpPr>
+          <p:cNvPr id="25" name="Straight Arrow Connector 24">
+            <a:extLst>
+              <a:ext uri="{FF2B5EF4-FFF2-40B4-BE49-F238E27FC236}">
+                <a16:creationId xmlns:a16="http://schemas.microsoft.com/office/drawing/2014/main" id="{C3D2C653-31FF-4D08-8F40-ECBB32FFF13C}"/>
+              </a:ext>
+            </a:extLst>
+          </p:cNvPr>
+          <p:cNvCxnSpPr/>
+          <p:nvPr/>
+        </p:nvCxnSpPr>
+        <p:spPr>
+          <a:xfrm flipV="1">
+            <a:off x="5367092" y="4258395"/>
+            <a:ext cx="1436370" cy="1860533"/>
+          </a:xfrm>
+          <a:prstGeom prst="straightConnector1">
+            <a:avLst/>
+          </a:prstGeom>
+          <a:ln w="19050">
+            <a:tailEnd type="triangle"/>
+          </a:ln>
+        </p:spPr>
+        <p:style>
+          <a:lnRef idx="1">
+            <a:schemeClr val="dk1"/>
+          </a:lnRef>
+          <a:fillRef idx="0">
+            <a:schemeClr val="dk1"/>
+          </a:fillRef>
+          <a:effectRef idx="0">
+            <a:schemeClr val="dk1"/>
+          </a:effectRef>
+          <a:fontRef idx="minor">
+            <a:schemeClr val="tx1"/>
+          </a:fontRef>
+        </p:style>
+      </p:cxnSp>
+      <p:sp>
+        <p:nvSpPr>
+          <p:cNvPr id="13" name="Text Box 46">
+            <a:extLst>
+              <a:ext uri="{FF2B5EF4-FFF2-40B4-BE49-F238E27FC236}">
+                <a16:creationId xmlns:a16="http://schemas.microsoft.com/office/drawing/2014/main" id="{A42691A6-FA39-438C-93D1-44156715B5E5}"/>
+              </a:ext>
+            </a:extLst>
+          </p:cNvPr>
+          <p:cNvSpPr txBox="1"/>
+          <p:nvPr/>
+        </p:nvSpPr>
+        <p:spPr>
+          <a:xfrm>
+            <a:off x="3138242" y="6149408"/>
+            <a:ext cx="862965" cy="289560"/>
+          </a:xfrm>
+          <a:prstGeom prst="rect">
+            <a:avLst/>
+          </a:prstGeom>
+          <a:noFill/>
+          <a:ln w="6350">
+            <a:noFill/>
+          </a:ln>
+        </p:spPr>
+        <p:txBody>
+          <a:bodyPr rot="0" spcFirstLastPara="0" vert="horz" wrap="none" lIns="91440" tIns="45720" rIns="91440" bIns="45720" numCol="1" spcCol="0" rtlCol="0" fromWordArt="0" anchor="t" anchorCtr="0" forceAA="0" compatLnSpc="1">
+            <a:prstTxWarp prst="textNoShape">
+              <a:avLst/>
+            </a:prstTxWarp>
+            <a:noAutofit/>
+          </a:bodyPr>
+          <a:lstStyle/>
+          <a:p>
+            <a:pPr marL="0" marR="0">
+              <a:lnSpc>
+                <a:spcPct val="107000"/>
+              </a:lnSpc>
+              <a:spcBef>
+                <a:spcPts val="0"/>
+              </a:spcBef>
+              <a:spcAft>
+                <a:spcPts val="800"/>
+              </a:spcAft>
+            </a:pPr>
+            <a:r>
+              <a:rPr lang="en-US" sz="1100">
+                <a:effectLst/>
+                <a:latin typeface="Calibri" panose="020F0502020204030204" pitchFamily="34" charset="0"/>
+                <a:ea typeface="DengXian" panose="02010600030101010101" pitchFamily="2" charset="-122"/>
+                <a:cs typeface="Times New Roman" panose="02020603050405020304" pitchFamily="18" charset="0"/>
+              </a:rPr>
+              <a:t>Location (X)</a:t>
+            </a:r>
+          </a:p>
+        </p:txBody>
+      </p:sp>
+      <p:sp>
+        <p:nvSpPr>
+          <p:cNvPr id="14" name="Text Box 46">
+            <a:extLst>
+              <a:ext uri="{FF2B5EF4-FFF2-40B4-BE49-F238E27FC236}">
+                <a16:creationId xmlns:a16="http://schemas.microsoft.com/office/drawing/2014/main" id="{BFC900E5-DC68-496D-98EA-C63D7101A512}"/>
+              </a:ext>
+            </a:extLst>
+          </p:cNvPr>
+          <p:cNvSpPr txBox="1"/>
+          <p:nvPr/>
+        </p:nvSpPr>
+        <p:spPr>
+          <a:xfrm rot="18462118">
+            <a:off x="5893802" y="5094969"/>
+            <a:ext cx="858520" cy="289560"/>
+          </a:xfrm>
+          <a:prstGeom prst="rect">
+            <a:avLst/>
+          </a:prstGeom>
+          <a:noFill/>
+          <a:ln w="6350">
+            <a:noFill/>
+          </a:ln>
+        </p:spPr>
+        <p:txBody>
+          <a:bodyPr rot="0" spcFirstLastPara="0" vert="horz" wrap="none" lIns="91440" tIns="45720" rIns="91440" bIns="45720" numCol="1" spcCol="0" rtlCol="0" fromWordArt="0" anchor="t" anchorCtr="0" forceAA="0" compatLnSpc="1">
+            <a:prstTxWarp prst="textNoShape">
+              <a:avLst/>
+            </a:prstTxWarp>
+            <a:noAutofit/>
+          </a:bodyPr>
+          <a:lstStyle/>
+          <a:p>
+            <a:pPr marL="0" marR="0">
+              <a:lnSpc>
+                <a:spcPct val="106000"/>
+              </a:lnSpc>
+              <a:spcBef>
+                <a:spcPts val="0"/>
+              </a:spcBef>
+              <a:spcAft>
+                <a:spcPts val="800"/>
+              </a:spcAft>
+            </a:pPr>
+            <a:r>
+              <a:rPr lang="en-US" sz="1100">
+                <a:effectLst/>
+                <a:latin typeface="Calibri" panose="020F0502020204030204" pitchFamily="34" charset="0"/>
+                <a:ea typeface="DengXian" panose="02010600030101010101" pitchFamily="2" charset="-122"/>
+                <a:cs typeface="Times New Roman" panose="02020603050405020304" pitchFamily="18" charset="0"/>
+              </a:rPr>
+              <a:t>Location (Y)</a:t>
+            </a:r>
+          </a:p>
+        </p:txBody>
+      </p:sp>
+      <p:sp>
+        <p:nvSpPr>
+          <p:cNvPr id="15" name="Text Box 46">
+            <a:extLst>
+              <a:ext uri="{FF2B5EF4-FFF2-40B4-BE49-F238E27FC236}">
+                <a16:creationId xmlns:a16="http://schemas.microsoft.com/office/drawing/2014/main" id="{58B5E01F-33EE-4BAD-BC26-BEA82AA3168E}"/>
+              </a:ext>
+            </a:extLst>
+          </p:cNvPr>
+          <p:cNvSpPr txBox="1"/>
+          <p:nvPr/>
+        </p:nvSpPr>
+        <p:spPr>
+          <a:xfrm rot="16200000">
+            <a:off x="928442" y="3891010"/>
+            <a:ext cx="655320" cy="289560"/>
+          </a:xfrm>
+          <a:prstGeom prst="rect">
+            <a:avLst/>
+          </a:prstGeom>
+          <a:noFill/>
+          <a:ln w="6350">
+            <a:noFill/>
+          </a:ln>
+        </p:spPr>
+        <p:txBody>
+          <a:bodyPr rot="0" spcFirstLastPara="0" vert="horz" wrap="none" lIns="91440" tIns="45720" rIns="91440" bIns="45720" numCol="1" spcCol="0" rtlCol="0" fromWordArt="0" anchor="t" anchorCtr="0" forceAA="0" compatLnSpc="1">
+            <a:prstTxWarp prst="textNoShape">
+              <a:avLst/>
+            </a:prstTxWarp>
+            <a:noAutofit/>
+          </a:bodyPr>
+          <a:lstStyle/>
+          <a:p>
+            <a:pPr marL="0" marR="0">
+              <a:lnSpc>
+                <a:spcPct val="106000"/>
+              </a:lnSpc>
+              <a:spcBef>
+                <a:spcPts val="0"/>
+              </a:spcBef>
+              <a:spcAft>
+                <a:spcPts val="800"/>
+              </a:spcAft>
+            </a:pPr>
+            <a:r>
+              <a:rPr lang="en-US" sz="1100">
+                <a:effectLst/>
+                <a:latin typeface="Calibri" panose="020F0502020204030204" pitchFamily="34" charset="0"/>
+                <a:ea typeface="DengXian" panose="02010600030101010101" pitchFamily="2" charset="-122"/>
+                <a:cs typeface="Times New Roman" panose="02020603050405020304" pitchFamily="18" charset="0"/>
+              </a:rPr>
+              <a:t>Time (T)</a:t>
+            </a:r>
+          </a:p>
+        </p:txBody>
+      </p:sp>
+      <p:grpSp>
+        <p:nvGrpSpPr>
+          <p:cNvPr id="86" name="Group 85">
+            <a:extLst>
+              <a:ext uri="{FF2B5EF4-FFF2-40B4-BE49-F238E27FC236}">
+                <a16:creationId xmlns:a16="http://schemas.microsoft.com/office/drawing/2014/main" id="{7D2F3E44-A34B-491A-AEBC-9D907F8A629F}"/>
+              </a:ext>
+            </a:extLst>
+          </p:cNvPr>
+          <p:cNvGrpSpPr/>
+          <p:nvPr/>
+        </p:nvGrpSpPr>
+        <p:grpSpPr>
+          <a:xfrm>
+            <a:off x="2007463" y="4850000"/>
+            <a:ext cx="393056" cy="504732"/>
+            <a:chOff x="1502218" y="1968800"/>
+            <a:chExt cx="393056" cy="504732"/>
+          </a:xfrm>
+        </p:grpSpPr>
+        <p:sp>
+          <p:nvSpPr>
+            <p:cNvPr id="87" name="Oval 86">
+              <a:extLst>
+                <a:ext uri="{FF2B5EF4-FFF2-40B4-BE49-F238E27FC236}">
+                  <a16:creationId xmlns:a16="http://schemas.microsoft.com/office/drawing/2014/main" id="{AA712E49-3600-4A1F-B0A3-5FFE1EDA820D}"/>
+                </a:ext>
+              </a:extLst>
+            </p:cNvPr>
+            <p:cNvSpPr/>
+            <p:nvPr/>
+          </p:nvSpPr>
+          <p:spPr>
+            <a:xfrm>
+              <a:off x="1604273" y="2336418"/>
+              <a:ext cx="137114" cy="137114"/>
+            </a:xfrm>
+            <a:prstGeom prst="ellipse">
+              <a:avLst/>
+            </a:prstGeom>
+            <a:solidFill>
+              <a:schemeClr val="tx1"/>
+            </a:solidFill>
+            <a:ln>
+              <a:noFill/>
+            </a:ln>
+          </p:spPr>
+          <p:style>
+            <a:lnRef idx="2">
+              <a:schemeClr val="accent1">
+                <a:shade val="50000"/>
+              </a:schemeClr>
+            </a:lnRef>
+            <a:fillRef idx="1">
+              <a:schemeClr val="accent1"/>
+            </a:fillRef>
+            <a:effectRef idx="0">
+              <a:schemeClr val="accent1"/>
+            </a:effectRef>
+            <a:fontRef idx="minor">
+              <a:schemeClr val="lt1"/>
+            </a:fontRef>
+          </p:style>
+          <p:txBody>
+            <a:bodyPr rtlCol="0" anchor="ctr"/>
+            <a:lstStyle/>
+            <a:p>
+              <a:pPr algn="ctr"/>
+              <a:endParaRPr lang="en-US" b="1">
+                <a:solidFill>
+                  <a:schemeClr val="bg2">
+                    <a:lumMod val="10000"/>
+                  </a:schemeClr>
+                </a:solidFill>
+              </a:endParaRPr>
+            </a:p>
+          </p:txBody>
+        </p:sp>
+        <p:sp>
+          <p:nvSpPr>
+            <p:cNvPr id="88" name="TextBox 87">
+              <a:extLst>
+                <a:ext uri="{FF2B5EF4-FFF2-40B4-BE49-F238E27FC236}">
+                  <a16:creationId xmlns:a16="http://schemas.microsoft.com/office/drawing/2014/main" id="{4834AC91-2606-4484-9451-F014D78B2B92}"/>
+                </a:ext>
+              </a:extLst>
+            </p:cNvPr>
+            <p:cNvSpPr txBox="1"/>
+            <p:nvPr/>
+          </p:nvSpPr>
+          <p:spPr>
+            <a:xfrm>
+              <a:off x="1502218" y="1968800"/>
+              <a:ext cx="393056" cy="369332"/>
+            </a:xfrm>
+            <a:prstGeom prst="rect">
+              <a:avLst/>
+            </a:prstGeom>
+            <a:noFill/>
+          </p:spPr>
+          <p:txBody>
+            <a:bodyPr wrap="none" rtlCol="0">
+              <a:spAutoFit/>
+            </a:bodyPr>
+            <a:lstStyle/>
+            <a:p>
+              <a:r>
+                <a:rPr lang="en-US" b="1" dirty="0">
+                  <a:solidFill>
+                    <a:schemeClr val="bg2">
+                      <a:lumMod val="10000"/>
+                    </a:schemeClr>
+                  </a:solidFill>
+                </a:rPr>
+                <a:t>R</a:t>
+              </a:r>
+              <a:r>
+                <a:rPr lang="en-US" b="1" baseline="-25000" dirty="0">
+                  <a:solidFill>
+                    <a:schemeClr val="bg2">
+                      <a:lumMod val="10000"/>
+                    </a:schemeClr>
+                  </a:solidFill>
+                </a:rPr>
+                <a:t>1</a:t>
+              </a:r>
+            </a:p>
+          </p:txBody>
+        </p:sp>
+      </p:grpSp>
+      <p:grpSp>
+        <p:nvGrpSpPr>
+          <p:cNvPr id="89" name="Group 88">
+            <a:extLst>
+              <a:ext uri="{FF2B5EF4-FFF2-40B4-BE49-F238E27FC236}">
+                <a16:creationId xmlns:a16="http://schemas.microsoft.com/office/drawing/2014/main" id="{F4D83034-719E-4ADC-9309-92A56374E67C}"/>
+              </a:ext>
+            </a:extLst>
+          </p:cNvPr>
+          <p:cNvGrpSpPr/>
+          <p:nvPr/>
+        </p:nvGrpSpPr>
+        <p:grpSpPr>
+          <a:xfrm>
+            <a:off x="2441148" y="4243706"/>
+            <a:ext cx="879105" cy="369332"/>
+            <a:chOff x="862282" y="2192304"/>
+            <a:chExt cx="879105" cy="369332"/>
+          </a:xfrm>
+        </p:grpSpPr>
+        <p:sp>
+          <p:nvSpPr>
+            <p:cNvPr id="90" name="Oval 89">
+              <a:extLst>
+                <a:ext uri="{FF2B5EF4-FFF2-40B4-BE49-F238E27FC236}">
+                  <a16:creationId xmlns:a16="http://schemas.microsoft.com/office/drawing/2014/main" id="{B65E8FF4-2CB9-41FD-9F13-A714415878C8}"/>
+                </a:ext>
+              </a:extLst>
+            </p:cNvPr>
+            <p:cNvSpPr/>
+            <p:nvPr/>
+          </p:nvSpPr>
+          <p:spPr>
+            <a:xfrm>
+              <a:off x="1604273" y="2336418"/>
+              <a:ext cx="137114" cy="137114"/>
+            </a:xfrm>
+            <a:prstGeom prst="ellipse">
+              <a:avLst/>
+            </a:prstGeom>
+            <a:solidFill>
+              <a:schemeClr val="tx1"/>
+            </a:solidFill>
+            <a:ln>
+              <a:noFill/>
+            </a:ln>
+          </p:spPr>
+          <p:style>
+            <a:lnRef idx="2">
+              <a:schemeClr val="accent1">
+                <a:shade val="50000"/>
+              </a:schemeClr>
+            </a:lnRef>
+            <a:fillRef idx="1">
+              <a:schemeClr val="accent1"/>
+            </a:fillRef>
+            <a:effectRef idx="0">
+              <a:schemeClr val="accent1"/>
+            </a:effectRef>
+            <a:fontRef idx="minor">
+              <a:schemeClr val="lt1"/>
+            </a:fontRef>
+          </p:style>
+          <p:txBody>
+            <a:bodyPr rtlCol="0" anchor="ctr"/>
+            <a:lstStyle/>
+            <a:p>
+              <a:pPr algn="ctr"/>
+              <a:endParaRPr lang="en-US" b="1">
+                <a:solidFill>
+                  <a:schemeClr val="bg2">
+                    <a:lumMod val="10000"/>
+                  </a:schemeClr>
+                </a:solidFill>
+              </a:endParaRPr>
+            </a:p>
+          </p:txBody>
+        </p:sp>
+        <p:sp>
+          <p:nvSpPr>
+            <p:cNvPr id="91" name="TextBox 90">
+              <a:extLst>
+                <a:ext uri="{FF2B5EF4-FFF2-40B4-BE49-F238E27FC236}">
+                  <a16:creationId xmlns:a16="http://schemas.microsoft.com/office/drawing/2014/main" id="{9D51610E-84E0-482C-8799-48ACF54F3B9D}"/>
+                </a:ext>
+              </a:extLst>
+            </p:cNvPr>
+            <p:cNvSpPr txBox="1"/>
+            <p:nvPr/>
+          </p:nvSpPr>
+          <p:spPr>
+            <a:xfrm>
+              <a:off x="862282" y="2192304"/>
+              <a:ext cx="788999" cy="369332"/>
+            </a:xfrm>
+            <a:prstGeom prst="rect">
+              <a:avLst/>
+            </a:prstGeom>
+            <a:noFill/>
+          </p:spPr>
+          <p:txBody>
+            <a:bodyPr wrap="none" rtlCol="0">
+              <a:spAutoFit/>
+            </a:bodyPr>
+            <a:lstStyle/>
+            <a:p>
+              <a:r>
+                <a:rPr lang="en-US" b="1" dirty="0">
+                  <a:solidFill>
+                    <a:schemeClr val="bg2">
+                      <a:lumMod val="10000"/>
+                    </a:schemeClr>
+                  </a:solidFill>
+                </a:rPr>
+                <a:t>(T</a:t>
+              </a:r>
+              <a:r>
+                <a:rPr lang="en-US" b="1" baseline="-25000" dirty="0">
+                  <a:solidFill>
+                    <a:schemeClr val="bg2">
+                      <a:lumMod val="10000"/>
+                    </a:schemeClr>
+                  </a:solidFill>
+                </a:rPr>
+                <a:t>2</a:t>
+              </a:r>
+              <a:r>
+                <a:rPr lang="en-US" b="1" dirty="0">
+                  <a:solidFill>
+                    <a:schemeClr val="bg2">
+                      <a:lumMod val="10000"/>
+                    </a:schemeClr>
+                  </a:solidFill>
+                </a:rPr>
+                <a:t>,R</a:t>
+              </a:r>
+              <a:r>
+                <a:rPr lang="en-US" b="1" baseline="-25000" dirty="0">
+                  <a:solidFill>
+                    <a:schemeClr val="bg2">
+                      <a:lumMod val="10000"/>
+                    </a:schemeClr>
+                  </a:solidFill>
+                </a:rPr>
+                <a:t>2</a:t>
+              </a:r>
+              <a:r>
+                <a:rPr lang="en-US" b="1" dirty="0">
+                  <a:solidFill>
+                    <a:schemeClr val="bg2">
+                      <a:lumMod val="10000"/>
+                    </a:schemeClr>
+                  </a:solidFill>
+                </a:rPr>
+                <a:t>)</a:t>
+              </a:r>
+            </a:p>
+          </p:txBody>
+        </p:sp>
+      </p:grpSp>
+      <p:sp>
+        <p:nvSpPr>
+          <p:cNvPr id="93" name="Oval 92">
+            <a:extLst>
+              <a:ext uri="{FF2B5EF4-FFF2-40B4-BE49-F238E27FC236}">
+                <a16:creationId xmlns:a16="http://schemas.microsoft.com/office/drawing/2014/main" id="{8E6F4639-08B0-44B1-A14A-1A73869255C2}"/>
+              </a:ext>
+            </a:extLst>
+          </p:cNvPr>
+          <p:cNvSpPr/>
+          <p:nvPr/>
+        </p:nvSpPr>
+        <p:spPr>
+          <a:xfrm>
+            <a:off x="3472086" y="4073365"/>
+            <a:ext cx="137114" cy="137114"/>
+          </a:xfrm>
+          <a:prstGeom prst="ellipse">
+            <a:avLst/>
+          </a:prstGeom>
+          <a:solidFill>
+            <a:schemeClr val="tx1"/>
+          </a:solidFill>
+          <a:ln>
+            <a:noFill/>
+          </a:ln>
+        </p:spPr>
+        <p:style>
+          <a:lnRef idx="2">
+            <a:schemeClr val="accent1">
+              <a:shade val="50000"/>
+            </a:schemeClr>
+          </a:lnRef>
+          <a:fillRef idx="1">
+            <a:schemeClr val="accent1"/>
+          </a:fillRef>
+          <a:effectRef idx="0">
+            <a:schemeClr val="accent1"/>
+          </a:effectRef>
+          <a:fontRef idx="minor">
+            <a:schemeClr val="lt1"/>
+          </a:fontRef>
+        </p:style>
+        <p:txBody>
+          <a:bodyPr rtlCol="0" anchor="ctr"/>
+          <a:lstStyle/>
+          <a:p>
+            <a:pPr algn="ctr"/>
+            <a:endParaRPr lang="en-US" b="1">
+              <a:solidFill>
+                <a:schemeClr val="bg2">
+                  <a:lumMod val="10000"/>
+                </a:schemeClr>
+              </a:solidFill>
+            </a:endParaRPr>
+          </a:p>
+        </p:txBody>
+      </p:sp>
+      <p:sp>
+        <p:nvSpPr>
+          <p:cNvPr id="96" name="Oval 95">
+            <a:extLst>
+              <a:ext uri="{FF2B5EF4-FFF2-40B4-BE49-F238E27FC236}">
+                <a16:creationId xmlns:a16="http://schemas.microsoft.com/office/drawing/2014/main" id="{B2C5AD20-3A6F-4911-B3DC-98E53A8331DA}"/>
+              </a:ext>
+            </a:extLst>
+          </p:cNvPr>
+          <p:cNvSpPr/>
+          <p:nvPr/>
+        </p:nvSpPr>
+        <p:spPr>
+          <a:xfrm>
+            <a:off x="3192939" y="5236345"/>
+            <a:ext cx="137114" cy="137114"/>
+          </a:xfrm>
+          <a:prstGeom prst="ellipse">
+            <a:avLst/>
+          </a:prstGeom>
+          <a:solidFill>
+            <a:schemeClr val="tx1"/>
+          </a:solidFill>
+          <a:ln>
+            <a:noFill/>
+          </a:ln>
+        </p:spPr>
+        <p:style>
+          <a:lnRef idx="2">
+            <a:schemeClr val="accent1">
+              <a:shade val="50000"/>
+            </a:schemeClr>
+          </a:lnRef>
+          <a:fillRef idx="1">
+            <a:schemeClr val="accent1"/>
+          </a:fillRef>
+          <a:effectRef idx="0">
+            <a:schemeClr val="accent1"/>
+          </a:effectRef>
+          <a:fontRef idx="minor">
+            <a:schemeClr val="lt1"/>
+          </a:fontRef>
+        </p:style>
+        <p:txBody>
+          <a:bodyPr rtlCol="0" anchor="ctr"/>
+          <a:lstStyle/>
+          <a:p>
+            <a:pPr algn="ctr"/>
+            <a:endParaRPr lang="en-US" b="1">
+              <a:solidFill>
+                <a:schemeClr val="bg2">
+                  <a:lumMod val="10000"/>
+                </a:schemeClr>
+              </a:solidFill>
+            </a:endParaRPr>
+          </a:p>
+        </p:txBody>
+      </p:sp>
+      <p:sp>
+        <p:nvSpPr>
+          <p:cNvPr id="101" name="TextBox 100">
+            <a:extLst>
+              <a:ext uri="{FF2B5EF4-FFF2-40B4-BE49-F238E27FC236}">
+                <a16:creationId xmlns:a16="http://schemas.microsoft.com/office/drawing/2014/main" id="{7021F51F-9228-4A17-ABD8-E4BD7C3FC80F}"/>
+              </a:ext>
+            </a:extLst>
+          </p:cNvPr>
+          <p:cNvSpPr txBox="1"/>
+          <p:nvPr/>
+        </p:nvSpPr>
+        <p:spPr>
+          <a:xfrm>
+            <a:off x="2923317" y="5350904"/>
+            <a:ext cx="788999" cy="369332"/>
+          </a:xfrm>
+          <a:prstGeom prst="rect">
+            <a:avLst/>
+          </a:prstGeom>
+          <a:noFill/>
+        </p:spPr>
+        <p:txBody>
+          <a:bodyPr wrap="none" rtlCol="0">
+            <a:spAutoFit/>
+          </a:bodyPr>
+          <a:lstStyle/>
+          <a:p>
+            <a:r>
+              <a:rPr lang="en-US" b="1" dirty="0">
+                <a:solidFill>
+                  <a:schemeClr val="bg2">
+                    <a:lumMod val="10000"/>
+                  </a:schemeClr>
+                </a:solidFill>
+              </a:rPr>
+              <a:t>(T</a:t>
+            </a:r>
+            <a:r>
+              <a:rPr lang="en-US" b="1" baseline="-25000" dirty="0">
+                <a:solidFill>
+                  <a:schemeClr val="bg2">
+                    <a:lumMod val="10000"/>
+                  </a:schemeClr>
+                </a:solidFill>
+              </a:rPr>
+              <a:t>1</a:t>
+            </a:r>
+            <a:r>
+              <a:rPr lang="en-US" b="1" dirty="0">
+                <a:solidFill>
+                  <a:schemeClr val="bg2">
+                    <a:lumMod val="10000"/>
+                  </a:schemeClr>
+                </a:solidFill>
+              </a:rPr>
+              <a:t>,R</a:t>
+            </a:r>
+            <a:r>
+              <a:rPr lang="en-US" b="1" baseline="-25000" dirty="0">
+                <a:solidFill>
+                  <a:schemeClr val="bg2">
+                    <a:lumMod val="10000"/>
+                  </a:schemeClr>
+                </a:solidFill>
+              </a:rPr>
+              <a:t>2</a:t>
+            </a:r>
+            <a:r>
+              <a:rPr lang="en-US" b="1" dirty="0">
+                <a:solidFill>
+                  <a:schemeClr val="bg2">
+                    <a:lumMod val="10000"/>
+                  </a:schemeClr>
+                </a:solidFill>
+              </a:rPr>
+              <a:t>)</a:t>
+            </a:r>
+          </a:p>
+        </p:txBody>
+      </p:sp>
+      <p:sp>
+        <p:nvSpPr>
+          <p:cNvPr id="102" name="TextBox 101">
+            <a:extLst>
+              <a:ext uri="{FF2B5EF4-FFF2-40B4-BE49-F238E27FC236}">
+                <a16:creationId xmlns:a16="http://schemas.microsoft.com/office/drawing/2014/main" id="{5EE81498-5B3C-4C19-A595-74FB9671FF25}"/>
+              </a:ext>
+            </a:extLst>
+          </p:cNvPr>
+          <p:cNvSpPr txBox="1"/>
+          <p:nvPr/>
+        </p:nvSpPr>
+        <p:spPr>
+          <a:xfrm>
+            <a:off x="3575878" y="4321090"/>
+            <a:ext cx="788999" cy="369332"/>
+          </a:xfrm>
+          <a:prstGeom prst="rect">
+            <a:avLst/>
+          </a:prstGeom>
+          <a:noFill/>
+        </p:spPr>
+        <p:txBody>
+          <a:bodyPr wrap="none" rtlCol="0">
+            <a:spAutoFit/>
+          </a:bodyPr>
+          <a:lstStyle/>
+          <a:p>
+            <a:r>
+              <a:rPr lang="en-US" b="1" dirty="0">
+                <a:solidFill>
+                  <a:schemeClr val="bg2">
+                    <a:lumMod val="10000"/>
+                  </a:schemeClr>
+                </a:solidFill>
+              </a:rPr>
+              <a:t>(T</a:t>
+            </a:r>
+            <a:r>
+              <a:rPr lang="en-US" b="1" baseline="-25000" dirty="0">
+                <a:solidFill>
+                  <a:schemeClr val="bg2">
+                    <a:lumMod val="10000"/>
+                  </a:schemeClr>
+                </a:solidFill>
+              </a:rPr>
+              <a:t>3</a:t>
+            </a:r>
+            <a:r>
+              <a:rPr lang="en-US" b="1" dirty="0">
+                <a:solidFill>
+                  <a:schemeClr val="bg2">
+                    <a:lumMod val="10000"/>
+                  </a:schemeClr>
+                </a:solidFill>
+              </a:rPr>
+              <a:t>,R</a:t>
+            </a:r>
+            <a:r>
+              <a:rPr lang="en-US" b="1" baseline="-25000" dirty="0">
+                <a:solidFill>
+                  <a:schemeClr val="bg2">
+                    <a:lumMod val="10000"/>
+                  </a:schemeClr>
+                </a:solidFill>
+              </a:rPr>
+              <a:t>3</a:t>
+            </a:r>
+            <a:r>
+              <a:rPr lang="en-US" b="1" dirty="0">
+                <a:solidFill>
+                  <a:schemeClr val="bg2">
+                    <a:lumMod val="10000"/>
+                  </a:schemeClr>
+                </a:solidFill>
+              </a:rPr>
+              <a:t>)</a:t>
+            </a:r>
+          </a:p>
+        </p:txBody>
+      </p:sp>
+      <p:sp>
+        <p:nvSpPr>
+          <p:cNvPr id="103" name="TextBox 102">
+            <a:extLst>
+              <a:ext uri="{FF2B5EF4-FFF2-40B4-BE49-F238E27FC236}">
+                <a16:creationId xmlns:a16="http://schemas.microsoft.com/office/drawing/2014/main" id="{EB3A98DD-0D2A-4724-832F-85374B092AA1}"/>
+              </a:ext>
+            </a:extLst>
+          </p:cNvPr>
+          <p:cNvSpPr txBox="1"/>
+          <p:nvPr/>
+        </p:nvSpPr>
+        <p:spPr>
+          <a:xfrm>
+            <a:off x="3138242" y="3674307"/>
+            <a:ext cx="788999" cy="369332"/>
+          </a:xfrm>
+          <a:prstGeom prst="rect">
+            <a:avLst/>
+          </a:prstGeom>
+          <a:noFill/>
+        </p:spPr>
+        <p:txBody>
+          <a:bodyPr wrap="none" rtlCol="0">
+            <a:spAutoFit/>
+          </a:bodyPr>
+          <a:lstStyle/>
+          <a:p>
+            <a:r>
+              <a:rPr lang="en-US" b="1" dirty="0">
+                <a:solidFill>
+                  <a:schemeClr val="bg2">
+                    <a:lumMod val="10000"/>
+                  </a:schemeClr>
+                </a:solidFill>
+              </a:rPr>
+              <a:t>(T</a:t>
+            </a:r>
+            <a:r>
+              <a:rPr lang="en-US" b="1" baseline="-25000" dirty="0">
+                <a:solidFill>
+                  <a:schemeClr val="bg2">
+                    <a:lumMod val="10000"/>
+                  </a:schemeClr>
+                </a:solidFill>
+              </a:rPr>
+              <a:t>4</a:t>
+            </a:r>
+            <a:r>
+              <a:rPr lang="en-US" b="1" dirty="0">
+                <a:solidFill>
+                  <a:schemeClr val="bg2">
+                    <a:lumMod val="10000"/>
+                  </a:schemeClr>
+                </a:solidFill>
+              </a:rPr>
+              <a:t>,R</a:t>
+            </a:r>
+            <a:r>
+              <a:rPr lang="en-US" b="1" baseline="-25000" dirty="0">
+                <a:solidFill>
+                  <a:schemeClr val="bg2">
+                    <a:lumMod val="10000"/>
+                  </a:schemeClr>
+                </a:solidFill>
+              </a:rPr>
+              <a:t>4</a:t>
+            </a:r>
+            <a:r>
+              <a:rPr lang="en-US" b="1" dirty="0">
+                <a:solidFill>
+                  <a:schemeClr val="bg2">
+                    <a:lumMod val="10000"/>
+                  </a:schemeClr>
+                </a:solidFill>
+              </a:rPr>
+              <a:t>)</a:t>
+            </a:r>
+          </a:p>
+        </p:txBody>
+      </p:sp>
+      <p:sp>
+        <p:nvSpPr>
+          <p:cNvPr id="99" name="Oval 98">
+            <a:extLst>
+              <a:ext uri="{FF2B5EF4-FFF2-40B4-BE49-F238E27FC236}">
+                <a16:creationId xmlns:a16="http://schemas.microsoft.com/office/drawing/2014/main" id="{32120C17-0194-4E24-8FA0-CF9EB76703AB}"/>
+              </a:ext>
+            </a:extLst>
+          </p:cNvPr>
+          <p:cNvSpPr/>
+          <p:nvPr/>
+        </p:nvSpPr>
+        <p:spPr>
+          <a:xfrm>
+            <a:off x="3481722" y="4451139"/>
+            <a:ext cx="137114" cy="137114"/>
+          </a:xfrm>
+          <a:prstGeom prst="ellipse">
+            <a:avLst/>
+          </a:prstGeom>
+          <a:solidFill>
+            <a:schemeClr val="tx1"/>
+          </a:solidFill>
+          <a:ln>
+            <a:noFill/>
+          </a:ln>
+        </p:spPr>
+        <p:style>
+          <a:lnRef idx="2">
+            <a:schemeClr val="accent1">
+              <a:shade val="50000"/>
+            </a:schemeClr>
+          </a:lnRef>
+          <a:fillRef idx="1">
+            <a:schemeClr val="accent1"/>
+          </a:fillRef>
+          <a:effectRef idx="0">
+            <a:schemeClr val="accent1"/>
+          </a:effectRef>
+          <a:fontRef idx="minor">
+            <a:schemeClr val="lt1"/>
+          </a:fontRef>
+        </p:style>
+        <p:txBody>
+          <a:bodyPr rtlCol="0" anchor="ctr"/>
+          <a:lstStyle/>
+          <a:p>
+            <a:pPr algn="ctr"/>
+            <a:endParaRPr lang="en-US" b="1">
+              <a:solidFill>
+                <a:schemeClr val="bg2">
+                  <a:lumMod val="10000"/>
+                </a:schemeClr>
+              </a:solidFill>
+            </a:endParaRPr>
+          </a:p>
+        </p:txBody>
+      </p:sp>
+      <p:cxnSp>
+        <p:nvCxnSpPr>
+          <p:cNvPr id="121" name="Straight Connector 120">
+            <a:extLst>
+              <a:ext uri="{FF2B5EF4-FFF2-40B4-BE49-F238E27FC236}">
+                <a16:creationId xmlns:a16="http://schemas.microsoft.com/office/drawing/2014/main" id="{874D5F65-78B3-4578-90B8-9446A33830DA}"/>
+              </a:ext>
+            </a:extLst>
+          </p:cNvPr>
+          <p:cNvCxnSpPr>
+            <a:cxnSpLocks/>
+          </p:cNvCxnSpPr>
+          <p:nvPr/>
+        </p:nvCxnSpPr>
+        <p:spPr>
+          <a:xfrm flipV="1">
+            <a:off x="3244922" y="4527767"/>
+            <a:ext cx="0" cy="708578"/>
+          </a:xfrm>
+          <a:prstGeom prst="line">
+            <a:avLst/>
+          </a:prstGeom>
+          <a:ln w="28575">
+            <a:solidFill>
+              <a:srgbClr val="FF0000"/>
+            </a:solidFill>
+          </a:ln>
+        </p:spPr>
+        <p:style>
+          <a:lnRef idx="1">
+            <a:schemeClr val="accent1"/>
+          </a:lnRef>
+          <a:fillRef idx="0">
+            <a:schemeClr val="accent1"/>
+          </a:fillRef>
+          <a:effectRef idx="0">
+            <a:schemeClr val="accent1"/>
+          </a:effectRef>
+          <a:fontRef idx="minor">
+            <a:schemeClr val="tx1"/>
+          </a:fontRef>
+        </p:style>
+      </p:cxnSp>
+    </p:spTree>
+    <p:extLst>
+      <p:ext uri="{BB962C8B-B14F-4D97-AF65-F5344CB8AC3E}">
+        <p14:creationId xmlns:p14="http://schemas.microsoft.com/office/powerpoint/2010/main" val="1150650519"/>
+      </p:ext>
+    </p:extLst>
+  </p:cSld>
+  <p:clrMapOvr>
+    <a:masterClrMapping/>
+  </p:clrMapOvr>
+  <p:timing>
+    <p:tnLst>
+      <p:par>
+        <p:cTn id="1" dur="indefinite" restart="never" nodeType="tmRoot">
+          <p:childTnLst>
+            <p:seq concurrent="1" nextAc="seek">
+              <p:cTn id="2" dur="indefinite" nodeType="mainSeq">
+                <p:childTnLst>
+                  <p:par>
+                    <p:cTn id="3" fill="hold">
+                      <p:stCondLst>
+                        <p:cond delay="indefinite"/>
+                      </p:stCondLst>
+                      <p:childTnLst>
+                        <p:par>
+                          <p:cTn id="4" fill="hold">
+                            <p:stCondLst>
+                              <p:cond delay="0"/>
+                            </p:stCondLst>
+                            <p:childTnLst>
+                              <p:par>
+                                <p:cTn id="5" presetID="22" presetClass="entr" presetSubtype="8" fill="hold" nodeType="clickEffect">
+                                  <p:stCondLst>
+                                    <p:cond delay="0"/>
+                                  </p:stCondLst>
+                                  <p:childTnLst>
+                                    <p:set>
+                                      <p:cBhvr>
+                                        <p:cTn id="6" dur="1" fill="hold">
+                                          <p:stCondLst>
+                                            <p:cond delay="0"/>
+                                          </p:stCondLst>
+                                        </p:cTn>
+                                        <p:tgtEl>
+                                          <p:spTgt spid="19"/>
+                                        </p:tgtEl>
+                                        <p:attrNameLst>
+                                          <p:attrName>style.visibility</p:attrName>
+                                        </p:attrNameLst>
+                                      </p:cBhvr>
+                                      <p:to>
+                                        <p:strVal val="visible"/>
+                                      </p:to>
+                                    </p:set>
+                                    <p:animEffect transition="in" filter="wipe(left)">
+                                      <p:cBhvr>
+                                        <p:cTn id="7" dur="250"/>
+                                        <p:tgtEl>
+                                          <p:spTgt spid="19"/>
+                                        </p:tgtEl>
+                                      </p:cBhvr>
+                                    </p:animEffect>
+                                  </p:childTnLst>
+                                </p:cTn>
+                              </p:par>
+                              <p:par>
+                                <p:cTn id="8" presetID="22" presetClass="entr" presetSubtype="8" fill="hold" grpId="0" nodeType="withEffect">
+                                  <p:stCondLst>
+                                    <p:cond delay="0"/>
+                                  </p:stCondLst>
+                                  <p:childTnLst>
+                                    <p:set>
+                                      <p:cBhvr>
+                                        <p:cTn id="9" dur="1" fill="hold">
+                                          <p:stCondLst>
+                                            <p:cond delay="0"/>
+                                          </p:stCondLst>
+                                        </p:cTn>
+                                        <p:tgtEl>
+                                          <p:spTgt spid="13"/>
+                                        </p:tgtEl>
+                                        <p:attrNameLst>
+                                          <p:attrName>style.visibility</p:attrName>
+                                        </p:attrNameLst>
+                                      </p:cBhvr>
+                                      <p:to>
+                                        <p:strVal val="visible"/>
+                                      </p:to>
+                                    </p:set>
+                                    <p:animEffect transition="in" filter="wipe(left)">
+                                      <p:cBhvr>
+                                        <p:cTn id="10" dur="250"/>
+                                        <p:tgtEl>
+                                          <p:spTgt spid="13"/>
+                                        </p:tgtEl>
+                                      </p:cBhvr>
+                                    </p:animEffect>
+                                  </p:childTnLst>
+                                </p:cTn>
+                              </p:par>
+                              <p:par>
+                                <p:cTn id="11" presetID="22" presetClass="entr" presetSubtype="4" fill="hold" nodeType="withEffect">
+                                  <p:stCondLst>
+                                    <p:cond delay="0"/>
+                                  </p:stCondLst>
+                                  <p:childTnLst>
+                                    <p:set>
+                                      <p:cBhvr>
+                                        <p:cTn id="12" dur="1" fill="hold">
+                                          <p:stCondLst>
+                                            <p:cond delay="0"/>
+                                          </p:stCondLst>
+                                        </p:cTn>
+                                        <p:tgtEl>
+                                          <p:spTgt spid="25"/>
+                                        </p:tgtEl>
+                                        <p:attrNameLst>
+                                          <p:attrName>style.visibility</p:attrName>
+                                        </p:attrNameLst>
+                                      </p:cBhvr>
+                                      <p:to>
+                                        <p:strVal val="visible"/>
+                                      </p:to>
+                                    </p:set>
+                                    <p:animEffect transition="in" filter="wipe(down)">
+                                      <p:cBhvr>
+                                        <p:cTn id="13" dur="250"/>
+                                        <p:tgtEl>
+                                          <p:spTgt spid="25"/>
+                                        </p:tgtEl>
+                                      </p:cBhvr>
+                                    </p:animEffect>
+                                  </p:childTnLst>
+                                </p:cTn>
+                              </p:par>
+                              <p:par>
+                                <p:cTn id="14" presetID="22" presetClass="entr" presetSubtype="4" fill="hold" grpId="0" nodeType="withEffect">
+                                  <p:stCondLst>
+                                    <p:cond delay="0"/>
+                                  </p:stCondLst>
+                                  <p:childTnLst>
+                                    <p:set>
+                                      <p:cBhvr>
+                                        <p:cTn id="15" dur="1" fill="hold">
+                                          <p:stCondLst>
+                                            <p:cond delay="0"/>
+                                          </p:stCondLst>
+                                        </p:cTn>
+                                        <p:tgtEl>
+                                          <p:spTgt spid="14"/>
+                                        </p:tgtEl>
+                                        <p:attrNameLst>
+                                          <p:attrName>style.visibility</p:attrName>
+                                        </p:attrNameLst>
+                                      </p:cBhvr>
+                                      <p:to>
+                                        <p:strVal val="visible"/>
+                                      </p:to>
+                                    </p:set>
+                                    <p:animEffect transition="in" filter="wipe(down)">
+                                      <p:cBhvr>
+                                        <p:cTn id="16" dur="250"/>
+                                        <p:tgtEl>
+                                          <p:spTgt spid="14"/>
+                                        </p:tgtEl>
+                                      </p:cBhvr>
+                                    </p:animEffect>
+                                  </p:childTnLst>
+                                </p:cTn>
+                              </p:par>
+                            </p:childTnLst>
+                          </p:cTn>
+                        </p:par>
+                      </p:childTnLst>
+                    </p:cTn>
+                  </p:par>
+                  <p:par>
+                    <p:cTn id="17" fill="hold">
+                      <p:stCondLst>
+                        <p:cond delay="indefinite"/>
+                      </p:stCondLst>
+                      <p:childTnLst>
+                        <p:par>
+                          <p:cTn id="18" fill="hold">
+                            <p:stCondLst>
+                              <p:cond delay="0"/>
+                            </p:stCondLst>
+                            <p:childTnLst>
+                              <p:par>
+                                <p:cTn id="19" presetID="22" presetClass="entr" presetSubtype="4" fill="hold" nodeType="clickEffect">
+                                  <p:stCondLst>
+                                    <p:cond delay="0"/>
+                                  </p:stCondLst>
+                                  <p:childTnLst>
+                                    <p:set>
+                                      <p:cBhvr>
+                                        <p:cTn id="20" dur="1" fill="hold">
+                                          <p:stCondLst>
+                                            <p:cond delay="0"/>
+                                          </p:stCondLst>
+                                        </p:cTn>
+                                        <p:tgtEl>
+                                          <p:spTgt spid="21"/>
+                                        </p:tgtEl>
+                                        <p:attrNameLst>
+                                          <p:attrName>style.visibility</p:attrName>
+                                        </p:attrNameLst>
+                                      </p:cBhvr>
+                                      <p:to>
+                                        <p:strVal val="visible"/>
+                                      </p:to>
+                                    </p:set>
+                                    <p:animEffect transition="in" filter="wipe(down)">
+                                      <p:cBhvr>
+                                        <p:cTn id="21" dur="250"/>
+                                        <p:tgtEl>
+                                          <p:spTgt spid="21"/>
+                                        </p:tgtEl>
+                                      </p:cBhvr>
+                                    </p:animEffect>
+                                  </p:childTnLst>
+                                </p:cTn>
+                              </p:par>
+                              <p:par>
+                                <p:cTn id="22" presetID="22" presetClass="entr" presetSubtype="4" fill="hold" grpId="0" nodeType="withEffect">
+                                  <p:stCondLst>
+                                    <p:cond delay="0"/>
+                                  </p:stCondLst>
+                                  <p:childTnLst>
+                                    <p:set>
+                                      <p:cBhvr>
+                                        <p:cTn id="23" dur="1" fill="hold">
+                                          <p:stCondLst>
+                                            <p:cond delay="0"/>
+                                          </p:stCondLst>
+                                        </p:cTn>
+                                        <p:tgtEl>
+                                          <p:spTgt spid="15"/>
+                                        </p:tgtEl>
+                                        <p:attrNameLst>
+                                          <p:attrName>style.visibility</p:attrName>
+                                        </p:attrNameLst>
+                                      </p:cBhvr>
+                                      <p:to>
+                                        <p:strVal val="visible"/>
+                                      </p:to>
+                                    </p:set>
+                                    <p:animEffect transition="in" filter="wipe(down)">
+                                      <p:cBhvr>
+                                        <p:cTn id="24" dur="250"/>
+                                        <p:tgtEl>
+                                          <p:spTgt spid="15"/>
+                                        </p:tgtEl>
+                                      </p:cBhvr>
+                                    </p:animEffect>
+                                  </p:childTnLst>
+                                </p:cTn>
+                              </p:par>
+                              <p:par>
+                                <p:cTn id="25" presetID="10" presetClass="entr" presetSubtype="0" fill="hold" nodeType="withEffect">
+                                  <p:stCondLst>
+                                    <p:cond delay="0"/>
+                                  </p:stCondLst>
+                                  <p:childTnLst>
+                                    <p:set>
+                                      <p:cBhvr>
+                                        <p:cTn id="26" dur="1" fill="hold">
+                                          <p:stCondLst>
+                                            <p:cond delay="0"/>
+                                          </p:stCondLst>
+                                        </p:cTn>
+                                        <p:tgtEl>
+                                          <p:spTgt spid="86"/>
+                                        </p:tgtEl>
+                                        <p:attrNameLst>
+                                          <p:attrName>style.visibility</p:attrName>
+                                        </p:attrNameLst>
+                                      </p:cBhvr>
+                                      <p:to>
+                                        <p:strVal val="visible"/>
+                                      </p:to>
+                                    </p:set>
+                                    <p:animEffect transition="in" filter="fade">
+                                      <p:cBhvr>
+                                        <p:cTn id="27" dur="250"/>
+                                        <p:tgtEl>
+                                          <p:spTgt spid="86"/>
+                                        </p:tgtEl>
+                                      </p:cBhvr>
+                                    </p:animEffect>
+                                  </p:childTnLst>
+                                </p:cTn>
+                              </p:par>
+                            </p:childTnLst>
+                          </p:cTn>
+                        </p:par>
+                        <p:par>
+                          <p:cTn id="28" fill="hold">
+                            <p:stCondLst>
+                              <p:cond delay="250"/>
+                            </p:stCondLst>
+                            <p:childTnLst>
+                              <p:par>
+                                <p:cTn id="29" presetID="22" presetClass="entr" presetSubtype="8" fill="hold" grpId="0" nodeType="afterEffect">
+                                  <p:stCondLst>
+                                    <p:cond delay="0"/>
+                                  </p:stCondLst>
+                                  <p:childTnLst>
+                                    <p:set>
+                                      <p:cBhvr>
+                                        <p:cTn id="30" dur="1" fill="hold">
+                                          <p:stCondLst>
+                                            <p:cond delay="0"/>
+                                          </p:stCondLst>
+                                        </p:cTn>
+                                        <p:tgtEl>
+                                          <p:spTgt spid="35"/>
+                                        </p:tgtEl>
+                                        <p:attrNameLst>
+                                          <p:attrName>style.visibility</p:attrName>
+                                        </p:attrNameLst>
+                                      </p:cBhvr>
+                                      <p:to>
+                                        <p:strVal val="visible"/>
+                                      </p:to>
+                                    </p:set>
+                                    <p:animEffect transition="in" filter="wipe(left)">
+                                      <p:cBhvr>
+                                        <p:cTn id="31" dur="250"/>
+                                        <p:tgtEl>
+                                          <p:spTgt spid="35"/>
+                                        </p:tgtEl>
+                                      </p:cBhvr>
+                                    </p:animEffect>
+                                  </p:childTnLst>
+                                </p:cTn>
+                              </p:par>
+                            </p:childTnLst>
+                          </p:cTn>
+                        </p:par>
+                        <p:par>
+                          <p:cTn id="32" fill="hold">
+                            <p:stCondLst>
+                              <p:cond delay="500"/>
+                            </p:stCondLst>
+                            <p:childTnLst>
+                              <p:par>
+                                <p:cTn id="33" presetID="10" presetClass="entr" presetSubtype="0" fill="hold" grpId="0" nodeType="afterEffect">
+                                  <p:stCondLst>
+                                    <p:cond delay="0"/>
+                                  </p:stCondLst>
+                                  <p:childTnLst>
+                                    <p:set>
+                                      <p:cBhvr>
+                                        <p:cTn id="34" dur="1" fill="hold">
+                                          <p:stCondLst>
+                                            <p:cond delay="0"/>
+                                          </p:stCondLst>
+                                        </p:cTn>
+                                        <p:tgtEl>
+                                          <p:spTgt spid="96"/>
+                                        </p:tgtEl>
+                                        <p:attrNameLst>
+                                          <p:attrName>style.visibility</p:attrName>
+                                        </p:attrNameLst>
+                                      </p:cBhvr>
+                                      <p:to>
+                                        <p:strVal val="visible"/>
+                                      </p:to>
+                                    </p:set>
+                                    <p:animEffect transition="in" filter="fade">
+                                      <p:cBhvr>
+                                        <p:cTn id="35" dur="250"/>
+                                        <p:tgtEl>
+                                          <p:spTgt spid="96"/>
+                                        </p:tgtEl>
+                                      </p:cBhvr>
+                                    </p:animEffect>
+                                  </p:childTnLst>
+                                </p:cTn>
+                              </p:par>
+                            </p:childTnLst>
+                          </p:cTn>
+                        </p:par>
+                        <p:par>
+                          <p:cTn id="36" fill="hold">
+                            <p:stCondLst>
+                              <p:cond delay="750"/>
+                            </p:stCondLst>
+                            <p:childTnLst>
+                              <p:par>
+                                <p:cTn id="37" presetID="10" presetClass="entr" presetSubtype="0" fill="hold" grpId="0" nodeType="afterEffect">
+                                  <p:stCondLst>
+                                    <p:cond delay="0"/>
+                                  </p:stCondLst>
+                                  <p:childTnLst>
+                                    <p:set>
+                                      <p:cBhvr>
+                                        <p:cTn id="38" dur="1" fill="hold">
+                                          <p:stCondLst>
+                                            <p:cond delay="0"/>
+                                          </p:stCondLst>
+                                        </p:cTn>
+                                        <p:tgtEl>
+                                          <p:spTgt spid="101"/>
+                                        </p:tgtEl>
+                                        <p:attrNameLst>
+                                          <p:attrName>style.visibility</p:attrName>
+                                        </p:attrNameLst>
+                                      </p:cBhvr>
+                                      <p:to>
+                                        <p:strVal val="visible"/>
+                                      </p:to>
+                                    </p:set>
+                                    <p:animEffect transition="in" filter="fade">
+                                      <p:cBhvr>
+                                        <p:cTn id="39" dur="250"/>
+                                        <p:tgtEl>
+                                          <p:spTgt spid="101"/>
+                                        </p:tgtEl>
+                                      </p:cBhvr>
+                                    </p:animEffect>
+                                  </p:childTnLst>
+                                </p:cTn>
+                              </p:par>
+                            </p:childTnLst>
+                          </p:cTn>
+                        </p:par>
+                        <p:par>
+                          <p:cTn id="40" fill="hold">
+                            <p:stCondLst>
+                              <p:cond delay="1000"/>
+                            </p:stCondLst>
+                            <p:childTnLst>
+                              <p:par>
+                                <p:cTn id="41" presetID="22" presetClass="entr" presetSubtype="4" fill="hold" nodeType="afterEffect">
+                                  <p:stCondLst>
+                                    <p:cond delay="0"/>
+                                  </p:stCondLst>
+                                  <p:childTnLst>
+                                    <p:set>
+                                      <p:cBhvr>
+                                        <p:cTn id="42" dur="1" fill="hold">
+                                          <p:stCondLst>
+                                            <p:cond delay="0"/>
+                                          </p:stCondLst>
+                                        </p:cTn>
+                                        <p:tgtEl>
+                                          <p:spTgt spid="31"/>
+                                        </p:tgtEl>
+                                        <p:attrNameLst>
+                                          <p:attrName>style.visibility</p:attrName>
+                                        </p:attrNameLst>
+                                      </p:cBhvr>
+                                      <p:to>
+                                        <p:strVal val="visible"/>
+                                      </p:to>
+                                    </p:set>
+                                    <p:animEffect transition="in" filter="wipe(down)">
+                                      <p:cBhvr>
+                                        <p:cTn id="43" dur="250"/>
+                                        <p:tgtEl>
+                                          <p:spTgt spid="31"/>
+                                        </p:tgtEl>
+                                      </p:cBhvr>
+                                    </p:animEffect>
+                                  </p:childTnLst>
+                                </p:cTn>
+                              </p:par>
+                            </p:childTnLst>
+                          </p:cTn>
+                        </p:par>
+                        <p:par>
+                          <p:cTn id="44" fill="hold">
+                            <p:stCondLst>
+                              <p:cond delay="1250"/>
+                            </p:stCondLst>
+                            <p:childTnLst>
+                              <p:par>
+                                <p:cTn id="45" presetID="10" presetClass="entr" presetSubtype="0" fill="hold" nodeType="afterEffect">
+                                  <p:stCondLst>
+                                    <p:cond delay="0"/>
+                                  </p:stCondLst>
+                                  <p:childTnLst>
+                                    <p:set>
+                                      <p:cBhvr>
+                                        <p:cTn id="46" dur="1" fill="hold">
+                                          <p:stCondLst>
+                                            <p:cond delay="0"/>
+                                          </p:stCondLst>
+                                        </p:cTn>
+                                        <p:tgtEl>
+                                          <p:spTgt spid="89"/>
+                                        </p:tgtEl>
+                                        <p:attrNameLst>
+                                          <p:attrName>style.visibility</p:attrName>
+                                        </p:attrNameLst>
+                                      </p:cBhvr>
+                                      <p:to>
+                                        <p:strVal val="visible"/>
+                                      </p:to>
+                                    </p:set>
+                                    <p:animEffect transition="in" filter="fade">
+                                      <p:cBhvr>
+                                        <p:cTn id="47" dur="250"/>
+                                        <p:tgtEl>
+                                          <p:spTgt spid="89"/>
+                                        </p:tgtEl>
+                                      </p:cBhvr>
+                                    </p:animEffect>
+                                  </p:childTnLst>
+                                </p:cTn>
+                              </p:par>
+                            </p:childTnLst>
+                          </p:cTn>
+                        </p:par>
+                        <p:par>
+                          <p:cTn id="48" fill="hold">
+                            <p:stCondLst>
+                              <p:cond delay="1500"/>
+                            </p:stCondLst>
+                            <p:childTnLst>
+                              <p:par>
+                                <p:cTn id="49" presetID="22" presetClass="entr" presetSubtype="8" fill="hold" grpId="0" nodeType="afterEffect">
+                                  <p:stCondLst>
+                                    <p:cond delay="0"/>
+                                  </p:stCondLst>
+                                  <p:childTnLst>
+                                    <p:set>
+                                      <p:cBhvr>
+                                        <p:cTn id="50" dur="1" fill="hold">
+                                          <p:stCondLst>
+                                            <p:cond delay="0"/>
+                                          </p:stCondLst>
+                                        </p:cTn>
+                                        <p:tgtEl>
+                                          <p:spTgt spid="34"/>
+                                        </p:tgtEl>
+                                        <p:attrNameLst>
+                                          <p:attrName>style.visibility</p:attrName>
+                                        </p:attrNameLst>
+                                      </p:cBhvr>
+                                      <p:to>
+                                        <p:strVal val="visible"/>
+                                      </p:to>
+                                    </p:set>
+                                    <p:animEffect transition="in" filter="wipe(left)">
+                                      <p:cBhvr>
+                                        <p:cTn id="51" dur="250"/>
+                                        <p:tgtEl>
+                                          <p:spTgt spid="34"/>
+                                        </p:tgtEl>
+                                      </p:cBhvr>
+                                    </p:animEffect>
+                                  </p:childTnLst>
+                                </p:cTn>
+                              </p:par>
+                            </p:childTnLst>
+                          </p:cTn>
+                        </p:par>
+                        <p:par>
+                          <p:cTn id="52" fill="hold">
+                            <p:stCondLst>
+                              <p:cond delay="1750"/>
+                            </p:stCondLst>
+                            <p:childTnLst>
+                              <p:par>
+                                <p:cTn id="53" presetID="10" presetClass="entr" presetSubtype="0" fill="hold" grpId="0" nodeType="afterEffect">
+                                  <p:stCondLst>
+                                    <p:cond delay="0"/>
+                                  </p:stCondLst>
+                                  <p:childTnLst>
+                                    <p:set>
+                                      <p:cBhvr>
+                                        <p:cTn id="54" dur="1" fill="hold">
+                                          <p:stCondLst>
+                                            <p:cond delay="0"/>
+                                          </p:stCondLst>
+                                        </p:cTn>
+                                        <p:tgtEl>
+                                          <p:spTgt spid="99"/>
+                                        </p:tgtEl>
+                                        <p:attrNameLst>
+                                          <p:attrName>style.visibility</p:attrName>
+                                        </p:attrNameLst>
+                                      </p:cBhvr>
+                                      <p:to>
+                                        <p:strVal val="visible"/>
+                                      </p:to>
+                                    </p:set>
+                                    <p:animEffect transition="in" filter="fade">
+                                      <p:cBhvr>
+                                        <p:cTn id="55" dur="250"/>
+                                        <p:tgtEl>
+                                          <p:spTgt spid="99"/>
+                                        </p:tgtEl>
+                                      </p:cBhvr>
+                                    </p:animEffect>
+                                  </p:childTnLst>
+                                </p:cTn>
+                              </p:par>
+                            </p:childTnLst>
+                          </p:cTn>
+                        </p:par>
+                        <p:par>
+                          <p:cTn id="56" fill="hold">
+                            <p:stCondLst>
+                              <p:cond delay="2000"/>
+                            </p:stCondLst>
+                            <p:childTnLst>
+                              <p:par>
+                                <p:cTn id="57" presetID="10" presetClass="entr" presetSubtype="0" fill="hold" grpId="0" nodeType="afterEffect">
+                                  <p:stCondLst>
+                                    <p:cond delay="0"/>
+                                  </p:stCondLst>
+                                  <p:childTnLst>
+                                    <p:set>
+                                      <p:cBhvr>
+                                        <p:cTn id="58" dur="1" fill="hold">
+                                          <p:stCondLst>
+                                            <p:cond delay="0"/>
+                                          </p:stCondLst>
+                                        </p:cTn>
+                                        <p:tgtEl>
+                                          <p:spTgt spid="102"/>
+                                        </p:tgtEl>
+                                        <p:attrNameLst>
+                                          <p:attrName>style.visibility</p:attrName>
+                                        </p:attrNameLst>
+                                      </p:cBhvr>
+                                      <p:to>
+                                        <p:strVal val="visible"/>
+                                      </p:to>
+                                    </p:set>
+                                    <p:animEffect transition="in" filter="fade">
+                                      <p:cBhvr>
+                                        <p:cTn id="59" dur="250"/>
+                                        <p:tgtEl>
+                                          <p:spTgt spid="102"/>
+                                        </p:tgtEl>
+                                      </p:cBhvr>
+                                    </p:animEffect>
+                                  </p:childTnLst>
+                                </p:cTn>
+                              </p:par>
+                            </p:childTnLst>
+                          </p:cTn>
+                        </p:par>
+                        <p:par>
+                          <p:cTn id="60" fill="hold">
+                            <p:stCondLst>
+                              <p:cond delay="2250"/>
+                            </p:stCondLst>
+                            <p:childTnLst>
+                              <p:par>
+                                <p:cTn id="61" presetID="22" presetClass="entr" presetSubtype="4" fill="hold" nodeType="afterEffect">
+                                  <p:stCondLst>
+                                    <p:cond delay="0"/>
+                                  </p:stCondLst>
+                                  <p:childTnLst>
+                                    <p:set>
+                                      <p:cBhvr>
+                                        <p:cTn id="62" dur="1" fill="hold">
+                                          <p:stCondLst>
+                                            <p:cond delay="0"/>
+                                          </p:stCondLst>
+                                        </p:cTn>
+                                        <p:tgtEl>
+                                          <p:spTgt spid="32"/>
+                                        </p:tgtEl>
+                                        <p:attrNameLst>
+                                          <p:attrName>style.visibility</p:attrName>
+                                        </p:attrNameLst>
+                                      </p:cBhvr>
+                                      <p:to>
+                                        <p:strVal val="visible"/>
+                                      </p:to>
+                                    </p:set>
+                                    <p:animEffect transition="in" filter="wipe(down)">
+                                      <p:cBhvr>
+                                        <p:cTn id="63" dur="250"/>
+                                        <p:tgtEl>
+                                          <p:spTgt spid="32"/>
+                                        </p:tgtEl>
+                                      </p:cBhvr>
+                                    </p:animEffect>
+                                  </p:childTnLst>
+                                </p:cTn>
+                              </p:par>
+                            </p:childTnLst>
+                          </p:cTn>
+                        </p:par>
+                        <p:par>
+                          <p:cTn id="64" fill="hold">
+                            <p:stCondLst>
+                              <p:cond delay="2500"/>
+                            </p:stCondLst>
+                            <p:childTnLst>
+                              <p:par>
+                                <p:cTn id="65" presetID="10" presetClass="entr" presetSubtype="0" fill="hold" grpId="0" nodeType="afterEffect">
+                                  <p:stCondLst>
+                                    <p:cond delay="0"/>
+                                  </p:stCondLst>
+                                  <p:childTnLst>
+                                    <p:set>
+                                      <p:cBhvr>
+                                        <p:cTn id="66" dur="1" fill="hold">
+                                          <p:stCondLst>
+                                            <p:cond delay="0"/>
+                                          </p:stCondLst>
+                                        </p:cTn>
+                                        <p:tgtEl>
+                                          <p:spTgt spid="103"/>
+                                        </p:tgtEl>
+                                        <p:attrNameLst>
+                                          <p:attrName>style.visibility</p:attrName>
+                                        </p:attrNameLst>
+                                      </p:cBhvr>
+                                      <p:to>
+                                        <p:strVal val="visible"/>
+                                      </p:to>
+                                    </p:set>
+                                    <p:animEffect transition="in" filter="fade">
+                                      <p:cBhvr>
+                                        <p:cTn id="67" dur="250"/>
+                                        <p:tgtEl>
+                                          <p:spTgt spid="103"/>
+                                        </p:tgtEl>
+                                      </p:cBhvr>
+                                    </p:animEffect>
+                                  </p:childTnLst>
+                                </p:cTn>
+                              </p:par>
+                            </p:childTnLst>
+                          </p:cTn>
+                        </p:par>
+                        <p:par>
+                          <p:cTn id="68" fill="hold">
+                            <p:stCondLst>
+                              <p:cond delay="2750"/>
+                            </p:stCondLst>
+                            <p:childTnLst>
+                              <p:par>
+                                <p:cTn id="69" presetID="10" presetClass="entr" presetSubtype="0" fill="hold" grpId="0" nodeType="afterEffect">
+                                  <p:stCondLst>
+                                    <p:cond delay="0"/>
+                                  </p:stCondLst>
+                                  <p:childTnLst>
+                                    <p:set>
+                                      <p:cBhvr>
+                                        <p:cTn id="70" dur="1" fill="hold">
+                                          <p:stCondLst>
+                                            <p:cond delay="0"/>
+                                          </p:stCondLst>
+                                        </p:cTn>
+                                        <p:tgtEl>
+                                          <p:spTgt spid="93"/>
+                                        </p:tgtEl>
+                                        <p:attrNameLst>
+                                          <p:attrName>style.visibility</p:attrName>
+                                        </p:attrNameLst>
+                                      </p:cBhvr>
+                                      <p:to>
+                                        <p:strVal val="visible"/>
+                                      </p:to>
+                                    </p:set>
+                                    <p:animEffect transition="in" filter="fade">
+                                      <p:cBhvr>
+                                        <p:cTn id="71" dur="250"/>
+                                        <p:tgtEl>
+                                          <p:spTgt spid="93"/>
+                                        </p:tgtEl>
+                                      </p:cBhvr>
+                                    </p:animEffect>
+                                  </p:childTnLst>
+                                </p:cTn>
+                              </p:par>
+                            </p:childTnLst>
+                          </p:cTn>
+                        </p:par>
+                        <p:par>
+                          <p:cTn id="72" fill="hold">
+                            <p:stCondLst>
+                              <p:cond delay="3000"/>
+                            </p:stCondLst>
+                            <p:childTnLst>
+                              <p:par>
+                                <p:cTn id="73" presetID="22" presetClass="entr" presetSubtype="8" fill="hold" grpId="0" nodeType="afterEffect">
+                                  <p:stCondLst>
+                                    <p:cond delay="0"/>
+                                  </p:stCondLst>
+                                  <p:childTnLst>
+                                    <p:set>
+                                      <p:cBhvr>
+                                        <p:cTn id="74" dur="1" fill="hold">
+                                          <p:stCondLst>
+                                            <p:cond delay="0"/>
+                                          </p:stCondLst>
+                                        </p:cTn>
+                                        <p:tgtEl>
+                                          <p:spTgt spid="33"/>
+                                        </p:tgtEl>
+                                        <p:attrNameLst>
+                                          <p:attrName>style.visibility</p:attrName>
+                                        </p:attrNameLst>
+                                      </p:cBhvr>
+                                      <p:to>
+                                        <p:strVal val="visible"/>
+                                      </p:to>
+                                    </p:set>
+                                    <p:animEffect transition="in" filter="wipe(left)">
+                                      <p:cBhvr>
+                                        <p:cTn id="75" dur="250"/>
+                                        <p:tgtEl>
+                                          <p:spTgt spid="33"/>
+                                        </p:tgtEl>
+                                      </p:cBhvr>
+                                    </p:animEffect>
+                                  </p:childTnLst>
+                                </p:cTn>
+                              </p:par>
+                            </p:childTnLst>
+                          </p:cTn>
+                        </p:par>
+                        <p:par>
+                          <p:cTn id="76" fill="hold">
+                            <p:stCondLst>
+                              <p:cond delay="3250"/>
+                            </p:stCondLst>
+                            <p:childTnLst>
+                              <p:par>
+                                <p:cTn id="77" presetID="1" presetClass="entr" presetSubtype="0" fill="hold" nodeType="afterEffect">
+                                  <p:stCondLst>
+                                    <p:cond delay="0"/>
+                                  </p:stCondLst>
+                                  <p:childTnLst>
+                                    <p:set>
+                                      <p:cBhvr>
+                                        <p:cTn id="78" dur="1" fill="hold">
+                                          <p:stCondLst>
+                                            <p:cond delay="0"/>
+                                          </p:stCondLst>
+                                        </p:cTn>
+                                        <p:tgtEl>
+                                          <p:spTgt spid="121"/>
+                                        </p:tgtEl>
+                                        <p:attrNameLst>
+                                          <p:attrName>style.visibility</p:attrName>
+                                        </p:attrNameLst>
+                                      </p:cBhvr>
+                                      <p:to>
+                                        <p:strVal val="visible"/>
+                                      </p:to>
+                                    </p:set>
+                                  </p:childTnLst>
+                                </p:cTn>
+                              </p:par>
+                              <p:par>
+                                <p:cTn id="79" presetID="1" presetClass="exit" presetSubtype="0" fill="hold" nodeType="withEffect">
+                                  <p:stCondLst>
+                                    <p:cond delay="0"/>
+                                  </p:stCondLst>
+                                  <p:childTnLst>
+                                    <p:set>
+                                      <p:cBhvr>
+                                        <p:cTn id="80" dur="1" fill="hold">
+                                          <p:stCondLst>
+                                            <p:cond delay="0"/>
+                                          </p:stCondLst>
+                                        </p:cTn>
+                                        <p:tgtEl>
+                                          <p:spTgt spid="121"/>
+                                        </p:tgtEl>
+                                        <p:attrNameLst>
+                                          <p:attrName>style.visibility</p:attrName>
+                                        </p:attrNameLst>
+                                      </p:cBhvr>
+                                      <p:to>
+                                        <p:strVal val="hidden"/>
+                                      </p:to>
+                                    </p:set>
+                                  </p:childTnLst>
+                                </p:cTn>
+                              </p:par>
+                            </p:childTnLst>
+                          </p:cTn>
+                        </p:par>
+                      </p:childTnLst>
+                    </p:cTn>
+                  </p:par>
+                </p:childTnLst>
+              </p:cTn>
+              <p:prevCondLst>
+                <p:cond evt="onPrev" delay="0">
+                  <p:tgtEl>
+                    <p:sldTgt/>
+                  </p:tgtEl>
+                </p:cond>
+              </p:prevCondLst>
+              <p:nextCondLst>
+                <p:cond evt="onNext" delay="0">
+                  <p:tgtEl>
+                    <p:sldTgt/>
+                  </p:tgtEl>
+                </p:cond>
+              </p:nextCondLst>
+            </p:seq>
+          </p:childTnLst>
+        </p:cTn>
+      </p:par>
+    </p:tnLst>
+    <p:bldLst>
+      <p:bldP spid="33" grpId="0" animBg="1"/>
+      <p:bldP spid="34" grpId="0" animBg="1"/>
+      <p:bldP spid="35" grpId="0" animBg="1"/>
+      <p:bldP spid="13" grpId="0"/>
+      <p:bldP spid="14" grpId="0"/>
+      <p:bldP spid="15" grpId="0"/>
+      <p:bldP spid="93" grpId="0" animBg="1"/>
+      <p:bldP spid="96" grpId="0" animBg="1"/>
+      <p:bldP spid="101" grpId="0"/>
+      <p:bldP spid="102" grpId="0"/>
+      <p:bldP spid="103" grpId="0"/>
+      <p:bldP spid="99" grpId="0" animBg="1"/>
+    </p:bldLst>
+  </p:timing>
+</p:sld>
+</file>
+
+<file path=ppt/slides/slide5.xml><?xml version="1.0" encoding="utf-8"?>
+<p:sld xmlns:a="http://schemas.openxmlformats.org/drawingml/2006/main" xmlns:r="http://schemas.openxmlformats.org/officeDocument/2006/relationships" xmlns:p="http://schemas.openxmlformats.org/presentationml/2006/main">
+  <p:cSld>
+    <p:spTree>
+      <p:nvGrpSpPr>
+        <p:cNvPr id="1" name=""/>
+        <p:cNvGrpSpPr/>
+        <p:nvPr/>
+      </p:nvGrpSpPr>
+      <p:grpSpPr>
+        <a:xfrm>
+          <a:off x="0" y="0"/>
+          <a:ext cx="0" cy="0"/>
+          <a:chOff x="0" y="0"/>
+          <a:chExt cx="0" cy="0"/>
+        </a:xfrm>
+      </p:grpSpPr>
+      <p:graphicFrame>
+        <p:nvGraphicFramePr>
+          <p:cNvPr id="5" name="Table 4">
+            <a:extLst>
+              <a:ext uri="{FF2B5EF4-FFF2-40B4-BE49-F238E27FC236}">
+                <a16:creationId xmlns:a16="http://schemas.microsoft.com/office/drawing/2014/main" id="{B4ECD482-A065-4AB6-AC60-EC58D586F3BE}"/>
+              </a:ext>
+            </a:extLst>
+          </p:cNvPr>
+          <p:cNvGraphicFramePr>
+            <a:graphicFrameLocks noGrp="1"/>
+          </p:cNvGraphicFramePr>
+          <p:nvPr>
+            <p:extLst>
+              <p:ext uri="{D42A27DB-BD31-4B8C-83A1-F6EECF244321}">
+                <p14:modId xmlns:p14="http://schemas.microsoft.com/office/powerpoint/2010/main" val="3265725691"/>
+              </p:ext>
+            </p:extLst>
+          </p:nvPr>
+        </p:nvGraphicFramePr>
+        <p:xfrm>
+          <a:off x="1437736" y="1349794"/>
+          <a:ext cx="9316528" cy="3727444"/>
+        </p:xfrm>
+        <a:graphic>
+          <a:graphicData uri="http://schemas.openxmlformats.org/drawingml/2006/table">
+            <a:tbl>
+              <a:tblPr firstRow="1" firstCol="1" bandRow="1">
+                <a:tableStyleId>{5C22544A-7EE6-4342-B048-85BDC9FD1C3A}</a:tableStyleId>
+              </a:tblPr>
+              <a:tblGrid>
+                <a:gridCol w="3062377">
+                  <a:extLst>
+                    <a:ext uri="{9D8B030D-6E8A-4147-A177-3AD203B41FA5}">
+                      <a16:colId xmlns:a16="http://schemas.microsoft.com/office/drawing/2014/main" val="1369500813"/>
+                    </a:ext>
+                  </a:extLst>
+                </a:gridCol>
+                <a:gridCol w="3597215">
+                  <a:extLst>
+                    <a:ext uri="{9D8B030D-6E8A-4147-A177-3AD203B41FA5}">
+                      <a16:colId xmlns:a16="http://schemas.microsoft.com/office/drawing/2014/main" val="394326730"/>
+                    </a:ext>
+                  </a:extLst>
+                </a:gridCol>
+                <a:gridCol w="2656936">
+                  <a:extLst>
+                    <a:ext uri="{9D8B030D-6E8A-4147-A177-3AD203B41FA5}">
+                      <a16:colId xmlns:a16="http://schemas.microsoft.com/office/drawing/2014/main" val="1039224677"/>
+                    </a:ext>
+                  </a:extLst>
+                </a:gridCol>
+              </a:tblGrid>
+              <a:tr h="690268">
+                <a:tc>
+                  <a:txBody>
+                    <a:bodyPr/>
+                    <a:lstStyle/>
+                    <a:p>
+                      <a:pPr marL="0" marR="0" algn="ctr">
+                        <a:lnSpc>
+                          <a:spcPct val="107000"/>
+                        </a:lnSpc>
+                        <a:spcBef>
+                          <a:spcPts val="0"/>
+                        </a:spcBef>
+                        <a:spcAft>
+                          <a:spcPts val="0"/>
+                        </a:spcAft>
+                      </a:pPr>
+                      <a:r>
+                        <a:rPr lang="en-US" sz="3600" b="1" dirty="0">
+                          <a:solidFill>
+                            <a:schemeClr val="tx1"/>
+                          </a:solidFill>
+                          <a:effectLst/>
+                        </a:rPr>
+                        <a:t>Time</a:t>
+                      </a:r>
+                      <a:endParaRPr lang="en-US" sz="3600" b="1" dirty="0">
+                        <a:solidFill>
+                          <a:schemeClr val="tx1"/>
+                        </a:solidFill>
+                        <a:effectLst/>
+                        <a:latin typeface="Calibri" panose="020F0502020204030204" pitchFamily="34" charset="0"/>
+                        <a:ea typeface="DengXian" panose="02010600030101010101" pitchFamily="2" charset="-122"/>
+                        <a:cs typeface="Times New Roman" panose="02020603050405020304" pitchFamily="18" charset="0"/>
+                      </a:endParaRPr>
+                    </a:p>
+                  </a:txBody>
+                  <a:tcPr marL="96474" marR="96474" marT="0" marB="0" anchor="ctr">
+                    <a:lnT w="12700" cap="flat" cmpd="sng" algn="ctr">
+                      <a:solidFill>
+                        <a:schemeClr val="tx1"/>
+                      </a:solidFill>
+                      <a:prstDash val="solid"/>
+                      <a:round/>
+                      <a:headEnd type="none" w="med" len="med"/>
+                      <a:tailEnd type="none" w="med" len="med"/>
+                    </a:lnT>
+                    <a:lnB w="12700" cap="flat" cmpd="sng" algn="ctr">
+                      <a:solidFill>
+                        <a:schemeClr val="tx1"/>
+                      </a:solidFill>
+                      <a:prstDash val="solid"/>
+                      <a:round/>
+                      <a:headEnd type="none" w="med" len="med"/>
+                      <a:tailEnd type="none" w="med" len="med"/>
+                    </a:lnB>
+                    <a:noFill/>
+                  </a:tcPr>
+                </a:tc>
+                <a:tc>
+                  <a:txBody>
+                    <a:bodyPr/>
+                    <a:lstStyle/>
+                    <a:p>
+                      <a:pPr marL="0" marR="0" algn="ctr">
+                        <a:lnSpc>
+                          <a:spcPct val="107000"/>
+                        </a:lnSpc>
+                        <a:spcBef>
+                          <a:spcPts val="0"/>
+                        </a:spcBef>
+                        <a:spcAft>
+                          <a:spcPts val="0"/>
+                        </a:spcAft>
+                      </a:pPr>
+                      <a:r>
+                        <a:rPr lang="en-US" sz="3600" b="1">
+                          <a:solidFill>
+                            <a:schemeClr val="tx1"/>
+                          </a:solidFill>
+                          <a:effectLst/>
+                        </a:rPr>
+                        <a:t>Temperature (‘F)</a:t>
+                      </a:r>
+                      <a:endParaRPr lang="en-US" sz="3600" b="1" dirty="0">
+                        <a:solidFill>
+                          <a:schemeClr val="tx1"/>
+                        </a:solidFill>
+                        <a:effectLst/>
+                        <a:latin typeface="Calibri" panose="020F0502020204030204" pitchFamily="34" charset="0"/>
+                        <a:ea typeface="DengXian" panose="02010600030101010101" pitchFamily="2" charset="-122"/>
+                        <a:cs typeface="Times New Roman" panose="02020603050405020304" pitchFamily="18" charset="0"/>
+                      </a:endParaRPr>
+                    </a:p>
+                  </a:txBody>
+                  <a:tcPr marL="96474" marR="96474" marT="0" marB="0" anchor="ctr">
+                    <a:lnT w="12700" cap="flat" cmpd="sng" algn="ctr">
+                      <a:solidFill>
+                        <a:schemeClr val="tx1"/>
+                      </a:solidFill>
+                      <a:prstDash val="solid"/>
+                      <a:round/>
+                      <a:headEnd type="none" w="med" len="med"/>
+                      <a:tailEnd type="none" w="med" len="med"/>
+                    </a:lnT>
+                    <a:lnB w="12700" cap="flat" cmpd="sng" algn="ctr">
+                      <a:solidFill>
+                        <a:schemeClr val="tx1"/>
+                      </a:solidFill>
+                      <a:prstDash val="solid"/>
+                      <a:round/>
+                      <a:headEnd type="none" w="med" len="med"/>
+                      <a:tailEnd type="none" w="med" len="med"/>
+                    </a:lnB>
+                    <a:noFill/>
+                  </a:tcPr>
+                </a:tc>
+                <a:tc>
+                  <a:txBody>
+                    <a:bodyPr/>
+                    <a:lstStyle/>
+                    <a:p>
+                      <a:pPr marL="0" marR="0" algn="ctr">
+                        <a:lnSpc>
+                          <a:spcPct val="107000"/>
+                        </a:lnSpc>
+                        <a:spcBef>
+                          <a:spcPts val="0"/>
+                        </a:spcBef>
+                        <a:spcAft>
+                          <a:spcPts val="0"/>
+                        </a:spcAft>
+                      </a:pPr>
+                      <a:r>
+                        <a:rPr lang="en-US" sz="3600" b="1" dirty="0">
+                          <a:solidFill>
+                            <a:schemeClr val="tx1"/>
+                          </a:solidFill>
+                          <a:effectLst/>
+                        </a:rPr>
+                        <a:t>Precipitation</a:t>
+                      </a:r>
+                      <a:endParaRPr lang="en-US" sz="3600" b="1" dirty="0">
+                        <a:solidFill>
+                          <a:schemeClr val="tx1"/>
+                        </a:solidFill>
+                        <a:effectLst/>
+                        <a:latin typeface="Calibri" panose="020F0502020204030204" pitchFamily="34" charset="0"/>
+                        <a:ea typeface="DengXian" panose="02010600030101010101" pitchFamily="2" charset="-122"/>
+                        <a:cs typeface="Times New Roman" panose="02020603050405020304" pitchFamily="18" charset="0"/>
+                      </a:endParaRPr>
+                    </a:p>
+                  </a:txBody>
+                  <a:tcPr marL="96474" marR="96474" marT="0" marB="0" anchor="ctr">
+                    <a:lnT w="12700" cap="flat" cmpd="sng" algn="ctr">
+                      <a:solidFill>
+                        <a:schemeClr val="tx1"/>
+                      </a:solidFill>
+                      <a:prstDash val="solid"/>
+                      <a:round/>
+                      <a:headEnd type="none" w="med" len="med"/>
+                      <a:tailEnd type="none" w="med" len="med"/>
+                    </a:lnT>
+                    <a:lnB w="12700" cap="flat" cmpd="sng" algn="ctr">
+                      <a:solidFill>
+                        <a:schemeClr val="tx1"/>
+                      </a:solidFill>
+                      <a:prstDash val="solid"/>
+                      <a:round/>
+                      <a:headEnd type="none" w="med" len="med"/>
+                      <a:tailEnd type="none" w="med" len="med"/>
+                    </a:lnB>
+                    <a:noFill/>
+                  </a:tcPr>
+                </a:tc>
+                <a:extLst>
+                  <a:ext uri="{0D108BD9-81ED-4DB2-BD59-A6C34878D82A}">
+                    <a16:rowId xmlns:a16="http://schemas.microsoft.com/office/drawing/2014/main" val="2158460975"/>
+                  </a:ext>
+                </a:extLst>
+              </a:tr>
+              <a:tr h="759294">
+                <a:tc>
+                  <a:txBody>
+                    <a:bodyPr/>
+                    <a:lstStyle/>
+                    <a:p>
+                      <a:pPr marL="0" marR="0" algn="ctr">
+                        <a:lnSpc>
+                          <a:spcPct val="107000"/>
+                        </a:lnSpc>
+                        <a:spcBef>
+                          <a:spcPts val="0"/>
+                        </a:spcBef>
+                        <a:spcAft>
+                          <a:spcPts val="0"/>
+                        </a:spcAft>
+                      </a:pPr>
+                      <a:r>
+                        <a:rPr lang="en-US" sz="3600" b="0" dirty="0">
+                          <a:solidFill>
+                            <a:schemeClr val="tx1"/>
+                          </a:solidFill>
+                          <a:effectLst/>
+                        </a:rPr>
+                        <a:t>Day 1</a:t>
+                      </a:r>
+                      <a:endParaRPr lang="en-US" sz="3600" b="0" dirty="0">
+                        <a:solidFill>
+                          <a:schemeClr val="tx1"/>
+                        </a:solidFill>
+                        <a:effectLst/>
+                        <a:latin typeface="Calibri" panose="020F0502020204030204" pitchFamily="34" charset="0"/>
+                        <a:ea typeface="DengXian" panose="02010600030101010101" pitchFamily="2" charset="-122"/>
+                        <a:cs typeface="Times New Roman" panose="02020603050405020304" pitchFamily="18" charset="0"/>
+                      </a:endParaRPr>
+                    </a:p>
+                  </a:txBody>
+                  <a:tcPr marL="96474" marR="96474" marT="0" marB="0" anchor="ctr">
+                    <a:lnT w="12700" cap="flat" cmpd="sng" algn="ctr">
+                      <a:solidFill>
+                        <a:schemeClr val="tx1"/>
+                      </a:solidFill>
+                      <a:prstDash val="solid"/>
+                      <a:round/>
+                      <a:headEnd type="none" w="med" len="med"/>
+                      <a:tailEnd type="none" w="med" len="med"/>
+                    </a:lnT>
+                    <a:noFill/>
+                  </a:tcPr>
+                </a:tc>
+                <a:tc>
+                  <a:txBody>
+                    <a:bodyPr/>
+                    <a:lstStyle/>
+                    <a:p>
+                      <a:pPr marL="0" marR="0" algn="ctr">
+                        <a:lnSpc>
+                          <a:spcPct val="107000"/>
+                        </a:lnSpc>
+                        <a:spcBef>
+                          <a:spcPts val="0"/>
+                        </a:spcBef>
+                        <a:spcAft>
+                          <a:spcPts val="0"/>
+                        </a:spcAft>
+                      </a:pPr>
+                      <a:r>
+                        <a:rPr lang="en-US" sz="3600" b="0" dirty="0">
+                          <a:solidFill>
+                            <a:schemeClr val="tx1"/>
+                          </a:solidFill>
+                          <a:effectLst/>
+                        </a:rPr>
+                        <a:t>77</a:t>
+                      </a:r>
+                      <a:endParaRPr lang="en-US" sz="3600" b="0" dirty="0">
+                        <a:solidFill>
+                          <a:schemeClr val="tx1"/>
+                        </a:solidFill>
+                        <a:effectLst/>
+                        <a:latin typeface="Calibri" panose="020F0502020204030204" pitchFamily="34" charset="0"/>
+                        <a:ea typeface="DengXian" panose="02010600030101010101" pitchFamily="2" charset="-122"/>
+                        <a:cs typeface="Times New Roman" panose="02020603050405020304" pitchFamily="18" charset="0"/>
+                      </a:endParaRPr>
+                    </a:p>
+                  </a:txBody>
+                  <a:tcPr marL="96474" marR="96474" marT="0" marB="0" anchor="ctr">
+                    <a:lnT w="12700" cap="flat" cmpd="sng" algn="ctr">
+                      <a:solidFill>
+                        <a:schemeClr val="tx1"/>
+                      </a:solidFill>
+                      <a:prstDash val="solid"/>
+                      <a:round/>
+                      <a:headEnd type="none" w="med" len="med"/>
+                      <a:tailEnd type="none" w="med" len="med"/>
+                    </a:lnT>
+                    <a:lnB w="12700" cap="flat" cmpd="sng" algn="ctr">
+                      <a:noFill/>
+                      <a:prstDash val="solid"/>
+                      <a:round/>
+                      <a:headEnd type="none" w="med" len="med"/>
+                      <a:tailEnd type="none" w="med" len="med"/>
+                    </a:lnB>
+                    <a:noFill/>
+                  </a:tcPr>
+                </a:tc>
+                <a:tc>
+                  <a:txBody>
+                    <a:bodyPr/>
+                    <a:lstStyle/>
+                    <a:p>
+                      <a:pPr marL="0" marR="0" algn="ctr" defTabSz="914400" rtl="0" eaLnBrk="1" fontAlgn="b" latinLnBrk="0" hangingPunct="1">
+                        <a:lnSpc>
+                          <a:spcPct val="107000"/>
+                        </a:lnSpc>
+                        <a:spcBef>
+                          <a:spcPts val="0"/>
+                        </a:spcBef>
+                        <a:spcAft>
+                          <a:spcPts val="0"/>
+                        </a:spcAft>
+                      </a:pPr>
+                      <a:r>
+                        <a:rPr lang="en-US" sz="3600" b="0" kern="1200" dirty="0">
+                          <a:solidFill>
+                            <a:schemeClr val="tx1"/>
+                          </a:solidFill>
+                          <a:effectLst/>
+                          <a:latin typeface="+mn-lt"/>
+                          <a:ea typeface="+mn-ea"/>
+                          <a:cs typeface="+mn-cs"/>
+                        </a:rPr>
+                        <a:t>3.759</a:t>
+                      </a:r>
+                    </a:p>
+                  </a:txBody>
+                  <a:tcPr marL="7620" marR="7620" marT="7620" marB="0" anchor="b">
+                    <a:lnT w="12700" cap="flat" cmpd="sng" algn="ctr">
+                      <a:solidFill>
+                        <a:schemeClr val="tx1"/>
+                      </a:solidFill>
+                      <a:prstDash val="solid"/>
+                      <a:round/>
+                      <a:headEnd type="none" w="med" len="med"/>
+                      <a:tailEnd type="none" w="med" len="med"/>
+                    </a:lnT>
+                    <a:lnB w="12700" cap="flat" cmpd="sng" algn="ctr">
+                      <a:noFill/>
+                      <a:prstDash val="solid"/>
+                      <a:round/>
+                      <a:headEnd type="none" w="med" len="med"/>
+                      <a:tailEnd type="none" w="med" len="med"/>
+                    </a:lnB>
+                    <a:noFill/>
+                  </a:tcPr>
+                </a:tc>
+                <a:extLst>
+                  <a:ext uri="{0D108BD9-81ED-4DB2-BD59-A6C34878D82A}">
+                    <a16:rowId xmlns:a16="http://schemas.microsoft.com/office/drawing/2014/main" val="1134347682"/>
+                  </a:ext>
+                </a:extLst>
+              </a:tr>
+              <a:tr h="759294">
+                <a:tc>
+                  <a:txBody>
+                    <a:bodyPr/>
+                    <a:lstStyle/>
+                    <a:p>
+                      <a:pPr marL="0" marR="0" algn="ctr">
+                        <a:lnSpc>
+                          <a:spcPct val="107000"/>
+                        </a:lnSpc>
+                        <a:spcBef>
+                          <a:spcPts val="0"/>
+                        </a:spcBef>
+                        <a:spcAft>
+                          <a:spcPts val="0"/>
+                        </a:spcAft>
+                      </a:pPr>
+                      <a:r>
+                        <a:rPr lang="en-US" sz="3600" b="0" dirty="0">
+                          <a:solidFill>
+                            <a:schemeClr val="tx1"/>
+                          </a:solidFill>
+                          <a:effectLst/>
+                        </a:rPr>
+                        <a:t>Day 2</a:t>
+                      </a:r>
+                      <a:endParaRPr lang="en-US" sz="3600" b="0" dirty="0">
+                        <a:solidFill>
+                          <a:schemeClr val="tx1"/>
+                        </a:solidFill>
+                        <a:effectLst/>
+                        <a:latin typeface="Calibri" panose="020F0502020204030204" pitchFamily="34" charset="0"/>
+                        <a:ea typeface="DengXian" panose="02010600030101010101" pitchFamily="2" charset="-122"/>
+                        <a:cs typeface="Times New Roman" panose="02020603050405020304" pitchFamily="18" charset="0"/>
+                      </a:endParaRPr>
+                    </a:p>
+                  </a:txBody>
+                  <a:tcPr marL="96474" marR="96474" marT="0" marB="0" anchor="ctr">
+                    <a:lnR w="12700" cap="flat" cmpd="sng" algn="ctr">
+                      <a:noFill/>
+                      <a:prstDash val="solid"/>
+                      <a:round/>
+                      <a:headEnd type="none" w="med" len="med"/>
+                      <a:tailEnd type="none" w="med" len="med"/>
+                    </a:lnR>
+                    <a:lnB w="12700" cap="flat" cmpd="sng" algn="ctr">
+                      <a:noFill/>
+                      <a:prstDash val="solid"/>
+                      <a:round/>
+                      <a:headEnd type="none" w="med" len="med"/>
+                      <a:tailEnd type="none" w="med" len="med"/>
+                    </a:lnB>
+                    <a:noFill/>
+                  </a:tcPr>
+                </a:tc>
+                <a:tc>
+                  <a:txBody>
+                    <a:bodyPr/>
+                    <a:lstStyle/>
+                    <a:p>
+                      <a:pPr marL="0" marR="0" algn="ctr">
+                        <a:lnSpc>
+                          <a:spcPct val="107000"/>
+                        </a:lnSpc>
+                        <a:spcBef>
+                          <a:spcPts val="0"/>
+                        </a:spcBef>
+                        <a:spcAft>
+                          <a:spcPts val="0"/>
+                        </a:spcAft>
+                      </a:pPr>
+                      <a:r>
+                        <a:rPr lang="en-US" sz="3600" b="0" dirty="0">
+                          <a:solidFill>
+                            <a:schemeClr val="tx1"/>
+                          </a:solidFill>
+                          <a:effectLst/>
+                        </a:rPr>
+                        <a:t>78</a:t>
+                      </a:r>
+                      <a:endParaRPr lang="en-US" sz="3600" b="0" dirty="0">
+                        <a:solidFill>
+                          <a:schemeClr val="tx1"/>
+                        </a:solidFill>
+                        <a:effectLst/>
+                        <a:latin typeface="Calibri" panose="020F0502020204030204" pitchFamily="34" charset="0"/>
+                        <a:ea typeface="DengXian" panose="02010600030101010101" pitchFamily="2" charset="-122"/>
+                        <a:cs typeface="Times New Roman" panose="02020603050405020304" pitchFamily="18" charset="0"/>
+                      </a:endParaRPr>
+                    </a:p>
+                  </a:txBody>
+                  <a:tcPr marL="96474" marR="96474" marT="0" marB="0" anchor="ctr">
+                    <a:lnL w="12700" cap="flat" cmpd="sng" algn="ctr">
+                      <a:noFill/>
+                      <a:prstDash val="solid"/>
+                      <a:round/>
+                      <a:headEnd type="none" w="med" len="med"/>
+                      <a:tailEnd type="none" w="med" len="med"/>
+                    </a:lnL>
+                    <a:lnR w="12700" cap="flat" cmpd="sng" algn="ctr">
+                      <a:noFill/>
+                      <a:prstDash val="solid"/>
+                      <a:round/>
+                      <a:headEnd type="none" w="med" len="med"/>
+                      <a:tailEnd type="none" w="med" len="med"/>
+                    </a:lnR>
+                    <a:lnT w="12700" cap="flat" cmpd="sng" algn="ctr">
+                      <a:noFill/>
+                      <a:prstDash val="solid"/>
+                      <a:round/>
+                      <a:headEnd type="none" w="med" len="med"/>
+                      <a:tailEnd type="none" w="med" len="med"/>
+                    </a:lnT>
+                    <a:lnB w="12700" cap="flat" cmpd="sng" algn="ctr">
+                      <a:noFill/>
+                      <a:prstDash val="solid"/>
+                      <a:round/>
+                      <a:headEnd type="none" w="med" len="med"/>
+                      <a:tailEnd type="none" w="med" len="med"/>
+                    </a:lnB>
+                    <a:noFill/>
+                  </a:tcPr>
+                </a:tc>
+                <a:tc>
+                  <a:txBody>
+                    <a:bodyPr/>
+                    <a:lstStyle/>
+                    <a:p>
+                      <a:pPr marL="0" marR="0" algn="ctr" defTabSz="914400" rtl="0" eaLnBrk="1" fontAlgn="b" latinLnBrk="0" hangingPunct="1">
+                        <a:lnSpc>
+                          <a:spcPct val="107000"/>
+                        </a:lnSpc>
+                        <a:spcBef>
+                          <a:spcPts val="0"/>
+                        </a:spcBef>
+                        <a:spcAft>
+                          <a:spcPts val="0"/>
+                        </a:spcAft>
+                      </a:pPr>
+                      <a:r>
+                        <a:rPr lang="en-US" sz="3600" b="0" kern="1200" dirty="0">
+                          <a:solidFill>
+                            <a:schemeClr val="tx1"/>
+                          </a:solidFill>
+                          <a:effectLst/>
+                          <a:latin typeface="+mn-lt"/>
+                          <a:ea typeface="+mn-ea"/>
+                          <a:cs typeface="+mn-cs"/>
+                        </a:rPr>
+                        <a:t>1.329</a:t>
+                      </a:r>
+                    </a:p>
+                  </a:txBody>
+                  <a:tcPr marL="7620" marR="7620" marT="7620" marB="0" anchor="b">
+                    <a:lnL w="12700" cap="flat" cmpd="sng" algn="ctr">
+                      <a:noFill/>
+                      <a:prstDash val="solid"/>
+                      <a:round/>
+                      <a:headEnd type="none" w="med" len="med"/>
+                      <a:tailEnd type="none" w="med" len="med"/>
+                    </a:lnL>
+                    <a:lnR w="12700" cap="flat" cmpd="sng" algn="ctr">
+                      <a:noFill/>
+                      <a:prstDash val="solid"/>
+                      <a:round/>
+                      <a:headEnd type="none" w="med" len="med"/>
+                      <a:tailEnd type="none" w="med" len="med"/>
+                    </a:lnR>
+                    <a:lnT w="12700" cap="flat" cmpd="sng" algn="ctr">
+                      <a:noFill/>
+                      <a:prstDash val="solid"/>
+                      <a:round/>
+                      <a:headEnd type="none" w="med" len="med"/>
+                      <a:tailEnd type="none" w="med" len="med"/>
+                    </a:lnT>
+                    <a:lnB w="12700" cap="flat" cmpd="sng" algn="ctr">
+                      <a:noFill/>
+                      <a:prstDash val="solid"/>
+                      <a:round/>
+                      <a:headEnd type="none" w="med" len="med"/>
+                      <a:tailEnd type="none" w="med" len="med"/>
+                    </a:lnB>
+                    <a:noFill/>
+                  </a:tcPr>
+                </a:tc>
+                <a:extLst>
+                  <a:ext uri="{0D108BD9-81ED-4DB2-BD59-A6C34878D82A}">
+                    <a16:rowId xmlns:a16="http://schemas.microsoft.com/office/drawing/2014/main" val="1861347465"/>
+                  </a:ext>
+                </a:extLst>
+              </a:tr>
+              <a:tr h="759294">
+                <a:tc gridSpan="3">
+                  <a:txBody>
+                    <a:bodyPr/>
+                    <a:lstStyle/>
+                    <a:p>
+                      <a:pPr marL="0" marR="0" algn="ctr" defTabSz="914400" rtl="0" eaLnBrk="1" latinLnBrk="0" hangingPunct="1">
+                        <a:lnSpc>
+                          <a:spcPct val="107000"/>
+                        </a:lnSpc>
+                        <a:spcBef>
+                          <a:spcPts val="0"/>
+                        </a:spcBef>
+                        <a:spcAft>
+                          <a:spcPts val="0"/>
+                        </a:spcAft>
+                      </a:pPr>
+                      <a:r>
+                        <a:rPr lang="en-US" sz="3600" b="0" kern="1200" dirty="0">
+                          <a:solidFill>
+                            <a:schemeClr val="tx1"/>
+                          </a:solidFill>
+                          <a:effectLst/>
+                          <a:latin typeface="+mn-lt"/>
+                          <a:ea typeface="+mn-ea"/>
+                          <a:cs typeface="+mn-cs"/>
+                        </a:rPr>
+                        <a:t>……</a:t>
+                      </a:r>
+                    </a:p>
+                  </a:txBody>
+                  <a:tcPr marL="96474" marR="96474" marT="0" marB="0" anchor="ctr">
+                    <a:lnL w="12700" cap="flat" cmpd="sng" algn="ctr">
+                      <a:noFill/>
+                      <a:prstDash val="solid"/>
+                      <a:round/>
+                      <a:headEnd type="none" w="med" len="med"/>
+                      <a:tailEnd type="none" w="med" len="med"/>
+                    </a:lnL>
+                    <a:lnR w="12700" cap="flat" cmpd="sng" algn="ctr">
+                      <a:noFill/>
+                      <a:prstDash val="solid"/>
+                      <a:round/>
+                      <a:headEnd type="none" w="med" len="med"/>
+                      <a:tailEnd type="none" w="med" len="med"/>
+                    </a:lnR>
+                    <a:lnT w="12700" cap="flat" cmpd="sng" algn="ctr">
+                      <a:noFill/>
+                      <a:prstDash val="solid"/>
+                      <a:round/>
+                      <a:headEnd type="none" w="med" len="med"/>
+                      <a:tailEnd type="none" w="med" len="med"/>
+                    </a:lnT>
+                    <a:lnB w="12700" cap="flat" cmpd="sng" algn="ctr">
+                      <a:noFill/>
+                      <a:prstDash val="solid"/>
+                      <a:round/>
+                      <a:headEnd type="none" w="med" len="med"/>
+                      <a:tailEnd type="none" w="med" len="med"/>
+                    </a:lnB>
+                    <a:noFill/>
+                  </a:tcPr>
+                </a:tc>
+                <a:tc hMerge="1">
+                  <a:txBody>
+                    <a:bodyPr/>
+                    <a:lstStyle/>
+                    <a:p>
+                      <a:endParaRPr lang="en-US"/>
+                    </a:p>
+                  </a:txBody>
+                  <a:tcPr/>
+                </a:tc>
+                <a:tc hMerge="1">
+                  <a:txBody>
+                    <a:bodyPr/>
+                    <a:lstStyle/>
+                    <a:p>
+                      <a:endParaRPr lang="en-US"/>
+                    </a:p>
+                  </a:txBody>
+                  <a:tcPr>
+                    <a:lnT w="12700" cap="flat" cmpd="sng" algn="ctr">
+                      <a:solidFill>
+                        <a:schemeClr val="tx1"/>
+                      </a:solidFill>
+                      <a:prstDash val="solid"/>
+                      <a:round/>
+                      <a:headEnd type="none" w="med" len="med"/>
+                      <a:tailEnd type="none" w="med" len="med"/>
+                    </a:lnT>
+                  </a:tcPr>
+                </a:tc>
+                <a:extLst>
+                  <a:ext uri="{0D108BD9-81ED-4DB2-BD59-A6C34878D82A}">
+                    <a16:rowId xmlns:a16="http://schemas.microsoft.com/office/drawing/2014/main" val="3763461318"/>
+                  </a:ext>
+                </a:extLst>
+              </a:tr>
+              <a:tr h="759294">
+                <a:tc>
+                  <a:txBody>
+                    <a:bodyPr/>
+                    <a:lstStyle/>
+                    <a:p>
+                      <a:pPr marL="0" marR="0" algn="ctr">
+                        <a:lnSpc>
+                          <a:spcPct val="107000"/>
+                        </a:lnSpc>
+                        <a:spcBef>
+                          <a:spcPts val="0"/>
+                        </a:spcBef>
+                        <a:spcAft>
+                          <a:spcPts val="0"/>
+                        </a:spcAft>
+                      </a:pPr>
+                      <a:r>
+                        <a:rPr lang="en-US" sz="3600" b="0" dirty="0">
+                          <a:solidFill>
+                            <a:schemeClr val="tx1"/>
+                          </a:solidFill>
+                          <a:effectLst/>
+                        </a:rPr>
+                        <a:t>Day n</a:t>
+                      </a:r>
+                      <a:endParaRPr lang="en-US" sz="3600" b="0" dirty="0">
+                        <a:solidFill>
+                          <a:schemeClr val="tx1"/>
+                        </a:solidFill>
+                        <a:effectLst/>
+                        <a:latin typeface="Calibri" panose="020F0502020204030204" pitchFamily="34" charset="0"/>
+                        <a:ea typeface="DengXian" panose="02010600030101010101" pitchFamily="2" charset="-122"/>
+                        <a:cs typeface="Times New Roman" panose="02020603050405020304" pitchFamily="18" charset="0"/>
+                      </a:endParaRPr>
+                    </a:p>
+                  </a:txBody>
+                  <a:tcPr marL="96474" marR="96474" marT="0" marB="0" anchor="ctr">
+                    <a:lnR w="12700" cap="flat" cmpd="sng" algn="ctr">
+                      <a:noFill/>
+                      <a:prstDash val="solid"/>
+                      <a:round/>
+                      <a:headEnd type="none" w="med" len="med"/>
+                      <a:tailEnd type="none" w="med" len="med"/>
+                    </a:lnR>
+                    <a:lnT w="12700" cap="flat" cmpd="sng" algn="ctr">
+                      <a:noFill/>
+                      <a:prstDash val="solid"/>
+                      <a:round/>
+                      <a:headEnd type="none" w="med" len="med"/>
+                      <a:tailEnd type="none" w="med" len="med"/>
+                    </a:lnT>
+                    <a:lnB w="12700" cap="flat" cmpd="sng" algn="ctr">
+                      <a:solidFill>
+                        <a:schemeClr val="tx1"/>
+                      </a:solidFill>
+                      <a:prstDash val="solid"/>
+                      <a:round/>
+                      <a:headEnd type="none" w="med" len="med"/>
+                      <a:tailEnd type="none" w="med" len="med"/>
+                    </a:lnB>
+                    <a:noFill/>
+                  </a:tcPr>
+                </a:tc>
+                <a:tc>
+                  <a:txBody>
+                    <a:bodyPr/>
+                    <a:lstStyle/>
+                    <a:p>
+                      <a:pPr marL="0" marR="0" algn="ctr">
+                        <a:lnSpc>
+                          <a:spcPct val="107000"/>
+                        </a:lnSpc>
+                        <a:spcBef>
+                          <a:spcPts val="0"/>
+                        </a:spcBef>
+                        <a:spcAft>
+                          <a:spcPts val="0"/>
+                        </a:spcAft>
+                      </a:pPr>
+                      <a:r>
+                        <a:rPr lang="en-US" sz="3600" b="0" dirty="0">
+                          <a:solidFill>
+                            <a:schemeClr val="tx1"/>
+                          </a:solidFill>
+                          <a:effectLst/>
+                        </a:rPr>
+                        <a:t>72</a:t>
+                      </a:r>
+                      <a:endParaRPr lang="en-US" sz="3600" b="0" dirty="0">
+                        <a:solidFill>
+                          <a:schemeClr val="tx1"/>
+                        </a:solidFill>
+                        <a:effectLst/>
+                        <a:latin typeface="Calibri" panose="020F0502020204030204" pitchFamily="34" charset="0"/>
+                        <a:ea typeface="DengXian" panose="02010600030101010101" pitchFamily="2" charset="-122"/>
+                        <a:cs typeface="Times New Roman" panose="02020603050405020304" pitchFamily="18" charset="0"/>
+                      </a:endParaRPr>
+                    </a:p>
+                  </a:txBody>
+                  <a:tcPr marL="96474" marR="96474" marT="0" marB="0" anchor="ctr">
+                    <a:lnL w="12700" cap="flat" cmpd="sng" algn="ctr">
+                      <a:noFill/>
+                      <a:prstDash val="solid"/>
+                      <a:round/>
+                      <a:headEnd type="none" w="med" len="med"/>
+                      <a:tailEnd type="none" w="med" len="med"/>
+                    </a:lnL>
+                    <a:lnR w="12700" cap="flat" cmpd="sng" algn="ctr">
+                      <a:noFill/>
+                      <a:prstDash val="solid"/>
+                      <a:round/>
+                      <a:headEnd type="none" w="med" len="med"/>
+                      <a:tailEnd type="none" w="med" len="med"/>
+                    </a:lnR>
+                    <a:lnT w="12700" cap="flat" cmpd="sng" algn="ctr">
+                      <a:noFill/>
+                      <a:prstDash val="solid"/>
+                      <a:round/>
+                      <a:headEnd type="none" w="med" len="med"/>
+                      <a:tailEnd type="none" w="med" len="med"/>
+                    </a:lnT>
+                    <a:lnB w="12700" cap="flat" cmpd="sng" algn="ctr">
+                      <a:solidFill>
+                        <a:schemeClr val="tx1"/>
+                      </a:solidFill>
+                      <a:prstDash val="solid"/>
+                      <a:round/>
+                      <a:headEnd type="none" w="med" len="med"/>
+                      <a:tailEnd type="none" w="med" len="med"/>
+                    </a:lnB>
+                    <a:noFill/>
+                  </a:tcPr>
+                </a:tc>
+                <a:tc>
+                  <a:txBody>
+                    <a:bodyPr/>
+                    <a:lstStyle/>
+                    <a:p>
+                      <a:pPr marL="0" marR="0" algn="ctr" defTabSz="914400" rtl="0" eaLnBrk="1" fontAlgn="b" latinLnBrk="0" hangingPunct="1">
+                        <a:lnSpc>
+                          <a:spcPct val="107000"/>
+                        </a:lnSpc>
+                        <a:spcBef>
+                          <a:spcPts val="0"/>
+                        </a:spcBef>
+                        <a:spcAft>
+                          <a:spcPts val="0"/>
+                        </a:spcAft>
+                      </a:pPr>
+                      <a:r>
+                        <a:rPr lang="en-US" sz="3600" b="0" kern="1200" dirty="0">
+                          <a:solidFill>
+                            <a:schemeClr val="tx1"/>
+                          </a:solidFill>
+                          <a:effectLst/>
+                          <a:latin typeface="+mn-lt"/>
+                          <a:ea typeface="+mn-ea"/>
+                          <a:cs typeface="+mn-cs"/>
+                        </a:rPr>
+                        <a:t>1.352</a:t>
+                      </a:r>
+                    </a:p>
+                  </a:txBody>
+                  <a:tcPr marL="7620" marR="7620" marT="7620" marB="0" anchor="b">
+                    <a:lnL w="12700" cap="flat" cmpd="sng" algn="ctr">
+                      <a:noFill/>
+                      <a:prstDash val="solid"/>
+                      <a:round/>
+                      <a:headEnd type="none" w="med" len="med"/>
+                      <a:tailEnd type="none" w="med" len="med"/>
+                    </a:lnL>
+                    <a:lnR w="12700" cap="flat" cmpd="sng" algn="ctr">
+                      <a:noFill/>
+                      <a:prstDash val="solid"/>
+                      <a:round/>
+                      <a:headEnd type="none" w="med" len="med"/>
+                      <a:tailEnd type="none" w="med" len="med"/>
+                    </a:lnR>
+                    <a:lnT w="12700" cap="flat" cmpd="sng" algn="ctr">
+                      <a:noFill/>
+                      <a:prstDash val="solid"/>
+                      <a:round/>
+                      <a:headEnd type="none" w="med" len="med"/>
+                      <a:tailEnd type="none" w="med" len="med"/>
+                    </a:lnT>
+                    <a:lnB w="12700" cap="flat" cmpd="sng" algn="ctr">
+                      <a:solidFill>
+                        <a:schemeClr val="tx1"/>
+                      </a:solidFill>
+                      <a:prstDash val="solid"/>
+                      <a:round/>
+                      <a:headEnd type="none" w="med" len="med"/>
+                      <a:tailEnd type="none" w="med" len="med"/>
+                    </a:lnB>
+                    <a:noFill/>
+                  </a:tcPr>
+                </a:tc>
+                <a:extLst>
+                  <a:ext uri="{0D108BD9-81ED-4DB2-BD59-A6C34878D82A}">
+                    <a16:rowId xmlns:a16="http://schemas.microsoft.com/office/drawing/2014/main" val="4182800350"/>
+                  </a:ext>
+                </a:extLst>
+              </a:tr>
+            </a:tbl>
+          </a:graphicData>
+        </a:graphic>
+      </p:graphicFrame>
+    </p:spTree>
+    <p:extLst>
+      <p:ext uri="{BB962C8B-B14F-4D97-AF65-F5344CB8AC3E}">
+        <p14:creationId xmlns:p14="http://schemas.microsoft.com/office/powerpoint/2010/main" val="4200526202"/>
+      </p:ext>
+    </p:extLst>
+  </p:cSld>
+  <p:clrMapOvr>
+    <a:masterClrMapping/>
+  </p:clrMapOvr>
+</p:sld>
+</file>
+
 <file path=ppt/theme/theme1.xml><?xml version="1.0" encoding="utf-8"?>
 <a:theme xmlns:a="http://schemas.openxmlformats.org/drawingml/2006/main" name="Office Theme">
   <a:themeElements>
@@ -7047,4 +13537,299 @@
     </a:ext>
   </a:extLst>
 </a:theme>
+</file>
+
+<file path=ppt/theme/theme2.xml><?xml version="1.0" encoding="utf-8"?>
+<a:theme xmlns:a="http://schemas.openxmlformats.org/drawingml/2006/main" name="Office Theme">
+  <a:themeElements>
+    <a:clrScheme name="Office">
+      <a:dk1>
+        <a:sysClr val="windowText" lastClr="000000"/>
+      </a:dk1>
+      <a:lt1>
+        <a:sysClr val="window" lastClr="FFFFFF"/>
+      </a:lt1>
+      <a:dk2>
+        <a:srgbClr val="44546A"/>
+      </a:dk2>
+      <a:lt2>
+        <a:srgbClr val="E7E6E6"/>
+      </a:lt2>
+      <a:accent1>
+        <a:srgbClr val="4472C4"/>
+      </a:accent1>
+      <a:accent2>
+        <a:srgbClr val="ED7D31"/>
+      </a:accent2>
+      <a:accent3>
+        <a:srgbClr val="A5A5A5"/>
+      </a:accent3>
+      <a:accent4>
+        <a:srgbClr val="FFC000"/>
+      </a:accent4>
+      <a:accent5>
+        <a:srgbClr val="5B9BD5"/>
+      </a:accent5>
+      <a:accent6>
+        <a:srgbClr val="70AD47"/>
+      </a:accent6>
+      <a:hlink>
+        <a:srgbClr val="0563C1"/>
+      </a:hlink>
+      <a:folHlink>
+        <a:srgbClr val="954F72"/>
+      </a:folHlink>
+    </a:clrScheme>
+    <a:fontScheme name="Office">
+      <a:majorFont>
+        <a:latin typeface="Calibri Light" panose="020F0302020204030204"/>
+        <a:ea typeface=""/>
+        <a:cs typeface=""/>
+        <a:font script="Jpan" typeface="游ゴシック Light"/>
+        <a:font script="Hang" typeface="맑은 고딕"/>
+        <a:font script="Hans" typeface="等线 Light"/>
+        <a:font script="Hant" typeface="新細明體"/>
+        <a:font script="Arab" typeface="Times New Roman"/>
+        <a:font script="Hebr" typeface="Times New Roman"/>
+        <a:font script="Thai" typeface="Angsana New"/>
+        <a:font script="Ethi" typeface="Nyala"/>
+        <a:font script="Beng" typeface="Vrinda"/>
+        <a:font script="Gujr" typeface="Shruti"/>
+        <a:font script="Khmr" typeface="MoolBoran"/>
+        <a:font script="Knda" typeface="Tunga"/>
+        <a:font script="Guru" typeface="Raavi"/>
+        <a:font script="Cans" typeface="Euphemia"/>
+        <a:font script="Cher" typeface="Plantagenet Cherokee"/>
+        <a:font script="Yiii" typeface="Microsoft Yi Baiti"/>
+        <a:font script="Tibt" typeface="Microsoft Himalaya"/>
+        <a:font script="Thaa" typeface="MV Boli"/>
+        <a:font script="Deva" typeface="Mangal"/>
+        <a:font script="Telu" typeface="Gautami"/>
+        <a:font script="Taml" typeface="Latha"/>
+        <a:font script="Syrc" typeface="Estrangelo Edessa"/>
+        <a:font script="Orya" typeface="Kalinga"/>
+        <a:font script="Mlym" typeface="Kartika"/>
+        <a:font script="Laoo" typeface="DokChampa"/>
+        <a:font script="Sinh" typeface="Iskoola Pota"/>
+        <a:font script="Mong" typeface="Mongolian Baiti"/>
+        <a:font script="Viet" typeface="Times New Roman"/>
+        <a:font script="Uigh" typeface="Microsoft Uighur"/>
+        <a:font script="Geor" typeface="Sylfaen"/>
+        <a:font script="Armn" typeface="Arial"/>
+        <a:font script="Bugi" typeface="Leelawadee UI"/>
+        <a:font script="Bopo" typeface="Microsoft JhengHei"/>
+        <a:font script="Java" typeface="Javanese Text"/>
+        <a:font script="Lisu" typeface="Segoe UI"/>
+        <a:font script="Mymr" typeface="Myanmar Text"/>
+        <a:font script="Nkoo" typeface="Ebrima"/>
+        <a:font script="Olck" typeface="Nirmala UI"/>
+        <a:font script="Osma" typeface="Ebrima"/>
+        <a:font script="Phag" typeface="Phagspa"/>
+        <a:font script="Syrn" typeface="Estrangelo Edessa"/>
+        <a:font script="Syrj" typeface="Estrangelo Edessa"/>
+        <a:font script="Syre" typeface="Estrangelo Edessa"/>
+        <a:font script="Sora" typeface="Nirmala UI"/>
+        <a:font script="Tale" typeface="Microsoft Tai Le"/>
+        <a:font script="Talu" typeface="Microsoft New Tai Lue"/>
+        <a:font script="Tfng" typeface="Ebrima"/>
+      </a:majorFont>
+      <a:minorFont>
+        <a:latin typeface="Calibri" panose="020F0502020204030204"/>
+        <a:ea typeface=""/>
+        <a:cs typeface=""/>
+        <a:font script="Jpan" typeface="游ゴシック"/>
+        <a:font script="Hang" typeface="맑은 고딕"/>
+        <a:font script="Hans" typeface="等线"/>
+        <a:font script="Hant" typeface="新細明體"/>
+        <a:font script="Arab" typeface="Arial"/>
+        <a:font script="Hebr" typeface="Arial"/>
+        <a:font script="Thai" typeface="Cordia New"/>
+        <a:font script="Ethi" typeface="Nyala"/>
+        <a:font script="Beng" typeface="Vrinda"/>
+        <a:font script="Gujr" typeface="Shruti"/>
+        <a:font script="Khmr" typeface="DaunPenh"/>
+        <a:font script="Knda" typeface="Tunga"/>
+        <a:font script="Guru" typeface="Raavi"/>
+        <a:font script="Cans" typeface="Euphemia"/>
+        <a:font script="Cher" typeface="Plantagenet Cherokee"/>
+        <a:font script="Yiii" typeface="Microsoft Yi Baiti"/>
+        <a:font script="Tibt" typeface="Microsoft Himalaya"/>
+        <a:font script="Thaa" typeface="MV Boli"/>
+        <a:font script="Deva" typeface="Mangal"/>
+        <a:font script="Telu" typeface="Gautami"/>
+        <a:font script="Taml" typeface="Latha"/>
+        <a:font script="Syrc" typeface="Estrangelo Edessa"/>
+        <a:font script="Orya" typeface="Kalinga"/>
+        <a:font script="Mlym" typeface="Kartika"/>
+        <a:font script="Laoo" typeface="DokChampa"/>
+        <a:font script="Sinh" typeface="Iskoola Pota"/>
+        <a:font script="Mong" typeface="Mongolian Baiti"/>
+        <a:font script="Viet" typeface="Arial"/>
+        <a:font script="Uigh" typeface="Microsoft Uighur"/>
+        <a:font script="Geor" typeface="Sylfaen"/>
+        <a:font script="Armn" typeface="Arial"/>
+        <a:font script="Bugi" typeface="Leelawadee UI"/>
+        <a:font script="Bopo" typeface="Microsoft JhengHei"/>
+        <a:font script="Java" typeface="Javanese Text"/>
+        <a:font script="Lisu" typeface="Segoe UI"/>
+        <a:font script="Mymr" typeface="Myanmar Text"/>
+        <a:font script="Nkoo" typeface="Ebrima"/>
+        <a:font script="Olck" typeface="Nirmala UI"/>
+        <a:font script="Osma" typeface="Ebrima"/>
+        <a:font script="Phag" typeface="Phagspa"/>
+        <a:font script="Syrn" typeface="Estrangelo Edessa"/>
+        <a:font script="Syrj" typeface="Estrangelo Edessa"/>
+        <a:font script="Syre" typeface="Estrangelo Edessa"/>
+        <a:font script="Sora" typeface="Nirmala UI"/>
+        <a:font script="Tale" typeface="Microsoft Tai Le"/>
+        <a:font script="Talu" typeface="Microsoft New Tai Lue"/>
+        <a:font script="Tfng" typeface="Ebrima"/>
+      </a:minorFont>
+    </a:fontScheme>
+    <a:fmtScheme name="Office">
+      <a:fillStyleLst>
+        <a:solidFill>
+          <a:schemeClr val="phClr"/>
+        </a:solidFill>
+        <a:gradFill rotWithShape="1">
+          <a:gsLst>
+            <a:gs pos="0">
+              <a:schemeClr val="phClr">
+                <a:lumMod val="110000"/>
+                <a:satMod val="105000"/>
+                <a:tint val="67000"/>
+              </a:schemeClr>
+            </a:gs>
+            <a:gs pos="50000">
+              <a:schemeClr val="phClr">
+                <a:lumMod val="105000"/>
+                <a:satMod val="103000"/>
+                <a:tint val="73000"/>
+              </a:schemeClr>
+            </a:gs>
+            <a:gs pos="100000">
+              <a:schemeClr val="phClr">
+                <a:lumMod val="105000"/>
+                <a:satMod val="109000"/>
+                <a:tint val="81000"/>
+              </a:schemeClr>
+            </a:gs>
+          </a:gsLst>
+          <a:lin ang="5400000" scaled="0"/>
+        </a:gradFill>
+        <a:gradFill rotWithShape="1">
+          <a:gsLst>
+            <a:gs pos="0">
+              <a:schemeClr val="phClr">
+                <a:satMod val="103000"/>
+                <a:lumMod val="102000"/>
+                <a:tint val="94000"/>
+              </a:schemeClr>
+            </a:gs>
+            <a:gs pos="50000">
+              <a:schemeClr val="phClr">
+                <a:satMod val="110000"/>
+                <a:lumMod val="100000"/>
+                <a:shade val="100000"/>
+              </a:schemeClr>
+            </a:gs>
+            <a:gs pos="100000">
+              <a:schemeClr val="phClr">
+                <a:lumMod val="99000"/>
+                <a:satMod val="120000"/>
+                <a:shade val="78000"/>
+              </a:schemeClr>
+            </a:gs>
+          </a:gsLst>
+          <a:lin ang="5400000" scaled="0"/>
+        </a:gradFill>
+      </a:fillStyleLst>
+      <a:lnStyleLst>
+        <a:ln w="6350" cap="flat" cmpd="sng" algn="ctr">
+          <a:solidFill>
+            <a:schemeClr val="phClr"/>
+          </a:solidFill>
+          <a:prstDash val="solid"/>
+          <a:miter lim="800000"/>
+        </a:ln>
+        <a:ln w="12700" cap="flat" cmpd="sng" algn="ctr">
+          <a:solidFill>
+            <a:schemeClr val="phClr"/>
+          </a:solidFill>
+          <a:prstDash val="solid"/>
+          <a:miter lim="800000"/>
+        </a:ln>
+        <a:ln w="19050" cap="flat" cmpd="sng" algn="ctr">
+          <a:solidFill>
+            <a:schemeClr val="phClr"/>
+          </a:solidFill>
+          <a:prstDash val="solid"/>
+          <a:miter lim="800000"/>
+        </a:ln>
+      </a:lnStyleLst>
+      <a:effectStyleLst>
+        <a:effectStyle>
+          <a:effectLst/>
+        </a:effectStyle>
+        <a:effectStyle>
+          <a:effectLst/>
+        </a:effectStyle>
+        <a:effectStyle>
+          <a:effectLst>
+            <a:outerShdw blurRad="57150" dist="19050" dir="5400000" algn="ctr" rotWithShape="0">
+              <a:srgbClr val="000000">
+                <a:alpha val="63000"/>
+              </a:srgbClr>
+            </a:outerShdw>
+          </a:effectLst>
+        </a:effectStyle>
+      </a:effectStyleLst>
+      <a:bgFillStyleLst>
+        <a:solidFill>
+          <a:schemeClr val="phClr"/>
+        </a:solidFill>
+        <a:solidFill>
+          <a:schemeClr val="phClr">
+            <a:tint val="95000"/>
+            <a:satMod val="170000"/>
+          </a:schemeClr>
+        </a:solidFill>
+        <a:gradFill rotWithShape="1">
+          <a:gsLst>
+            <a:gs pos="0">
+              <a:schemeClr val="phClr">
+                <a:tint val="93000"/>
+                <a:satMod val="150000"/>
+                <a:shade val="98000"/>
+                <a:lumMod val="102000"/>
+              </a:schemeClr>
+            </a:gs>
+            <a:gs pos="50000">
+              <a:schemeClr val="phClr">
+                <a:tint val="98000"/>
+                <a:satMod val="130000"/>
+                <a:shade val="90000"/>
+                <a:lumMod val="103000"/>
+              </a:schemeClr>
+            </a:gs>
+            <a:gs pos="100000">
+              <a:schemeClr val="phClr">
+                <a:shade val="63000"/>
+                <a:satMod val="120000"/>
+              </a:schemeClr>
+            </a:gs>
+          </a:gsLst>
+          <a:lin ang="5400000" scaled="0"/>
+        </a:gradFill>
+      </a:bgFillStyleLst>
+    </a:fmtScheme>
+  </a:themeElements>
+  <a:objectDefaults/>
+  <a:extraClrSchemeLst/>
+  <a:extLst>
+    <a:ext uri="{05A4C25C-085E-4340-85A3-A5531E510DB2}">
+      <thm15:themeFamily xmlns:thm15="http://schemas.microsoft.com/office/thememl/2012/main" name="Office Theme" id="{62F939B6-93AF-4DB8-9C6B-D6C7DFDC589F}" vid="{4A3C46E8-61CC-4603-A589-7422A47A8E4A}"/>
+    </a:ext>
+  </a:extLst>
+</a:theme>
 </file>